--- a/dp/presentation.pptx
+++ b/dp/presentation.pptx
@@ -1,43 +1,65 @@
 
 <file path=ppt/presentation.xml><?xml version="1.0" encoding="utf-8"?>
-<p:presentation xmlns:a="http://schemas.openxmlformats.org/drawingml/2006/main" xmlns:r="http://schemas.openxmlformats.org/officeDocument/2006/relationships" xmlns:p="http://schemas.openxmlformats.org/presentationml/2006/main" xmlns:m="http://schemas.openxmlformats.org/officeDocument/2006/math" xmlns:a14="http://schemas.microsoft.com/office/drawing/2010/main">
+<p:presentation xmlns:a="http://schemas.openxmlformats.org/drawingml/2006/main" xmlns:r="http://schemas.openxmlformats.org/officeDocument/2006/relationships" xmlns:p="http://schemas.openxmlformats.org/presentationml/2006/main">
   <p:sldMasterIdLst>
-    <p:sldMasterId id="2147483648" r:id="rId5"/>
+    <p:sldMasterId id="2147483648" r:id="rId1"/>
   </p:sldMasterIdLst>
   <p:notesMasterIdLst>
-    <p:notesMasterId r:id="rId7"/>
+    <p:notesMasterId r:id="rId54"/>
   </p:notesMasterIdLst>
   <p:sldIdLst>
-    <p:sldId id="256" r:id="rId8"/>
-    <p:sldId id="257" r:id="rId9"/>
-    <p:sldId id="258" r:id="rId10"/>
-    <p:sldId id="259" r:id="rId11"/>
-    <p:sldId id="260" r:id="rId12"/>
-    <p:sldId id="261" r:id="rId13"/>
-    <p:sldId id="262" r:id="rId14"/>
-    <p:sldId id="263" r:id="rId15"/>
-    <p:sldId id="264" r:id="rId16"/>
-    <p:sldId id="265" r:id="rId17"/>
-    <p:sldId id="266" r:id="rId18"/>
-    <p:sldId id="267" r:id="rId19"/>
-    <p:sldId id="268" r:id="rId20"/>
-    <p:sldId id="269" r:id="rId21"/>
-    <p:sldId id="270" r:id="rId22"/>
-    <p:sldId id="271" r:id="rId23"/>
-    <p:sldId id="272" r:id="rId24"/>
-    <p:sldId id="273" r:id="rId25"/>
-    <p:sldId id="274" r:id="rId26"/>
-    <p:sldId id="275" r:id="rId27"/>
-    <p:sldId id="276" r:id="rId28"/>
-    <p:sldId id="277" r:id="rId29"/>
-    <p:sldId id="278" r:id="rId30"/>
-    <p:sldId id="279" r:id="rId31"/>
-    <p:sldId id="280" r:id="rId32"/>
-    <p:sldId id="281" r:id="rId33"/>
-    <p:sldId id="282" r:id="rId34"/>
-    <p:sldId id="283" r:id="rId35"/>
-    <p:sldId id="284" r:id="rId36"/>
-    <p:sldId id="285" r:id="rId37"/>
+    <p:sldId id="256" r:id="rId2"/>
+    <p:sldId id="257" r:id="rId3"/>
+    <p:sldId id="258" r:id="rId4"/>
+    <p:sldId id="259" r:id="rId5"/>
+    <p:sldId id="260" r:id="rId6"/>
+    <p:sldId id="261" r:id="rId7"/>
+    <p:sldId id="262" r:id="rId8"/>
+    <p:sldId id="263" r:id="rId9"/>
+    <p:sldId id="264" r:id="rId10"/>
+    <p:sldId id="265" r:id="rId11"/>
+    <p:sldId id="266" r:id="rId12"/>
+    <p:sldId id="267" r:id="rId13"/>
+    <p:sldId id="268" r:id="rId14"/>
+    <p:sldId id="269" r:id="rId15"/>
+    <p:sldId id="270" r:id="rId16"/>
+    <p:sldId id="271" r:id="rId17"/>
+    <p:sldId id="272" r:id="rId18"/>
+    <p:sldId id="273" r:id="rId19"/>
+    <p:sldId id="274" r:id="rId20"/>
+    <p:sldId id="275" r:id="rId21"/>
+    <p:sldId id="276" r:id="rId22"/>
+    <p:sldId id="277" r:id="rId23"/>
+    <p:sldId id="278" r:id="rId24"/>
+    <p:sldId id="279" r:id="rId25"/>
+    <p:sldId id="280" r:id="rId26"/>
+    <p:sldId id="281" r:id="rId27"/>
+    <p:sldId id="282" r:id="rId28"/>
+    <p:sldId id="283" r:id="rId29"/>
+    <p:sldId id="284" r:id="rId30"/>
+    <p:sldId id="285" r:id="rId31"/>
+    <p:sldId id="286" r:id="rId32"/>
+    <p:sldId id="287" r:id="rId33"/>
+    <p:sldId id="288" r:id="rId34"/>
+    <p:sldId id="289" r:id="rId35"/>
+    <p:sldId id="290" r:id="rId36"/>
+    <p:sldId id="291" r:id="rId37"/>
+    <p:sldId id="292" r:id="rId38"/>
+    <p:sldId id="293" r:id="rId39"/>
+    <p:sldId id="295" r:id="rId40"/>
+    <p:sldId id="296" r:id="rId41"/>
+    <p:sldId id="294" r:id="rId42"/>
+    <p:sldId id="297" r:id="rId43"/>
+    <p:sldId id="298" r:id="rId44"/>
+    <p:sldId id="299" r:id="rId45"/>
+    <p:sldId id="300" r:id="rId46"/>
+    <p:sldId id="301" r:id="rId47"/>
+    <p:sldId id="302" r:id="rId48"/>
+    <p:sldId id="303" r:id="rId49"/>
+    <p:sldId id="307" r:id="rId50"/>
+    <p:sldId id="306" r:id="rId51"/>
+    <p:sldId id="305" r:id="rId52"/>
+    <p:sldId id="304" r:id="rId53"/>
   </p:sldIdLst>
   <p:sldSz cx="13004800" cy="9753600"/>
   <p:notesSz cx="6858000" cy="9144000"/>
@@ -57,7 +79,7 @@
       <a:buFontTx/>
       <a:buNone/>
       <a:tabLst/>
-      <a:defRPr b="0" baseline="0" cap="none" i="0" spc="0" strike="noStrike" sz="1800" u="none" kumimoji="0" normalizeH="0">
+      <a:defRPr kumimoji="0" sz="1800" b="0" i="0" u="none" strike="noStrike" cap="none" spc="0" normalizeH="0" baseline="0">
         <a:ln>
           <a:noFill/>
         </a:ln>
@@ -83,7 +105,7 @@
       <a:buFontTx/>
       <a:buNone/>
       <a:tabLst/>
-      <a:defRPr b="0" baseline="0" cap="none" i="0" spc="0" strike="noStrike" sz="3600" u="none" kumimoji="0" normalizeH="0">
+      <a:defRPr kumimoji="0" sz="3600" b="0" i="0" u="none" strike="noStrike" cap="none" spc="0" normalizeH="0" baseline="0">
         <a:ln>
           <a:noFill/>
         </a:ln>
@@ -113,7 +135,7 @@
       <a:buFontTx/>
       <a:buNone/>
       <a:tabLst/>
-      <a:defRPr b="0" baseline="0" cap="none" i="0" spc="0" strike="noStrike" sz="3600" u="none" kumimoji="0" normalizeH="0">
+      <a:defRPr kumimoji="0" sz="3600" b="0" i="0" u="none" strike="noStrike" cap="none" spc="0" normalizeH="0" baseline="0">
         <a:ln>
           <a:noFill/>
         </a:ln>
@@ -143,7 +165,7 @@
       <a:buFontTx/>
       <a:buNone/>
       <a:tabLst/>
-      <a:defRPr b="0" baseline="0" cap="none" i="0" spc="0" strike="noStrike" sz="3600" u="none" kumimoji="0" normalizeH="0">
+      <a:defRPr kumimoji="0" sz="3600" b="0" i="0" u="none" strike="noStrike" cap="none" spc="0" normalizeH="0" baseline="0">
         <a:ln>
           <a:noFill/>
         </a:ln>
@@ -173,7 +195,7 @@
       <a:buFontTx/>
       <a:buNone/>
       <a:tabLst/>
-      <a:defRPr b="0" baseline="0" cap="none" i="0" spc="0" strike="noStrike" sz="3600" u="none" kumimoji="0" normalizeH="0">
+      <a:defRPr kumimoji="0" sz="3600" b="0" i="0" u="none" strike="noStrike" cap="none" spc="0" normalizeH="0" baseline="0">
         <a:ln>
           <a:noFill/>
         </a:ln>
@@ -203,7 +225,7 @@
       <a:buFontTx/>
       <a:buNone/>
       <a:tabLst/>
-      <a:defRPr b="0" baseline="0" cap="none" i="0" spc="0" strike="noStrike" sz="3600" u="none" kumimoji="0" normalizeH="0">
+      <a:defRPr kumimoji="0" sz="3600" b="0" i="0" u="none" strike="noStrike" cap="none" spc="0" normalizeH="0" baseline="0">
         <a:ln>
           <a:noFill/>
         </a:ln>
@@ -233,7 +255,7 @@
       <a:buFontTx/>
       <a:buNone/>
       <a:tabLst/>
-      <a:defRPr b="0" baseline="0" cap="none" i="0" spc="0" strike="noStrike" sz="3600" u="none" kumimoji="0" normalizeH="0">
+      <a:defRPr kumimoji="0" sz="3600" b="0" i="0" u="none" strike="noStrike" cap="none" spc="0" normalizeH="0" baseline="0">
         <a:ln>
           <a:noFill/>
         </a:ln>
@@ -263,7 +285,7 @@
       <a:buFontTx/>
       <a:buNone/>
       <a:tabLst/>
-      <a:defRPr b="0" baseline="0" cap="none" i="0" spc="0" strike="noStrike" sz="3600" u="none" kumimoji="0" normalizeH="0">
+      <a:defRPr kumimoji="0" sz="3600" b="0" i="0" u="none" strike="noStrike" cap="none" spc="0" normalizeH="0" baseline="0">
         <a:ln>
           <a:noFill/>
         </a:ln>
@@ -293,7 +315,7 @@
       <a:buFontTx/>
       <a:buNone/>
       <a:tabLst/>
-      <a:defRPr b="0" baseline="0" cap="none" i="0" spc="0" strike="noStrike" sz="3600" u="none" kumimoji="0" normalizeH="0">
+      <a:defRPr kumimoji="0" sz="3600" b="0" i="0" u="none" strike="noStrike" cap="none" spc="0" normalizeH="0" baseline="0">
         <a:ln>
           <a:noFill/>
         </a:ln>
@@ -323,7 +345,7 @@
       <a:buFontTx/>
       <a:buNone/>
       <a:tabLst/>
-      <a:defRPr b="0" baseline="0" cap="none" i="0" spc="0" strike="noStrike" sz="3600" u="none" kumimoji="0" normalizeH="0">
+      <a:defRPr kumimoji="0" sz="3600" b="0" i="0" u="none" strike="noStrike" cap="none" spc="0" normalizeH="0" baseline="0">
         <a:ln>
           <a:noFill/>
         </a:ln>
@@ -342,13 +364,14 @@
 </p:presentation>
 </file>
 
-<file path=ppt/commentAuthors.xml><?xml version="1.0" encoding="utf-8"?>
-<p:cmAuthorLst xmlns:a="http://schemas.openxmlformats.org/drawingml/2006/main" xmlns:r="http://schemas.openxmlformats.org/officeDocument/2006/relationships" xmlns:p="http://schemas.openxmlformats.org/presentationml/2006/main" xmlns:m="http://schemas.openxmlformats.org/officeDocument/2006/math" xmlns:a14="http://schemas.microsoft.com/office/drawing/2010/main"/>
-</file>
-
 <file path=ppt/notesMasters/notesMaster1.xml><?xml version="1.0" encoding="utf-8"?>
-<p:notesMaster xmlns:a="http://schemas.openxmlformats.org/drawingml/2006/main" xmlns:r="http://schemas.openxmlformats.org/officeDocument/2006/relationships" xmlns:p="http://schemas.openxmlformats.org/presentationml/2006/main" xmlns:m="http://schemas.openxmlformats.org/officeDocument/2006/math" xmlns:a14="http://schemas.microsoft.com/office/drawing/2010/main">
+<p:notesMaster xmlns:a="http://schemas.openxmlformats.org/drawingml/2006/main" xmlns:r="http://schemas.openxmlformats.org/officeDocument/2006/relationships" xmlns:p="http://schemas.openxmlformats.org/presentationml/2006/main">
   <p:cSld>
+    <p:bg>
+      <p:bgRef idx="1001">
+        <a:schemeClr val="bg1"/>
+      </p:bgRef>
+    </p:bg>
     <p:spTree>
       <p:nvGrpSpPr>
         <p:cNvPr id="1" name=""/>
@@ -366,7 +389,9 @@
       <p:sp>
         <p:nvSpPr>
           <p:cNvPr id="116" name="Shape 116"/>
-          <p:cNvSpPr/>
+          <p:cNvSpPr>
+            <a:spLocks noGrp="1" noRot="1" noChangeAspect="1"/>
+          </p:cNvSpPr>
           <p:nvPr>
             <p:ph type="sldImg"/>
           </p:nvPr>
@@ -384,14 +409,16 @@
           <a:bodyPr/>
           <a:lstStyle/>
           <a:p>
-            <a:pPr/>
+            <a:endParaRPr/>
           </a:p>
         </p:txBody>
       </p:sp>
       <p:sp>
         <p:nvSpPr>
           <p:cNvPr id="117" name="Shape 117"/>
-          <p:cNvSpPr/>
+          <p:cNvSpPr>
+            <a:spLocks noGrp="1"/>
+          </p:cNvSpPr>
           <p:nvPr>
             <p:ph type="body" sz="quarter" idx="1"/>
           </p:nvPr>
@@ -409,11 +436,16 @@
           <a:bodyPr/>
           <a:lstStyle/>
           <a:p>
-            <a:pPr/>
+            <a:endParaRPr/>
           </a:p>
         </p:txBody>
       </p:sp>
     </p:spTree>
+    <p:extLst>
+      <p:ext uri="{BB962C8B-B14F-4D97-AF65-F5344CB8AC3E}">
+        <p14:creationId xmlns:p14="http://schemas.microsoft.com/office/powerpoint/2010/main" val="2595875423"/>
+      </p:ext>
+    </p:extLst>
   </p:cSld>
   <p:clrMap bg1="lt1" tx1="dk1" bg2="lt2" tx2="dk2" accent1="accent1" accent2="accent2" accent3="accent3" accent4="accent4" accent5="accent5" accent6="accent6" hlink="hlink" folHlink="folHlink"/>
   <p:notesStyle>
@@ -521,7 +553,7 @@
 </file>
 
 <file path=ppt/slideLayouts/slideLayout1.xml><?xml version="1.0" encoding="utf-8"?>
-<p:sldLayout xmlns:a="http://schemas.openxmlformats.org/drawingml/2006/main" xmlns:r="http://schemas.openxmlformats.org/officeDocument/2006/relationships" xmlns:p="http://schemas.openxmlformats.org/presentationml/2006/main" xmlns:m="http://schemas.openxmlformats.org/officeDocument/2006/math" xmlns:a14="http://schemas.microsoft.com/office/drawing/2010/main" type="title" showMasterSp="1" showMasterPhAnim="1">
+<p:sldLayout xmlns:a="http://schemas.openxmlformats.org/drawingml/2006/main" xmlns:r="http://schemas.openxmlformats.org/officeDocument/2006/relationships" xmlns:p="http://schemas.openxmlformats.org/presentationml/2006/main" type="title">
   <p:cSld name="Title &amp; Subtitle">
     <p:spTree>
       <p:nvGrpSpPr>
@@ -540,7 +572,9 @@
       <p:sp>
         <p:nvSpPr>
           <p:cNvPr id="11" name="Title Text"/>
-          <p:cNvSpPr txBox="1"/>
+          <p:cNvSpPr txBox="1">
+            <a:spLocks noGrp="1"/>
+          </p:cNvSpPr>
           <p:nvPr>
             <p:ph type="title"/>
           </p:nvPr>
@@ -558,7 +592,6 @@
           <a:bodyPr anchor="b"/>
           <a:lstStyle/>
           <a:p>
-            <a:pPr/>
             <a:r>
               <a:t>Title Text</a:t>
             </a:r>
@@ -568,7 +601,9 @@
       <p:sp>
         <p:nvSpPr>
           <p:cNvPr id="12" name="Body Level One…"/>
-          <p:cNvSpPr txBox="1"/>
+          <p:cNvSpPr txBox="1">
+            <a:spLocks noGrp="1"/>
+          </p:cNvSpPr>
           <p:nvPr>
             <p:ph type="body" sz="quarter" idx="1"/>
           </p:nvPr>
@@ -637,7 +672,6 @@
             </a:lvl5pPr>
           </a:lstStyle>
           <a:p>
-            <a:pPr/>
             <a:r>
               <a:t>Body Level One</a:t>
             </a:r>
@@ -671,7 +705,9 @@
       <p:sp>
         <p:nvSpPr>
           <p:cNvPr id="13" name="Slide Number"/>
-          <p:cNvSpPr txBox="1"/>
+          <p:cNvSpPr txBox="1">
+            <a:spLocks noGrp="1"/>
+          </p:cNvSpPr>
           <p:nvPr>
             <p:ph type="sldNum" sz="quarter" idx="2"/>
           </p:nvPr>
@@ -685,8 +721,10 @@
           <a:bodyPr/>
           <a:lstStyle/>
           <a:p>
-            <a:pPr/>
-            <a:fld id="{86CB4B4D-7CA3-9044-876B-883B54F8677D}" type="slidenum"/>
+            <a:fld id="{86CB4B4D-7CA3-9044-876B-883B54F8677D}" type="slidenum">
+              <a:t>‹#›</a:t>
+            </a:fld>
+            <a:endParaRPr/>
           </a:p>
         </p:txBody>
       </p:sp>
@@ -695,12 +733,12 @@
   <p:clrMapOvr>
     <a:masterClrMapping/>
   </p:clrMapOvr>
-  <p:transition xmlns:p14="http://schemas.microsoft.com/office/powerpoint/2010/main" spd="med" advClick="1"/>
+  <p:transition spd="med"/>
 </p:sldLayout>
 </file>
 
 <file path=ppt/slideLayouts/slideLayout10.xml><?xml version="1.0" encoding="utf-8"?>
-<p:sldLayout xmlns:a="http://schemas.openxmlformats.org/drawingml/2006/main" xmlns:r="http://schemas.openxmlformats.org/officeDocument/2006/relationships" xmlns:p="http://schemas.openxmlformats.org/presentationml/2006/main" xmlns:m="http://schemas.openxmlformats.org/officeDocument/2006/math" xmlns:a14="http://schemas.microsoft.com/office/drawing/2010/main" type="tx" showMasterSp="1" showMasterPhAnim="1">
+<p:sldLayout xmlns:a="http://schemas.openxmlformats.org/drawingml/2006/main" xmlns:r="http://schemas.openxmlformats.org/officeDocument/2006/relationships" xmlns:p="http://schemas.openxmlformats.org/presentationml/2006/main" type="tx">
   <p:cSld name="Quote">
     <p:spTree>
       <p:nvGrpSpPr>
@@ -719,7 +757,9 @@
       <p:sp>
         <p:nvSpPr>
           <p:cNvPr id="93" name="–Johnny Appleseed"/>
-          <p:cNvSpPr txBox="1"/>
+          <p:cNvSpPr txBox="1">
+            <a:spLocks noGrp="1"/>
+          </p:cNvSpPr>
           <p:nvPr>
             <p:ph type="body" sz="quarter" idx="13"/>
           </p:nvPr>
@@ -748,7 +788,6 @@
             </a:lvl1pPr>
           </a:lstStyle>
           <a:p>
-            <a:pPr/>
             <a:r>
               <a:t>–Johnny Appleseed</a:t>
             </a:r>
@@ -758,7 +797,9 @@
       <p:sp>
         <p:nvSpPr>
           <p:cNvPr id="94" name="“Type a quote here.”"/>
-          <p:cNvSpPr txBox="1"/>
+          <p:cNvSpPr txBox="1">
+            <a:spLocks noGrp="1"/>
+          </p:cNvSpPr>
           <p:nvPr>
             <p:ph type="body" sz="quarter" idx="14"/>
           </p:nvPr>
@@ -786,7 +827,6 @@
             </a:lvl1pPr>
           </a:lstStyle>
           <a:p>
-            <a:pPr/>
             <a:r>
               <a:t>“Type a quote here.”</a:t>
             </a:r>
@@ -796,7 +836,9 @@
       <p:sp>
         <p:nvSpPr>
           <p:cNvPr id="95" name="Slide Number"/>
-          <p:cNvSpPr txBox="1"/>
+          <p:cNvSpPr txBox="1">
+            <a:spLocks noGrp="1"/>
+          </p:cNvSpPr>
           <p:nvPr>
             <p:ph type="sldNum" sz="quarter" idx="2"/>
           </p:nvPr>
@@ -810,8 +852,10 @@
           <a:bodyPr/>
           <a:lstStyle/>
           <a:p>
-            <a:pPr/>
-            <a:fld id="{86CB4B4D-7CA3-9044-876B-883B54F8677D}" type="slidenum"/>
+            <a:fld id="{86CB4B4D-7CA3-9044-876B-883B54F8677D}" type="slidenum">
+              <a:t>‹#›</a:t>
+            </a:fld>
+            <a:endParaRPr/>
           </a:p>
         </p:txBody>
       </p:sp>
@@ -820,12 +864,12 @@
   <p:clrMapOvr>
     <a:masterClrMapping/>
   </p:clrMapOvr>
-  <p:transition xmlns:p14="http://schemas.microsoft.com/office/powerpoint/2010/main" spd="med" advClick="1"/>
+  <p:transition spd="med"/>
 </p:sldLayout>
 </file>
 
 <file path=ppt/slideLayouts/slideLayout11.xml><?xml version="1.0" encoding="utf-8"?>
-<p:sldLayout xmlns:a="http://schemas.openxmlformats.org/drawingml/2006/main" xmlns:r="http://schemas.openxmlformats.org/officeDocument/2006/relationships" xmlns:p="http://schemas.openxmlformats.org/presentationml/2006/main" xmlns:m="http://schemas.openxmlformats.org/officeDocument/2006/math" xmlns:a14="http://schemas.microsoft.com/office/drawing/2010/main" type="tx" showMasterSp="1" showMasterPhAnim="1">
+<p:sldLayout xmlns:a="http://schemas.openxmlformats.org/drawingml/2006/main" xmlns:r="http://schemas.openxmlformats.org/officeDocument/2006/relationships" xmlns:p="http://schemas.openxmlformats.org/presentationml/2006/main" type="tx">
   <p:cSld name="Photo">
     <p:spTree>
       <p:nvGrpSpPr>
@@ -844,7 +888,9 @@
       <p:sp>
         <p:nvSpPr>
           <p:cNvPr id="102" name="Image"/>
-          <p:cNvSpPr/>
+          <p:cNvSpPr>
+            <a:spLocks noGrp="1"/>
+          </p:cNvSpPr>
           <p:nvPr>
             <p:ph type="pic" idx="13"/>
           </p:nvPr>
@@ -864,14 +910,16 @@
           </a:bodyPr>
           <a:lstStyle/>
           <a:p>
-            <a:pPr/>
+            <a:endParaRPr/>
           </a:p>
         </p:txBody>
       </p:sp>
       <p:sp>
         <p:nvSpPr>
           <p:cNvPr id="103" name="Slide Number"/>
-          <p:cNvSpPr txBox="1"/>
+          <p:cNvSpPr txBox="1">
+            <a:spLocks noGrp="1"/>
+          </p:cNvSpPr>
           <p:nvPr>
             <p:ph type="sldNum" sz="quarter" idx="2"/>
           </p:nvPr>
@@ -885,8 +933,10 @@
           <a:bodyPr/>
           <a:lstStyle/>
           <a:p>
-            <a:pPr/>
-            <a:fld id="{86CB4B4D-7CA3-9044-876B-883B54F8677D}" type="slidenum"/>
+            <a:fld id="{86CB4B4D-7CA3-9044-876B-883B54F8677D}" type="slidenum">
+              <a:t>‹#›</a:t>
+            </a:fld>
+            <a:endParaRPr/>
           </a:p>
         </p:txBody>
       </p:sp>
@@ -895,12 +945,12 @@
   <p:clrMapOvr>
     <a:masterClrMapping/>
   </p:clrMapOvr>
-  <p:transition xmlns:p14="http://schemas.microsoft.com/office/powerpoint/2010/main" spd="med" advClick="1"/>
+  <p:transition spd="med"/>
 </p:sldLayout>
 </file>
 
 <file path=ppt/slideLayouts/slideLayout12.xml><?xml version="1.0" encoding="utf-8"?>
-<p:sldLayout xmlns:a="http://schemas.openxmlformats.org/drawingml/2006/main" xmlns:r="http://schemas.openxmlformats.org/officeDocument/2006/relationships" xmlns:p="http://schemas.openxmlformats.org/presentationml/2006/main" xmlns:m="http://schemas.openxmlformats.org/officeDocument/2006/math" xmlns:a14="http://schemas.microsoft.com/office/drawing/2010/main" type="tx" showMasterSp="1" showMasterPhAnim="1">
+<p:sldLayout xmlns:a="http://schemas.openxmlformats.org/drawingml/2006/main" xmlns:r="http://schemas.openxmlformats.org/officeDocument/2006/relationships" xmlns:p="http://schemas.openxmlformats.org/presentationml/2006/main" type="tx">
   <p:cSld name="Blank">
     <p:spTree>
       <p:nvGrpSpPr>
@@ -919,7 +969,9 @@
       <p:sp>
         <p:nvSpPr>
           <p:cNvPr id="110" name="Slide Number"/>
-          <p:cNvSpPr txBox="1"/>
+          <p:cNvSpPr txBox="1">
+            <a:spLocks noGrp="1"/>
+          </p:cNvSpPr>
           <p:nvPr>
             <p:ph type="sldNum" sz="quarter" idx="2"/>
           </p:nvPr>
@@ -933,8 +985,10 @@
           <a:bodyPr/>
           <a:lstStyle/>
           <a:p>
-            <a:pPr/>
-            <a:fld id="{86CB4B4D-7CA3-9044-876B-883B54F8677D}" type="slidenum"/>
+            <a:fld id="{86CB4B4D-7CA3-9044-876B-883B54F8677D}" type="slidenum">
+              <a:t>‹#›</a:t>
+            </a:fld>
+            <a:endParaRPr/>
           </a:p>
         </p:txBody>
       </p:sp>
@@ -943,12 +997,12 @@
   <p:clrMapOvr>
     <a:masterClrMapping/>
   </p:clrMapOvr>
-  <p:transition xmlns:p14="http://schemas.microsoft.com/office/powerpoint/2010/main" spd="med" advClick="1"/>
+  <p:transition spd="med"/>
 </p:sldLayout>
 </file>
 
 <file path=ppt/slideLayouts/slideLayout2.xml><?xml version="1.0" encoding="utf-8"?>
-<p:sldLayout xmlns:a="http://schemas.openxmlformats.org/drawingml/2006/main" xmlns:r="http://schemas.openxmlformats.org/officeDocument/2006/relationships" xmlns:p="http://schemas.openxmlformats.org/presentationml/2006/main" xmlns:m="http://schemas.openxmlformats.org/officeDocument/2006/math" xmlns:a14="http://schemas.microsoft.com/office/drawing/2010/main" type="tx" showMasterSp="1" showMasterPhAnim="1">
+<p:sldLayout xmlns:a="http://schemas.openxmlformats.org/drawingml/2006/main" xmlns:r="http://schemas.openxmlformats.org/officeDocument/2006/relationships" xmlns:p="http://schemas.openxmlformats.org/presentationml/2006/main" type="tx">
   <p:cSld name="Photo - Horizontal">
     <p:spTree>
       <p:nvGrpSpPr>
@@ -967,7 +1021,9 @@
       <p:sp>
         <p:nvSpPr>
           <p:cNvPr id="20" name="Image"/>
-          <p:cNvSpPr/>
+          <p:cNvSpPr>
+            <a:spLocks noGrp="1"/>
+          </p:cNvSpPr>
           <p:nvPr>
             <p:ph type="pic" idx="13"/>
           </p:nvPr>
@@ -987,14 +1043,16 @@
           </a:bodyPr>
           <a:lstStyle/>
           <a:p>
-            <a:pPr/>
+            <a:endParaRPr/>
           </a:p>
         </p:txBody>
       </p:sp>
       <p:sp>
         <p:nvSpPr>
           <p:cNvPr id="21" name="Title Text"/>
-          <p:cNvSpPr txBox="1"/>
+          <p:cNvSpPr txBox="1">
+            <a:spLocks noGrp="1"/>
+          </p:cNvSpPr>
           <p:nvPr>
             <p:ph type="title"/>
           </p:nvPr>
@@ -1012,7 +1070,6 @@
           <a:bodyPr/>
           <a:lstStyle/>
           <a:p>
-            <a:pPr/>
             <a:r>
               <a:t>Title Text</a:t>
             </a:r>
@@ -1022,7 +1079,9 @@
       <p:sp>
         <p:nvSpPr>
           <p:cNvPr id="22" name="Body Level One…"/>
-          <p:cNvSpPr txBox="1"/>
+          <p:cNvSpPr txBox="1">
+            <a:spLocks noGrp="1"/>
+          </p:cNvSpPr>
           <p:nvPr>
             <p:ph type="body" sz="quarter" idx="1"/>
           </p:nvPr>
@@ -1091,7 +1150,6 @@
             </a:lvl5pPr>
           </a:lstStyle>
           <a:p>
-            <a:pPr/>
             <a:r>
               <a:t>Body Level One</a:t>
             </a:r>
@@ -1125,7 +1183,9 @@
       <p:sp>
         <p:nvSpPr>
           <p:cNvPr id="23" name="Slide Number"/>
-          <p:cNvSpPr txBox="1"/>
+          <p:cNvSpPr txBox="1">
+            <a:spLocks noGrp="1"/>
+          </p:cNvSpPr>
           <p:nvPr>
             <p:ph type="sldNum" sz="quarter" idx="2"/>
           </p:nvPr>
@@ -1139,8 +1199,10 @@
           <a:bodyPr/>
           <a:lstStyle/>
           <a:p>
-            <a:pPr/>
-            <a:fld id="{86CB4B4D-7CA3-9044-876B-883B54F8677D}" type="slidenum"/>
+            <a:fld id="{86CB4B4D-7CA3-9044-876B-883B54F8677D}" type="slidenum">
+              <a:t>‹#›</a:t>
+            </a:fld>
+            <a:endParaRPr/>
           </a:p>
         </p:txBody>
       </p:sp>
@@ -1149,12 +1211,12 @@
   <p:clrMapOvr>
     <a:masterClrMapping/>
   </p:clrMapOvr>
-  <p:transition xmlns:p14="http://schemas.microsoft.com/office/powerpoint/2010/main" spd="med" advClick="1"/>
+  <p:transition spd="med"/>
 </p:sldLayout>
 </file>
 
 <file path=ppt/slideLayouts/slideLayout3.xml><?xml version="1.0" encoding="utf-8"?>
-<p:sldLayout xmlns:a="http://schemas.openxmlformats.org/drawingml/2006/main" xmlns:r="http://schemas.openxmlformats.org/officeDocument/2006/relationships" xmlns:p="http://schemas.openxmlformats.org/presentationml/2006/main" xmlns:m="http://schemas.openxmlformats.org/officeDocument/2006/math" xmlns:a14="http://schemas.microsoft.com/office/drawing/2010/main" type="tx" showMasterSp="1" showMasterPhAnim="1">
+<p:sldLayout xmlns:a="http://schemas.openxmlformats.org/drawingml/2006/main" xmlns:r="http://schemas.openxmlformats.org/officeDocument/2006/relationships" xmlns:p="http://schemas.openxmlformats.org/presentationml/2006/main" type="tx">
   <p:cSld name="Title - Center">
     <p:spTree>
       <p:nvGrpSpPr>
@@ -1173,7 +1235,9 @@
       <p:sp>
         <p:nvSpPr>
           <p:cNvPr id="30" name="Title Text"/>
-          <p:cNvSpPr txBox="1"/>
+          <p:cNvSpPr txBox="1">
+            <a:spLocks noGrp="1"/>
+          </p:cNvSpPr>
           <p:nvPr>
             <p:ph type="title"/>
           </p:nvPr>
@@ -1191,7 +1255,6 @@
           <a:bodyPr/>
           <a:lstStyle/>
           <a:p>
-            <a:pPr/>
             <a:r>
               <a:t>Title Text</a:t>
             </a:r>
@@ -1201,7 +1264,9 @@
       <p:sp>
         <p:nvSpPr>
           <p:cNvPr id="31" name="Slide Number"/>
-          <p:cNvSpPr txBox="1"/>
+          <p:cNvSpPr txBox="1">
+            <a:spLocks noGrp="1"/>
+          </p:cNvSpPr>
           <p:nvPr>
             <p:ph type="sldNum" sz="quarter" idx="2"/>
           </p:nvPr>
@@ -1215,8 +1280,10 @@
           <a:bodyPr/>
           <a:lstStyle/>
           <a:p>
-            <a:pPr/>
-            <a:fld id="{86CB4B4D-7CA3-9044-876B-883B54F8677D}" type="slidenum"/>
+            <a:fld id="{86CB4B4D-7CA3-9044-876B-883B54F8677D}" type="slidenum">
+              <a:t>‹#›</a:t>
+            </a:fld>
+            <a:endParaRPr/>
           </a:p>
         </p:txBody>
       </p:sp>
@@ -1225,12 +1292,12 @@
   <p:clrMapOvr>
     <a:masterClrMapping/>
   </p:clrMapOvr>
-  <p:transition xmlns:p14="http://schemas.microsoft.com/office/powerpoint/2010/main" spd="med" advClick="1"/>
+  <p:transition spd="med"/>
 </p:sldLayout>
 </file>
 
 <file path=ppt/slideLayouts/slideLayout4.xml><?xml version="1.0" encoding="utf-8"?>
-<p:sldLayout xmlns:a="http://schemas.openxmlformats.org/drawingml/2006/main" xmlns:r="http://schemas.openxmlformats.org/officeDocument/2006/relationships" xmlns:p="http://schemas.openxmlformats.org/presentationml/2006/main" xmlns:m="http://schemas.openxmlformats.org/officeDocument/2006/math" xmlns:a14="http://schemas.microsoft.com/office/drawing/2010/main" type="tx" showMasterSp="1" showMasterPhAnim="1">
+<p:sldLayout xmlns:a="http://schemas.openxmlformats.org/drawingml/2006/main" xmlns:r="http://schemas.openxmlformats.org/officeDocument/2006/relationships" xmlns:p="http://schemas.openxmlformats.org/presentationml/2006/main" type="tx">
   <p:cSld name="Photo - Vertical">
     <p:spTree>
       <p:nvGrpSpPr>
@@ -1249,7 +1316,9 @@
       <p:sp>
         <p:nvSpPr>
           <p:cNvPr id="38" name="Image"/>
-          <p:cNvSpPr/>
+          <p:cNvSpPr>
+            <a:spLocks noGrp="1"/>
+          </p:cNvSpPr>
           <p:nvPr>
             <p:ph type="pic" sz="half" idx="13"/>
           </p:nvPr>
@@ -1269,14 +1338,16 @@
           </a:bodyPr>
           <a:lstStyle/>
           <a:p>
-            <a:pPr/>
+            <a:endParaRPr/>
           </a:p>
         </p:txBody>
       </p:sp>
       <p:sp>
         <p:nvSpPr>
           <p:cNvPr id="39" name="Title Text"/>
-          <p:cNvSpPr txBox="1"/>
+          <p:cNvSpPr txBox="1">
+            <a:spLocks noGrp="1"/>
+          </p:cNvSpPr>
           <p:nvPr>
             <p:ph type="title"/>
           </p:nvPr>
@@ -1294,7 +1365,6 @@
           <a:bodyPr anchor="b"/>
           <a:lstStyle/>
           <a:p>
-            <a:pPr/>
             <a:r>
               <a:t>Title Text</a:t>
             </a:r>
@@ -1304,7 +1374,9 @@
       <p:sp>
         <p:nvSpPr>
           <p:cNvPr id="40" name="Body Level One…"/>
-          <p:cNvSpPr txBox="1"/>
+          <p:cNvSpPr txBox="1">
+            <a:spLocks noGrp="1"/>
+          </p:cNvSpPr>
           <p:nvPr>
             <p:ph type="body" sz="quarter" idx="1"/>
           </p:nvPr>
@@ -1373,7 +1445,6 @@
             </a:lvl5pPr>
           </a:lstStyle>
           <a:p>
-            <a:pPr/>
             <a:r>
               <a:t>Body Level One</a:t>
             </a:r>
@@ -1407,7 +1478,9 @@
       <p:sp>
         <p:nvSpPr>
           <p:cNvPr id="41" name="Slide Number"/>
-          <p:cNvSpPr txBox="1"/>
+          <p:cNvSpPr txBox="1">
+            <a:spLocks noGrp="1"/>
+          </p:cNvSpPr>
           <p:nvPr>
             <p:ph type="sldNum" sz="quarter" idx="2"/>
           </p:nvPr>
@@ -1421,8 +1494,10 @@
           <a:bodyPr/>
           <a:lstStyle/>
           <a:p>
-            <a:pPr/>
-            <a:fld id="{86CB4B4D-7CA3-9044-876B-883B54F8677D}" type="slidenum"/>
+            <a:fld id="{86CB4B4D-7CA3-9044-876B-883B54F8677D}" type="slidenum">
+              <a:t>‹#›</a:t>
+            </a:fld>
+            <a:endParaRPr/>
           </a:p>
         </p:txBody>
       </p:sp>
@@ -1431,12 +1506,12 @@
   <p:clrMapOvr>
     <a:masterClrMapping/>
   </p:clrMapOvr>
-  <p:transition xmlns:p14="http://schemas.microsoft.com/office/powerpoint/2010/main" spd="med" advClick="1"/>
+  <p:transition spd="med"/>
 </p:sldLayout>
 </file>
 
 <file path=ppt/slideLayouts/slideLayout5.xml><?xml version="1.0" encoding="utf-8"?>
-<p:sldLayout xmlns:a="http://schemas.openxmlformats.org/drawingml/2006/main" xmlns:r="http://schemas.openxmlformats.org/officeDocument/2006/relationships" xmlns:p="http://schemas.openxmlformats.org/presentationml/2006/main" xmlns:m="http://schemas.openxmlformats.org/officeDocument/2006/math" xmlns:a14="http://schemas.microsoft.com/office/drawing/2010/main" type="tx" showMasterSp="1" showMasterPhAnim="1">
+<p:sldLayout xmlns:a="http://schemas.openxmlformats.org/drawingml/2006/main" xmlns:r="http://schemas.openxmlformats.org/officeDocument/2006/relationships" xmlns:p="http://schemas.openxmlformats.org/presentationml/2006/main" type="tx">
   <p:cSld name="Title - Top">
     <p:spTree>
       <p:nvGrpSpPr>
@@ -1455,7 +1530,9 @@
       <p:sp>
         <p:nvSpPr>
           <p:cNvPr id="48" name="Title Text"/>
-          <p:cNvSpPr txBox="1"/>
+          <p:cNvSpPr txBox="1">
+            <a:spLocks noGrp="1"/>
+          </p:cNvSpPr>
           <p:nvPr>
             <p:ph type="title"/>
           </p:nvPr>
@@ -1469,7 +1546,6 @@
           <a:bodyPr/>
           <a:lstStyle/>
           <a:p>
-            <a:pPr/>
             <a:r>
               <a:t>Title Text</a:t>
             </a:r>
@@ -1479,7 +1555,9 @@
       <p:sp>
         <p:nvSpPr>
           <p:cNvPr id="49" name="Slide Number"/>
-          <p:cNvSpPr txBox="1"/>
+          <p:cNvSpPr txBox="1">
+            <a:spLocks noGrp="1"/>
+          </p:cNvSpPr>
           <p:nvPr>
             <p:ph type="sldNum" sz="quarter" idx="2"/>
           </p:nvPr>
@@ -1493,8 +1571,10 @@
           <a:bodyPr/>
           <a:lstStyle/>
           <a:p>
-            <a:pPr/>
-            <a:fld id="{86CB4B4D-7CA3-9044-876B-883B54F8677D}" type="slidenum"/>
+            <a:fld id="{86CB4B4D-7CA3-9044-876B-883B54F8677D}" type="slidenum">
+              <a:t>‹#›</a:t>
+            </a:fld>
+            <a:endParaRPr/>
           </a:p>
         </p:txBody>
       </p:sp>
@@ -1503,12 +1583,12 @@
   <p:clrMapOvr>
     <a:masterClrMapping/>
   </p:clrMapOvr>
-  <p:transition xmlns:p14="http://schemas.microsoft.com/office/powerpoint/2010/main" spd="med" advClick="1"/>
+  <p:transition spd="med"/>
 </p:sldLayout>
 </file>
 
 <file path=ppt/slideLayouts/slideLayout6.xml><?xml version="1.0" encoding="utf-8"?>
-<p:sldLayout xmlns:a="http://schemas.openxmlformats.org/drawingml/2006/main" xmlns:r="http://schemas.openxmlformats.org/officeDocument/2006/relationships" xmlns:p="http://schemas.openxmlformats.org/presentationml/2006/main" xmlns:m="http://schemas.openxmlformats.org/officeDocument/2006/math" xmlns:a14="http://schemas.microsoft.com/office/drawing/2010/main" type="tx" showMasterSp="1" showMasterPhAnim="1">
+<p:sldLayout xmlns:a="http://schemas.openxmlformats.org/drawingml/2006/main" xmlns:r="http://schemas.openxmlformats.org/officeDocument/2006/relationships" xmlns:p="http://schemas.openxmlformats.org/presentationml/2006/main" type="tx">
   <p:cSld name="Title &amp; Bullets">
     <p:spTree>
       <p:nvGrpSpPr>
@@ -1527,7 +1607,9 @@
       <p:sp>
         <p:nvSpPr>
           <p:cNvPr id="56" name="Title Text"/>
-          <p:cNvSpPr txBox="1"/>
+          <p:cNvSpPr txBox="1">
+            <a:spLocks noGrp="1"/>
+          </p:cNvSpPr>
           <p:nvPr>
             <p:ph type="title"/>
           </p:nvPr>
@@ -1541,7 +1623,6 @@
           <a:bodyPr/>
           <a:lstStyle/>
           <a:p>
-            <a:pPr/>
             <a:r>
               <a:t>Title Text</a:t>
             </a:r>
@@ -1551,7 +1632,9 @@
       <p:sp>
         <p:nvSpPr>
           <p:cNvPr id="57" name="Body Level One…"/>
-          <p:cNvSpPr txBox="1"/>
+          <p:cNvSpPr txBox="1">
+            <a:spLocks noGrp="1"/>
+          </p:cNvSpPr>
           <p:nvPr>
             <p:ph type="body" idx="1"/>
           </p:nvPr>
@@ -1611,7 +1694,6 @@
             </a:lvl5pPr>
           </a:lstStyle>
           <a:p>
-            <a:pPr/>
             <a:r>
               <a:t>Body Level One</a:t>
             </a:r>
@@ -1645,7 +1727,9 @@
       <p:sp>
         <p:nvSpPr>
           <p:cNvPr id="58" name="Slide Number"/>
-          <p:cNvSpPr txBox="1"/>
+          <p:cNvSpPr txBox="1">
+            <a:spLocks noGrp="1"/>
+          </p:cNvSpPr>
           <p:nvPr>
             <p:ph type="sldNum" sz="quarter" idx="2"/>
           </p:nvPr>
@@ -1659,8 +1743,10 @@
           <a:bodyPr/>
           <a:lstStyle/>
           <a:p>
-            <a:pPr/>
-            <a:fld id="{86CB4B4D-7CA3-9044-876B-883B54F8677D}" type="slidenum"/>
+            <a:fld id="{86CB4B4D-7CA3-9044-876B-883B54F8677D}" type="slidenum">
+              <a:t>‹#›</a:t>
+            </a:fld>
+            <a:endParaRPr/>
           </a:p>
         </p:txBody>
       </p:sp>
@@ -1669,12 +1755,12 @@
   <p:clrMapOvr>
     <a:masterClrMapping/>
   </p:clrMapOvr>
-  <p:transition xmlns:p14="http://schemas.microsoft.com/office/powerpoint/2010/main" spd="med" advClick="1"/>
+  <p:transition spd="med"/>
 </p:sldLayout>
 </file>
 
 <file path=ppt/slideLayouts/slideLayout7.xml><?xml version="1.0" encoding="utf-8"?>
-<p:sldLayout xmlns:a="http://schemas.openxmlformats.org/drawingml/2006/main" xmlns:r="http://schemas.openxmlformats.org/officeDocument/2006/relationships" xmlns:p="http://schemas.openxmlformats.org/presentationml/2006/main" xmlns:m="http://schemas.openxmlformats.org/officeDocument/2006/math" xmlns:a14="http://schemas.microsoft.com/office/drawing/2010/main" type="tx" showMasterSp="1" showMasterPhAnim="1">
+<p:sldLayout xmlns:a="http://schemas.openxmlformats.org/drawingml/2006/main" xmlns:r="http://schemas.openxmlformats.org/officeDocument/2006/relationships" xmlns:p="http://schemas.openxmlformats.org/presentationml/2006/main" type="tx">
   <p:cSld name="Title, Bullets &amp; Photo">
     <p:spTree>
       <p:nvGrpSpPr>
@@ -1693,7 +1779,9 @@
       <p:sp>
         <p:nvSpPr>
           <p:cNvPr id="65" name="Image"/>
-          <p:cNvSpPr/>
+          <p:cNvSpPr>
+            <a:spLocks noGrp="1"/>
+          </p:cNvSpPr>
           <p:nvPr>
             <p:ph type="pic" sz="half" idx="13"/>
           </p:nvPr>
@@ -1713,14 +1801,16 @@
           </a:bodyPr>
           <a:lstStyle/>
           <a:p>
-            <a:pPr/>
+            <a:endParaRPr/>
           </a:p>
         </p:txBody>
       </p:sp>
       <p:sp>
         <p:nvSpPr>
           <p:cNvPr id="66" name="Title Text"/>
-          <p:cNvSpPr txBox="1"/>
+          <p:cNvSpPr txBox="1">
+            <a:spLocks noGrp="1"/>
+          </p:cNvSpPr>
           <p:nvPr>
             <p:ph type="title"/>
           </p:nvPr>
@@ -1734,7 +1824,6 @@
           <a:bodyPr/>
           <a:lstStyle/>
           <a:p>
-            <a:pPr/>
             <a:r>
               <a:t>Title Text</a:t>
             </a:r>
@@ -1744,7 +1833,9 @@
       <p:sp>
         <p:nvSpPr>
           <p:cNvPr id="67" name="Body Level One…"/>
-          <p:cNvSpPr txBox="1"/>
+          <p:cNvSpPr txBox="1">
+            <a:spLocks noGrp="1"/>
+          </p:cNvSpPr>
           <p:nvPr>
             <p:ph type="body" sz="half" idx="1"/>
           </p:nvPr>
@@ -1762,7 +1853,6 @@
           <a:bodyPr/>
           <a:lstStyle/>
           <a:p>
-            <a:pPr/>
             <a:r>
               <a:t>Body Level One</a:t>
             </a:r>
@@ -1796,7 +1886,9 @@
       <p:sp>
         <p:nvSpPr>
           <p:cNvPr id="68" name="Slide Number"/>
-          <p:cNvSpPr txBox="1"/>
+          <p:cNvSpPr txBox="1">
+            <a:spLocks noGrp="1"/>
+          </p:cNvSpPr>
           <p:nvPr>
             <p:ph type="sldNum" sz="quarter" idx="2"/>
           </p:nvPr>
@@ -1810,8 +1902,10 @@
           <a:bodyPr/>
           <a:lstStyle/>
           <a:p>
-            <a:pPr/>
-            <a:fld id="{86CB4B4D-7CA3-9044-876B-883B54F8677D}" type="slidenum"/>
+            <a:fld id="{86CB4B4D-7CA3-9044-876B-883B54F8677D}" type="slidenum">
+              <a:t>‹#›</a:t>
+            </a:fld>
+            <a:endParaRPr/>
           </a:p>
         </p:txBody>
       </p:sp>
@@ -1820,12 +1914,12 @@
   <p:clrMapOvr>
     <a:masterClrMapping/>
   </p:clrMapOvr>
-  <p:transition xmlns:p14="http://schemas.microsoft.com/office/powerpoint/2010/main" spd="med" advClick="1"/>
+  <p:transition spd="med"/>
 </p:sldLayout>
 </file>
 
 <file path=ppt/slideLayouts/slideLayout8.xml><?xml version="1.0" encoding="utf-8"?>
-<p:sldLayout xmlns:a="http://schemas.openxmlformats.org/drawingml/2006/main" xmlns:r="http://schemas.openxmlformats.org/officeDocument/2006/relationships" xmlns:p="http://schemas.openxmlformats.org/presentationml/2006/main" xmlns:m="http://schemas.openxmlformats.org/officeDocument/2006/math" xmlns:a14="http://schemas.microsoft.com/office/drawing/2010/main" type="tx" showMasterSp="1" showMasterPhAnim="1">
+<p:sldLayout xmlns:a="http://schemas.openxmlformats.org/drawingml/2006/main" xmlns:r="http://schemas.openxmlformats.org/officeDocument/2006/relationships" xmlns:p="http://schemas.openxmlformats.org/presentationml/2006/main" type="tx">
   <p:cSld name="Bullets">
     <p:spTree>
       <p:nvGrpSpPr>
@@ -1844,7 +1938,9 @@
       <p:sp>
         <p:nvSpPr>
           <p:cNvPr id="75" name="Body Level One…"/>
-          <p:cNvSpPr txBox="1"/>
+          <p:cNvSpPr txBox="1">
+            <a:spLocks noGrp="1"/>
+          </p:cNvSpPr>
           <p:nvPr>
             <p:ph type="body" idx="1"/>
           </p:nvPr>
@@ -1908,7 +2004,6 @@
             </a:lvl5pPr>
           </a:lstStyle>
           <a:p>
-            <a:pPr/>
             <a:r>
               <a:t>Body Level One</a:t>
             </a:r>
@@ -1942,7 +2037,9 @@
       <p:sp>
         <p:nvSpPr>
           <p:cNvPr id="76" name="Slide Number"/>
-          <p:cNvSpPr txBox="1"/>
+          <p:cNvSpPr txBox="1">
+            <a:spLocks noGrp="1"/>
+          </p:cNvSpPr>
           <p:nvPr>
             <p:ph type="sldNum" sz="quarter" idx="2"/>
           </p:nvPr>
@@ -1956,8 +2053,10 @@
           <a:bodyPr/>
           <a:lstStyle/>
           <a:p>
-            <a:pPr/>
-            <a:fld id="{86CB4B4D-7CA3-9044-876B-883B54F8677D}" type="slidenum"/>
+            <a:fld id="{86CB4B4D-7CA3-9044-876B-883B54F8677D}" type="slidenum">
+              <a:t>‹#›</a:t>
+            </a:fld>
+            <a:endParaRPr/>
           </a:p>
         </p:txBody>
       </p:sp>
@@ -1966,12 +2065,12 @@
   <p:clrMapOvr>
     <a:masterClrMapping/>
   </p:clrMapOvr>
-  <p:transition xmlns:p14="http://schemas.microsoft.com/office/powerpoint/2010/main" spd="med" advClick="1"/>
+  <p:transition spd="med"/>
 </p:sldLayout>
 </file>
 
 <file path=ppt/slideLayouts/slideLayout9.xml><?xml version="1.0" encoding="utf-8"?>
-<p:sldLayout xmlns:a="http://schemas.openxmlformats.org/drawingml/2006/main" xmlns:r="http://schemas.openxmlformats.org/officeDocument/2006/relationships" xmlns:p="http://schemas.openxmlformats.org/presentationml/2006/main" xmlns:m="http://schemas.openxmlformats.org/officeDocument/2006/math" xmlns:a14="http://schemas.microsoft.com/office/drawing/2010/main" type="tx" showMasterSp="1" showMasterPhAnim="1">
+<p:sldLayout xmlns:a="http://schemas.openxmlformats.org/drawingml/2006/main" xmlns:r="http://schemas.openxmlformats.org/officeDocument/2006/relationships" xmlns:p="http://schemas.openxmlformats.org/presentationml/2006/main" type="tx">
   <p:cSld name="Photo - 3 Up">
     <p:spTree>
       <p:nvGrpSpPr>
@@ -1990,7 +2089,9 @@
       <p:sp>
         <p:nvSpPr>
           <p:cNvPr id="83" name="2-033_1302x975.jpeg"/>
-          <p:cNvSpPr/>
+          <p:cNvSpPr>
+            <a:spLocks noGrp="1"/>
+          </p:cNvSpPr>
           <p:nvPr>
             <p:ph type="pic" sz="quarter" idx="13"/>
           </p:nvPr>
@@ -2010,14 +2111,16 @@
           </a:bodyPr>
           <a:lstStyle/>
           <a:p>
-            <a:pPr/>
+            <a:endParaRPr/>
           </a:p>
         </p:txBody>
       </p:sp>
       <p:sp>
         <p:nvSpPr>
           <p:cNvPr id="84" name="Image"/>
-          <p:cNvSpPr/>
+          <p:cNvSpPr>
+            <a:spLocks noGrp="1"/>
+          </p:cNvSpPr>
           <p:nvPr>
             <p:ph type="pic" sz="quarter" idx="14"/>
           </p:nvPr>
@@ -2037,14 +2140,16 @@
           </a:bodyPr>
           <a:lstStyle/>
           <a:p>
-            <a:pPr/>
+            <a:endParaRPr/>
           </a:p>
         </p:txBody>
       </p:sp>
       <p:sp>
         <p:nvSpPr>
           <p:cNvPr id="85" name="2-10-superquadro_1631x2178.jpeg"/>
-          <p:cNvSpPr/>
+          <p:cNvSpPr>
+            <a:spLocks noGrp="1"/>
+          </p:cNvSpPr>
           <p:nvPr>
             <p:ph type="pic" idx="15"/>
           </p:nvPr>
@@ -2064,14 +2169,16 @@
           </a:bodyPr>
           <a:lstStyle/>
           <a:p>
-            <a:pPr/>
+            <a:endParaRPr/>
           </a:p>
         </p:txBody>
       </p:sp>
       <p:sp>
         <p:nvSpPr>
           <p:cNvPr id="86" name="Slide Number"/>
-          <p:cNvSpPr txBox="1"/>
+          <p:cNvSpPr txBox="1">
+            <a:spLocks noGrp="1"/>
+          </p:cNvSpPr>
           <p:nvPr>
             <p:ph type="sldNum" sz="quarter" idx="2"/>
           </p:nvPr>
@@ -2085,8 +2192,10 @@
           <a:bodyPr/>
           <a:lstStyle/>
           <a:p>
-            <a:pPr/>
-            <a:fld id="{86CB4B4D-7CA3-9044-876B-883B54F8677D}" type="slidenum"/>
+            <a:fld id="{86CB4B4D-7CA3-9044-876B-883B54F8677D}" type="slidenum">
+              <a:t>‹#›</a:t>
+            </a:fld>
+            <a:endParaRPr/>
           </a:p>
         </p:txBody>
       </p:sp>
@@ -2095,22 +2204,23 @@
   <p:clrMapOvr>
     <a:masterClrMapping/>
   </p:clrMapOvr>
-  <p:transition xmlns:p14="http://schemas.microsoft.com/office/powerpoint/2010/main" spd="med" advClick="1"/>
+  <p:transition spd="med"/>
 </p:sldLayout>
 </file>
 
 <file path=ppt/slideMasters/slideMaster1.xml><?xml version="1.0" encoding="utf-8"?>
-<p:sldMaster xmlns:a="http://schemas.openxmlformats.org/drawingml/2006/main" xmlns:r="http://schemas.openxmlformats.org/officeDocument/2006/relationships" xmlns:p="http://schemas.openxmlformats.org/presentationml/2006/main" xmlns:m="http://schemas.openxmlformats.org/officeDocument/2006/math" xmlns:a14="http://schemas.microsoft.com/office/drawing/2010/main">
+<p:sldMaster xmlns:a="http://schemas.openxmlformats.org/drawingml/2006/main" xmlns:r="http://schemas.openxmlformats.org/officeDocument/2006/relationships" xmlns:p="http://schemas.openxmlformats.org/presentationml/2006/main">
   <p:cSld>
     <p:bg>
       <p:bgPr>
         <a:blipFill rotWithShape="1">
-          <a:blip r:embed="rId2"/>
-          <a:srcRect l="0" t="0" r="0" b="0"/>
+          <a:blip r:embed="rId14"/>
+          <a:srcRect/>
           <a:stretch>
             <a:fillRect/>
           </a:stretch>
         </a:blipFill>
+        <a:effectLst/>
       </p:bgPr>
     </p:bg>
     <p:spTree>
@@ -2130,7 +2240,9 @@
       <p:sp>
         <p:nvSpPr>
           <p:cNvPr id="2" name="Title Text"/>
-          <p:cNvSpPr txBox="1"/>
+          <p:cNvSpPr txBox="1">
+            <a:spLocks noGrp="1"/>
+          </p:cNvSpPr>
           <p:nvPr>
             <p:ph type="title"/>
           </p:nvPr>
@@ -2148,17 +2260,16 @@
           </a:ln>
           <a:extLst>
             <a:ext uri="{C572A759-6A51-4108-AA02-DFA0A04FC94B}">
-              <ma14:wrappingTextBoxFlag xmlns:ma14="http://schemas.microsoft.com/office/mac/drawingml/2011/main" val="1"/>
+              <ma14:wrappingTextBoxFlag xmlns:ma14="http://schemas.microsoft.com/office/mac/drawingml/2011/main" xmlns:a14="http://schemas.microsoft.com/office/drawing/2010/main" xmlns:m="http://schemas.openxmlformats.org/officeDocument/2006/math" xmlns="" val="1"/>
             </a:ext>
           </a:extLst>
         </p:spPr>
         <p:txBody>
           <a:bodyPr lIns="50800" tIns="50800" rIns="50800" bIns="50800" anchor="ctr">
-            <a:normAutofit fontScale="100000" lnSpcReduction="0"/>
+            <a:normAutofit/>
           </a:bodyPr>
           <a:lstStyle/>
           <a:p>
-            <a:pPr/>
             <a:r>
               <a:t>Title Text</a:t>
             </a:r>
@@ -2168,7 +2279,9 @@
       <p:sp>
         <p:nvSpPr>
           <p:cNvPr id="3" name="Body Level One…"/>
-          <p:cNvSpPr txBox="1"/>
+          <p:cNvSpPr txBox="1">
+            <a:spLocks noGrp="1"/>
+          </p:cNvSpPr>
           <p:nvPr>
             <p:ph type="body" idx="1"/>
           </p:nvPr>
@@ -2186,17 +2299,16 @@
           </a:ln>
           <a:extLst>
             <a:ext uri="{C572A759-6A51-4108-AA02-DFA0A04FC94B}">
-              <ma14:wrappingTextBoxFlag xmlns:ma14="http://schemas.microsoft.com/office/mac/drawingml/2011/main" val="1"/>
+              <ma14:wrappingTextBoxFlag xmlns:ma14="http://schemas.microsoft.com/office/mac/drawingml/2011/main" xmlns:a14="http://schemas.microsoft.com/office/drawing/2010/main" xmlns:m="http://schemas.openxmlformats.org/officeDocument/2006/math" xmlns="" val="1"/>
             </a:ext>
           </a:extLst>
         </p:spPr>
         <p:txBody>
           <a:bodyPr lIns="50800" tIns="50800" rIns="50800" bIns="50800" anchor="ctr">
-            <a:normAutofit fontScale="100000" lnSpcReduction="0"/>
+            <a:normAutofit/>
           </a:bodyPr>
           <a:lstStyle/>
           <a:p>
-            <a:pPr/>
             <a:r>
               <a:t>Body Level One</a:t>
             </a:r>
@@ -2230,7 +2342,9 @@
       <p:sp>
         <p:nvSpPr>
           <p:cNvPr id="4" name="Slide Number"/>
-          <p:cNvSpPr txBox="1"/>
+          <p:cNvSpPr txBox="1">
+            <a:spLocks noGrp="1"/>
+          </p:cNvSpPr>
           <p:nvPr>
             <p:ph type="sldNum" sz="quarter" idx="2"/>
           </p:nvPr>
@@ -2257,8 +2371,10 @@
             </a:lvl1pPr>
           </a:lstStyle>
           <a:p>
-            <a:pPr/>
-            <a:fld id="{86CB4B4D-7CA3-9044-876B-883B54F8677D}" type="slidenum"/>
+            <a:fld id="{86CB4B4D-7CA3-9044-876B-883B54F8677D}" type="slidenum">
+              <a:t>‹#›</a:t>
+            </a:fld>
+            <a:endParaRPr/>
           </a:p>
         </p:txBody>
       </p:sp>
@@ -2266,20 +2382,20 @@
   </p:cSld>
   <p:clrMap bg1="lt1" tx1="dk1" bg2="lt2" tx2="dk2" accent1="accent1" accent2="accent2" accent3="accent3" accent4="accent4" accent5="accent5" accent6="accent6" hlink="hlink" folHlink="folHlink"/>
   <p:sldLayoutIdLst>
-    <p:sldLayoutId id="2147483649" r:id="rId3"/>
-    <p:sldLayoutId id="2147483650" r:id="rId4"/>
-    <p:sldLayoutId id="2147483651" r:id="rId5"/>
-    <p:sldLayoutId id="2147483652" r:id="rId6"/>
-    <p:sldLayoutId id="2147483653" r:id="rId7"/>
-    <p:sldLayoutId id="2147483654" r:id="rId8"/>
-    <p:sldLayoutId id="2147483655" r:id="rId9"/>
-    <p:sldLayoutId id="2147483656" r:id="rId10"/>
-    <p:sldLayoutId id="2147483657" r:id="rId11"/>
-    <p:sldLayoutId id="2147483658" r:id="rId12"/>
-    <p:sldLayoutId id="2147483659" r:id="rId13"/>
-    <p:sldLayoutId id="2147483660" r:id="rId14"/>
+    <p:sldLayoutId id="2147483649" r:id="rId1"/>
+    <p:sldLayoutId id="2147483650" r:id="rId2"/>
+    <p:sldLayoutId id="2147483651" r:id="rId3"/>
+    <p:sldLayoutId id="2147483652" r:id="rId4"/>
+    <p:sldLayoutId id="2147483653" r:id="rId5"/>
+    <p:sldLayoutId id="2147483654" r:id="rId6"/>
+    <p:sldLayoutId id="2147483655" r:id="rId7"/>
+    <p:sldLayoutId id="2147483656" r:id="rId8"/>
+    <p:sldLayoutId id="2147483657" r:id="rId9"/>
+    <p:sldLayoutId id="2147483658" r:id="rId10"/>
+    <p:sldLayoutId id="2147483659" r:id="rId11"/>
+    <p:sldLayoutId id="2147483660" r:id="rId12"/>
   </p:sldLayoutIdLst>
-  <p:transition xmlns:p14="http://schemas.microsoft.com/office/powerpoint/2010/main" spd="med" advClick="1"/>
+  <p:transition spd="med"/>
   <p:txStyles>
     <p:titleStyle>
       <a:lvl1pPr marL="0" marR="0" indent="0" algn="ctr" defTabSz="584200" rtl="0" latinLnBrk="0">
@@ -2297,7 +2413,7 @@
         <a:buFontTx/>
         <a:buNone/>
         <a:tabLst/>
-        <a:defRPr b="0" baseline="0" cap="all" i="0" spc="0" strike="noStrike" sz="7200" u="none">
+        <a:defRPr sz="7200" b="0" i="0" u="none" strike="noStrike" cap="all" spc="0" baseline="0">
           <a:ln>
             <a:noFill/>
           </a:ln>
@@ -2326,7 +2442,7 @@
         <a:buFontTx/>
         <a:buNone/>
         <a:tabLst/>
-        <a:defRPr b="0" baseline="0" cap="all" i="0" spc="0" strike="noStrike" sz="7200" u="none">
+        <a:defRPr sz="7200" b="0" i="0" u="none" strike="noStrike" cap="all" spc="0" baseline="0">
           <a:ln>
             <a:noFill/>
           </a:ln>
@@ -2355,7 +2471,7 @@
         <a:buFontTx/>
         <a:buNone/>
         <a:tabLst/>
-        <a:defRPr b="0" baseline="0" cap="all" i="0" spc="0" strike="noStrike" sz="7200" u="none">
+        <a:defRPr sz="7200" b="0" i="0" u="none" strike="noStrike" cap="all" spc="0" baseline="0">
           <a:ln>
             <a:noFill/>
           </a:ln>
@@ -2384,7 +2500,7 @@
         <a:buFontTx/>
         <a:buNone/>
         <a:tabLst/>
-        <a:defRPr b="0" baseline="0" cap="all" i="0" spc="0" strike="noStrike" sz="7200" u="none">
+        <a:defRPr sz="7200" b="0" i="0" u="none" strike="noStrike" cap="all" spc="0" baseline="0">
           <a:ln>
             <a:noFill/>
           </a:ln>
@@ -2413,7 +2529,7 @@
         <a:buFontTx/>
         <a:buNone/>
         <a:tabLst/>
-        <a:defRPr b="0" baseline="0" cap="all" i="0" spc="0" strike="noStrike" sz="7200" u="none">
+        <a:defRPr sz="7200" b="0" i="0" u="none" strike="noStrike" cap="all" spc="0" baseline="0">
           <a:ln>
             <a:noFill/>
           </a:ln>
@@ -2442,7 +2558,7 @@
         <a:buFontTx/>
         <a:buNone/>
         <a:tabLst/>
-        <a:defRPr b="0" baseline="0" cap="all" i="0" spc="0" strike="noStrike" sz="7200" u="none">
+        <a:defRPr sz="7200" b="0" i="0" u="none" strike="noStrike" cap="all" spc="0" baseline="0">
           <a:ln>
             <a:noFill/>
           </a:ln>
@@ -2471,7 +2587,7 @@
         <a:buFontTx/>
         <a:buNone/>
         <a:tabLst/>
-        <a:defRPr b="0" baseline="0" cap="all" i="0" spc="0" strike="noStrike" sz="7200" u="none">
+        <a:defRPr sz="7200" b="0" i="0" u="none" strike="noStrike" cap="all" spc="0" baseline="0">
           <a:ln>
             <a:noFill/>
           </a:ln>
@@ -2500,7 +2616,7 @@
         <a:buFontTx/>
         <a:buNone/>
         <a:tabLst/>
-        <a:defRPr b="0" baseline="0" cap="all" i="0" spc="0" strike="noStrike" sz="7200" u="none">
+        <a:defRPr sz="7200" b="0" i="0" u="none" strike="noStrike" cap="all" spc="0" baseline="0">
           <a:ln>
             <a:noFill/>
           </a:ln>
@@ -2529,7 +2645,7 @@
         <a:buFontTx/>
         <a:buNone/>
         <a:tabLst/>
-        <a:defRPr b="0" baseline="0" cap="all" i="0" spc="0" strike="noStrike" sz="7200" u="none">
+        <a:defRPr sz="7200" b="0" i="0" u="none" strike="noStrike" cap="all" spc="0" baseline="0">
           <a:ln>
             <a:noFill/>
           </a:ln>
@@ -2560,7 +2676,7 @@
         <a:buFontTx/>
         <a:buChar char="•"/>
         <a:tabLst/>
-        <a:defRPr b="0" baseline="0" cap="none" i="0" spc="0" strike="noStrike" sz="3800" u="none">
+        <a:defRPr sz="3800" b="0" i="0" u="none" strike="noStrike" cap="none" spc="0" baseline="0">
           <a:ln>
             <a:noFill/>
           </a:ln>
@@ -2589,7 +2705,7 @@
         <a:buFontTx/>
         <a:buChar char="•"/>
         <a:tabLst/>
-        <a:defRPr b="0" baseline="0" cap="none" i="0" spc="0" strike="noStrike" sz="3800" u="none">
+        <a:defRPr sz="3800" b="0" i="0" u="none" strike="noStrike" cap="none" spc="0" baseline="0">
           <a:ln>
             <a:noFill/>
           </a:ln>
@@ -2618,7 +2734,7 @@
         <a:buFontTx/>
         <a:buChar char="•"/>
         <a:tabLst/>
-        <a:defRPr b="0" baseline="0" cap="none" i="0" spc="0" strike="noStrike" sz="3800" u="none">
+        <a:defRPr sz="3800" b="0" i="0" u="none" strike="noStrike" cap="none" spc="0" baseline="0">
           <a:ln>
             <a:noFill/>
           </a:ln>
@@ -2647,7 +2763,7 @@
         <a:buFontTx/>
         <a:buChar char="•"/>
         <a:tabLst/>
-        <a:defRPr b="0" baseline="0" cap="none" i="0" spc="0" strike="noStrike" sz="3800" u="none">
+        <a:defRPr sz="3800" b="0" i="0" u="none" strike="noStrike" cap="none" spc="0" baseline="0">
           <a:ln>
             <a:noFill/>
           </a:ln>
@@ -2676,7 +2792,7 @@
         <a:buFontTx/>
         <a:buChar char="•"/>
         <a:tabLst/>
-        <a:defRPr b="0" baseline="0" cap="none" i="0" spc="0" strike="noStrike" sz="3800" u="none">
+        <a:defRPr sz="3800" b="0" i="0" u="none" strike="noStrike" cap="none" spc="0" baseline="0">
           <a:ln>
             <a:noFill/>
           </a:ln>
@@ -2705,7 +2821,7 @@
         <a:buFontTx/>
         <a:buChar char="•"/>
         <a:tabLst/>
-        <a:defRPr b="0" baseline="0" cap="none" i="0" spc="0" strike="noStrike" sz="3800" u="none">
+        <a:defRPr sz="3800" b="0" i="0" u="none" strike="noStrike" cap="none" spc="0" baseline="0">
           <a:ln>
             <a:noFill/>
           </a:ln>
@@ -2734,7 +2850,7 @@
         <a:buFontTx/>
         <a:buChar char="•"/>
         <a:tabLst/>
-        <a:defRPr b="0" baseline="0" cap="none" i="0" spc="0" strike="noStrike" sz="3800" u="none">
+        <a:defRPr sz="3800" b="0" i="0" u="none" strike="noStrike" cap="none" spc="0" baseline="0">
           <a:ln>
             <a:noFill/>
           </a:ln>
@@ -2763,7 +2879,7 @@
         <a:buFontTx/>
         <a:buChar char="•"/>
         <a:tabLst/>
-        <a:defRPr b="0" baseline="0" cap="none" i="0" spc="0" strike="noStrike" sz="3800" u="none">
+        <a:defRPr sz="3800" b="0" i="0" u="none" strike="noStrike" cap="none" spc="0" baseline="0">
           <a:ln>
             <a:noFill/>
           </a:ln>
@@ -2792,7 +2908,7 @@
         <a:buFontTx/>
         <a:buChar char="•"/>
         <a:tabLst/>
-        <a:defRPr b="0" baseline="0" cap="none" i="0" spc="0" strike="noStrike" sz="3800" u="none">
+        <a:defRPr sz="3800" b="0" i="0" u="none" strike="noStrike" cap="none" spc="0" baseline="0">
           <a:ln>
             <a:noFill/>
           </a:ln>
@@ -2823,7 +2939,7 @@
         <a:buFontTx/>
         <a:buNone/>
         <a:tabLst/>
-        <a:defRPr b="0" baseline="0" cap="none" i="0" spc="0" strike="noStrike" sz="1800" u="none">
+        <a:defRPr sz="1800" b="0" i="0" u="none" strike="noStrike" cap="none" spc="0" baseline="0">
           <a:ln>
             <a:noFill/>
           </a:ln>
@@ -2852,7 +2968,7 @@
         <a:buFontTx/>
         <a:buNone/>
         <a:tabLst/>
-        <a:defRPr b="0" baseline="0" cap="none" i="0" spc="0" strike="noStrike" sz="1800" u="none">
+        <a:defRPr sz="1800" b="0" i="0" u="none" strike="noStrike" cap="none" spc="0" baseline="0">
           <a:ln>
             <a:noFill/>
           </a:ln>
@@ -2881,7 +2997,7 @@
         <a:buFontTx/>
         <a:buNone/>
         <a:tabLst/>
-        <a:defRPr b="0" baseline="0" cap="none" i="0" spc="0" strike="noStrike" sz="1800" u="none">
+        <a:defRPr sz="1800" b="0" i="0" u="none" strike="noStrike" cap="none" spc="0" baseline="0">
           <a:ln>
             <a:noFill/>
           </a:ln>
@@ -2910,7 +3026,7 @@
         <a:buFontTx/>
         <a:buNone/>
         <a:tabLst/>
-        <a:defRPr b="0" baseline="0" cap="none" i="0" spc="0" strike="noStrike" sz="1800" u="none">
+        <a:defRPr sz="1800" b="0" i="0" u="none" strike="noStrike" cap="none" spc="0" baseline="0">
           <a:ln>
             <a:noFill/>
           </a:ln>
@@ -2939,7 +3055,7 @@
         <a:buFontTx/>
         <a:buNone/>
         <a:tabLst/>
-        <a:defRPr b="0" baseline="0" cap="none" i="0" spc="0" strike="noStrike" sz="1800" u="none">
+        <a:defRPr sz="1800" b="0" i="0" u="none" strike="noStrike" cap="none" spc="0" baseline="0">
           <a:ln>
             <a:noFill/>
           </a:ln>
@@ -2968,7 +3084,7 @@
         <a:buFontTx/>
         <a:buNone/>
         <a:tabLst/>
-        <a:defRPr b="0" baseline="0" cap="none" i="0" spc="0" strike="noStrike" sz="1800" u="none">
+        <a:defRPr sz="1800" b="0" i="0" u="none" strike="noStrike" cap="none" spc="0" baseline="0">
           <a:ln>
             <a:noFill/>
           </a:ln>
@@ -2997,7 +3113,7 @@
         <a:buFontTx/>
         <a:buNone/>
         <a:tabLst/>
-        <a:defRPr b="0" baseline="0" cap="none" i="0" spc="0" strike="noStrike" sz="1800" u="none">
+        <a:defRPr sz="1800" b="0" i="0" u="none" strike="noStrike" cap="none" spc="0" baseline="0">
           <a:ln>
             <a:noFill/>
           </a:ln>
@@ -3026,7 +3142,7 @@
         <a:buFontTx/>
         <a:buNone/>
         <a:tabLst/>
-        <a:defRPr b="0" baseline="0" cap="none" i="0" spc="0" strike="noStrike" sz="1800" u="none">
+        <a:defRPr sz="1800" b="0" i="0" u="none" strike="noStrike" cap="none" spc="0" baseline="0">
           <a:ln>
             <a:noFill/>
           </a:ln>
@@ -3055,7 +3171,7 @@
         <a:buFontTx/>
         <a:buNone/>
         <a:tabLst/>
-        <a:defRPr b="0" baseline="0" cap="none" i="0" spc="0" strike="noStrike" sz="1800" u="none">
+        <a:defRPr sz="1800" b="0" i="0" u="none" strike="noStrike" cap="none" spc="0" baseline="0">
           <a:ln>
             <a:noFill/>
           </a:ln>
@@ -3075,7 +3191,7 @@
 </file>
 
 <file path=ppt/slides/slide1.xml><?xml version="1.0" encoding="utf-8"?>
-<p:sld xmlns:a="http://schemas.openxmlformats.org/drawingml/2006/main" xmlns:r="http://schemas.openxmlformats.org/officeDocument/2006/relationships" xmlns:p="http://schemas.openxmlformats.org/presentationml/2006/main" xmlns:m="http://schemas.openxmlformats.org/officeDocument/2006/math" xmlns:a14="http://schemas.microsoft.com/office/drawing/2010/main" showMasterSp="1" showMasterPhAnim="1">
+<p:sld xmlns:a="http://schemas.openxmlformats.org/drawingml/2006/main" xmlns:r="http://schemas.openxmlformats.org/officeDocument/2006/relationships" xmlns:p="http://schemas.openxmlformats.org/presentationml/2006/main">
   <p:cSld>
     <p:spTree>
       <p:nvGrpSpPr>
@@ -3094,7 +3210,9 @@
       <p:sp>
         <p:nvSpPr>
           <p:cNvPr id="119" name="Кроссплатформенное веб-приложение ведения бюджета “il budgetto”"/>
-          <p:cNvSpPr txBox="1"/>
+          <p:cNvSpPr txBox="1">
+            <a:spLocks noGrp="1"/>
+          </p:cNvSpPr>
           <p:nvPr>
             <p:ph type="ctrTitle"/>
           </p:nvPr>
@@ -3112,7 +3230,6 @@
             </a:lvl1pPr>
           </a:lstStyle>
           <a:p>
-            <a:pPr/>
             <a:r>
               <a:t>Кроссплатформенное веб-приложение ведения бюджета “il budgetto”</a:t>
             </a:r>
@@ -3122,7 +3239,9 @@
       <p:sp>
         <p:nvSpPr>
           <p:cNvPr id="120" name="Козяков Андрей…"/>
-          <p:cNvSpPr txBox="1"/>
+          <p:cNvSpPr txBox="1">
+            <a:spLocks noGrp="1"/>
+          </p:cNvSpPr>
           <p:nvPr>
             <p:ph type="subTitle" sz="quarter" idx="1"/>
           </p:nvPr>
@@ -3136,13 +3255,11 @@
           <a:bodyPr/>
           <a:lstStyle/>
           <a:p>
-            <a:pPr/>
             <a:r>
               <a:t>Козяков Андрей</a:t>
             </a:r>
           </a:p>
           <a:p>
-            <a:pPr/>
             <a:r>
               <a:t>группа 350531</a:t>
             </a:r>
@@ -3154,12 +3271,19 @@
   <p:clrMapOvr>
     <a:masterClrMapping/>
   </p:clrMapOvr>
-  <p:transition xmlns:p14="http://schemas.microsoft.com/office/powerpoint/2010/main" spd="med" advClick="1"/>
+  <p:transition spd="med"/>
+  <p:timing>
+    <p:tnLst>
+      <p:par>
+        <p:cTn id="1" dur="indefinite" restart="never" nodeType="tmRoot"/>
+      </p:par>
+    </p:tnLst>
+  </p:timing>
 </p:sld>
 </file>
 
 <file path=ppt/slides/slide10.xml><?xml version="1.0" encoding="utf-8"?>
-<p:sld xmlns:a="http://schemas.openxmlformats.org/drawingml/2006/main" xmlns:r="http://schemas.openxmlformats.org/officeDocument/2006/relationships" xmlns:p="http://schemas.openxmlformats.org/presentationml/2006/main" xmlns:m="http://schemas.openxmlformats.org/officeDocument/2006/math" xmlns:a14="http://schemas.microsoft.com/office/drawing/2010/main" showMasterSp="1" showMasterPhAnim="1">
+<p:sld xmlns:a="http://schemas.openxmlformats.org/drawingml/2006/main" xmlns:r="http://schemas.openxmlformats.org/officeDocument/2006/relationships" xmlns:p="http://schemas.openxmlformats.org/presentationml/2006/main">
   <p:cSld>
     <p:spTree>
       <p:nvGrpSpPr>
@@ -3178,7 +3302,9 @@
       <p:sp>
         <p:nvSpPr>
           <p:cNvPr id="152" name="упорядочить жизнь"/>
-          <p:cNvSpPr txBox="1"/>
+          <p:cNvSpPr txBox="1">
+            <a:spLocks noGrp="1"/>
+          </p:cNvSpPr>
           <p:nvPr>
             <p:ph type="title"/>
           </p:nvPr>
@@ -3189,10 +3315,11 @@
           </a:prstGeom>
         </p:spPr>
         <p:txBody>
-          <a:bodyPr/>
+          <a:bodyPr>
+            <a:normAutofit fontScale="90000"/>
+          </a:bodyPr>
           <a:lstStyle/>
           <a:p>
-            <a:pPr/>
             <a:r>
               <a:t>упорядочить жизнь</a:t>
             </a:r>
@@ -3233,12 +3360,19 @@
   <p:clrMapOvr>
     <a:masterClrMapping/>
   </p:clrMapOvr>
-  <p:transition xmlns:p14="http://schemas.microsoft.com/office/powerpoint/2010/main" spd="med" advClick="1"/>
+  <p:transition spd="med"/>
+  <p:timing>
+    <p:tnLst>
+      <p:par>
+        <p:cTn id="1" dur="indefinite" restart="never" nodeType="tmRoot"/>
+      </p:par>
+    </p:tnLst>
+  </p:timing>
 </p:sld>
 </file>
 
 <file path=ppt/slides/slide11.xml><?xml version="1.0" encoding="utf-8"?>
-<p:sld xmlns:a="http://schemas.openxmlformats.org/drawingml/2006/main" xmlns:r="http://schemas.openxmlformats.org/officeDocument/2006/relationships" xmlns:p="http://schemas.openxmlformats.org/presentationml/2006/main" xmlns:m="http://schemas.openxmlformats.org/officeDocument/2006/math" xmlns:a14="http://schemas.microsoft.com/office/drawing/2010/main" showMasterSp="1" showMasterPhAnim="1">
+<p:sld xmlns:a="http://schemas.openxmlformats.org/drawingml/2006/main" xmlns:r="http://schemas.openxmlformats.org/officeDocument/2006/relationships" xmlns:p="http://schemas.openxmlformats.org/presentationml/2006/main">
   <p:cSld>
     <p:spTree>
       <p:nvGrpSpPr>
@@ -3257,7 +3391,9 @@
       <p:sp>
         <p:nvSpPr>
           <p:cNvPr id="155" name="Где вести бюджет?"/>
-          <p:cNvSpPr txBox="1"/>
+          <p:cNvSpPr txBox="1">
+            <a:spLocks noGrp="1"/>
+          </p:cNvSpPr>
           <p:nvPr>
             <p:ph type="title"/>
           </p:nvPr>
@@ -3275,7 +3411,6 @@
           <a:bodyPr/>
           <a:lstStyle/>
           <a:p>
-            <a:pPr/>
             <a:r>
               <a:t>Где вести бюджет?</a:t>
             </a:r>
@@ -3285,7 +3420,9 @@
       <p:sp>
         <p:nvSpPr>
           <p:cNvPr id="156" name="В ГОЛОВЕ?"/>
-          <p:cNvSpPr txBox="1"/>
+          <p:cNvSpPr txBox="1">
+            <a:spLocks noGrp="1"/>
+          </p:cNvSpPr>
           <p:nvPr>
             <p:ph type="body" sz="quarter" idx="1"/>
           </p:nvPr>
@@ -3303,7 +3440,6 @@
           <a:bodyPr/>
           <a:lstStyle/>
           <a:p>
-            <a:pPr/>
             <a:r>
               <a:t>В ГОЛОВЕ?</a:t>
             </a:r>
@@ -3329,13 +3465,13 @@
           </a:ln>
           <a:extLst>
             <a:ext uri="{C572A759-6A51-4108-AA02-DFA0A04FC94B}">
-              <ma14:wrappingTextBoxFlag xmlns:ma14="http://schemas.microsoft.com/office/mac/drawingml/2011/main" val="1"/>
+              <ma14:wrappingTextBoxFlag xmlns:ma14="http://schemas.microsoft.com/office/mac/drawingml/2011/main" xmlns:a14="http://schemas.microsoft.com/office/drawing/2010/main" xmlns:m="http://schemas.openxmlformats.org/officeDocument/2006/math" xmlns="" val="1"/>
             </a:ext>
           </a:extLst>
         </p:spPr>
         <p:txBody>
           <a:bodyPr lIns="50800" tIns="50800" rIns="50800" bIns="50800">
-            <a:normAutofit fontScale="100000" lnSpcReduction="0"/>
+            <a:normAutofit/>
           </a:bodyPr>
           <a:lstStyle>
             <a:lvl1pPr>
@@ -3346,7 +3482,6 @@
             </a:lvl1pPr>
           </a:lstStyle>
           <a:p>
-            <a:pPr/>
             <a:r>
               <a:t>НА БУМАГЕ?</a:t>
             </a:r>
@@ -3372,13 +3507,13 @@
           </a:ln>
           <a:extLst>
             <a:ext uri="{C572A759-6A51-4108-AA02-DFA0A04FC94B}">
-              <ma14:wrappingTextBoxFlag xmlns:ma14="http://schemas.microsoft.com/office/mac/drawingml/2011/main" val="1"/>
+              <ma14:wrappingTextBoxFlag xmlns:ma14="http://schemas.microsoft.com/office/mac/drawingml/2011/main" xmlns:a14="http://schemas.microsoft.com/office/drawing/2010/main" xmlns:m="http://schemas.openxmlformats.org/officeDocument/2006/math" xmlns="" val="1"/>
             </a:ext>
           </a:extLst>
         </p:spPr>
         <p:txBody>
           <a:bodyPr lIns="50800" tIns="50800" rIns="50800" bIns="50800">
-            <a:normAutofit fontScale="100000" lnSpcReduction="0"/>
+            <a:normAutofit/>
           </a:bodyPr>
           <a:lstStyle>
             <a:lvl1pPr>
@@ -3389,7 +3524,6 @@
             </a:lvl1pPr>
           </a:lstStyle>
           <a:p>
-            <a:pPr/>
             <a:r>
               <a:t>МОБИЛЬНЫЕ ПРИЛОЖЕНИЯ</a:t>
             </a:r>
@@ -3401,14 +3535,14 @@
   <p:clrMapOvr>
     <a:masterClrMapping/>
   </p:clrMapOvr>
-  <p:transition xmlns:p14="http://schemas.microsoft.com/office/powerpoint/2010/main" spd="med" advClick="1"/>
+  <p:transition spd="med"/>
   <p:timing>
     <p:tnLst>
       <p:par>
-        <p:cTn id="1" nodeType="tmRoot" restart="never" dur="indefinite" fill="hold">
+        <p:cTn id="1" dur="indefinite" restart="never" fill="hold" nodeType="tmRoot">
           <p:childTnLst>
             <p:seq concurrent="1" prevAc="none" nextAc="seek">
-              <p:cTn id="2" nodeType="mainSeq" dur="indefinite" fill="hold">
+              <p:cTn id="2" dur="indefinite" fill="hold" nodeType="mainSeq">
                 <p:childTnLst>
                   <p:par>
                     <p:cTn id="3" fill="hold">
@@ -3423,11 +3557,11 @@
                             </p:stCondLst>
                             <p:childTnLst>
                               <p:par>
-                                <p:cTn id="5" presetClass="entr" nodeType="clickEffect" presetSubtype="0" presetID="1" grpId="1" fill="hold">
+                                <p:cTn id="5" presetID="1" presetClass="entr" presetSubtype="0" fill="hold" grpId="1" nodeType="clickEffect">
                                   <p:stCondLst>
                                     <p:cond delay="0"/>
                                   </p:stCondLst>
-                                  <p:iterate type="el" backwards="0">
+                                  <p:iterate>
                                     <p:tmAbs val="0"/>
                                   </p:iterate>
                                   <p:childTnLst>
@@ -3467,11 +3601,11 @@
                             </p:stCondLst>
                             <p:childTnLst>
                               <p:par>
-                                <p:cTn id="9" presetClass="entr" nodeType="clickEffect" presetSubtype="0" presetID="1" grpId="2" fill="hold">
+                                <p:cTn id="9" presetID="1" presetClass="entr" presetSubtype="0" fill="hold" grpId="2" nodeType="clickEffect">
                                   <p:stCondLst>
                                     <p:cond delay="0"/>
                                   </p:stCondLst>
-                                  <p:iterate type="el" backwards="0">
+                                  <p:iterate>
                                     <p:tmAbs val="0"/>
                                   </p:iterate>
                                   <p:childTnLst>
@@ -3511,11 +3645,11 @@
                             </p:stCondLst>
                             <p:childTnLst>
                               <p:par>
-                                <p:cTn id="13" presetClass="entr" nodeType="clickEffect" presetSubtype="0" presetID="1" grpId="3" fill="hold">
+                                <p:cTn id="13" presetID="1" presetClass="entr" presetSubtype="0" fill="hold" grpId="3" nodeType="clickEffect">
                                   <p:stCondLst>
                                     <p:cond delay="0"/>
                                   </p:stCondLst>
-                                  <p:iterate type="el" backwards="0">
+                                  <p:iterate>
                                     <p:tmAbs val="0"/>
                                   </p:iterate>
                                   <p:childTnLst>
@@ -3545,14 +3679,14 @@
                 </p:childTnLst>
               </p:cTn>
               <p:prevCondLst>
-                <p:cond evt="onPrev">
+                <p:cond evt="onPrev" delay="0">
                   <p:tgtEl>
                     <p:sldTgt/>
                   </p:tgtEl>
                 </p:cond>
               </p:prevCondLst>
               <p:nextCondLst>
-                <p:cond evt="onNext">
+                <p:cond evt="onNext" delay="0">
                   <p:tgtEl>
                     <p:sldTgt/>
                   </p:tgtEl>
@@ -3564,16 +3698,16 @@
       </p:par>
     </p:tnLst>
     <p:bldLst>
-      <p:bldP build="whole" bldLvl="1" animBg="1" rev="0" advAuto="0" spid="157" grpId="2"/>
-      <p:bldP build="whole" bldLvl="1" animBg="1" rev="0" advAuto="0" spid="158" grpId="3"/>
-      <p:bldP build="whole" bldLvl="1" animBg="1" rev="0" advAuto="0" spid="156" grpId="1"/>
+      <p:bldP spid="156" grpId="1" animBg="1" advAuto="0"/>
+      <p:bldP spid="157" grpId="2" animBg="1" advAuto="0"/>
+      <p:bldP spid="158" grpId="3" animBg="1" advAuto="0"/>
     </p:bldLst>
   </p:timing>
 </p:sld>
 </file>
 
 <file path=ppt/slides/slide12.xml><?xml version="1.0" encoding="utf-8"?>
-<p:sld xmlns:a="http://schemas.openxmlformats.org/drawingml/2006/main" xmlns:r="http://schemas.openxmlformats.org/officeDocument/2006/relationships" xmlns:p="http://schemas.openxmlformats.org/presentationml/2006/main" xmlns:m="http://schemas.openxmlformats.org/officeDocument/2006/math" xmlns:a14="http://schemas.microsoft.com/office/drawing/2010/main" showMasterSp="1" showMasterPhAnim="1">
+<p:sld xmlns:a="http://schemas.openxmlformats.org/drawingml/2006/main" xmlns:r="http://schemas.openxmlformats.org/officeDocument/2006/relationships" xmlns:p="http://schemas.openxmlformats.org/presentationml/2006/main">
   <p:cSld>
     <p:spTree>
       <p:nvGrpSpPr>
@@ -3592,7 +3726,9 @@
       <p:sp>
         <p:nvSpPr>
           <p:cNvPr id="160" name="Большое число…"/>
-          <p:cNvSpPr txBox="1"/>
+          <p:cNvSpPr txBox="1">
+            <a:spLocks noGrp="1"/>
+          </p:cNvSpPr>
           <p:nvPr>
             <p:ph type="title"/>
           </p:nvPr>
@@ -3607,7 +3743,9 @@
           </a:prstGeom>
         </p:spPr>
         <p:txBody>
-          <a:bodyPr/>
+          <a:bodyPr>
+            <a:normAutofit fontScale="90000"/>
+          </a:bodyPr>
           <a:lstStyle/>
           <a:p>
             <a:pPr defTabSz="496570">
@@ -3661,12 +3799,19 @@
   <p:clrMapOvr>
     <a:masterClrMapping/>
   </p:clrMapOvr>
-  <p:transition xmlns:p14="http://schemas.microsoft.com/office/powerpoint/2010/main" spd="med" advClick="1"/>
+  <p:transition spd="med"/>
+  <p:timing>
+    <p:tnLst>
+      <p:par>
+        <p:cTn id="1" dur="indefinite" restart="never" nodeType="tmRoot"/>
+      </p:par>
+    </p:tnLst>
+  </p:timing>
 </p:sld>
 </file>
 
 <file path=ppt/slides/slide13.xml><?xml version="1.0" encoding="utf-8"?>
-<p:sld xmlns:a="http://schemas.openxmlformats.org/drawingml/2006/main" xmlns:r="http://schemas.openxmlformats.org/officeDocument/2006/relationships" xmlns:p="http://schemas.openxmlformats.org/presentationml/2006/main" xmlns:m="http://schemas.openxmlformats.org/officeDocument/2006/math" xmlns:a14="http://schemas.microsoft.com/office/drawing/2010/main" showMasterSp="1" showMasterPhAnim="1">
+<p:sld xmlns:a="http://schemas.openxmlformats.org/drawingml/2006/main" xmlns:r="http://schemas.openxmlformats.org/officeDocument/2006/relationships" xmlns:p="http://schemas.openxmlformats.org/presentationml/2006/main">
   <p:cSld>
     <p:spTree>
       <p:nvGrpSpPr>
@@ -3685,7 +3830,9 @@
       <p:sp>
         <p:nvSpPr>
           <p:cNvPr id="163" name="под любую платформу"/>
-          <p:cNvSpPr txBox="1"/>
+          <p:cNvSpPr txBox="1">
+            <a:spLocks noGrp="1"/>
+          </p:cNvSpPr>
           <p:nvPr>
             <p:ph type="title"/>
           </p:nvPr>
@@ -3700,14 +3847,15 @@
           </a:prstGeom>
         </p:spPr>
         <p:txBody>
-          <a:bodyPr/>
+          <a:bodyPr>
+            <a:normAutofit fontScale="90000"/>
+          </a:bodyPr>
           <a:lstStyle>
             <a:lvl1pPr defTabSz="519937">
               <a:defRPr sz="6408"/>
             </a:lvl1pPr>
           </a:lstStyle>
           <a:p>
-            <a:pPr/>
             <a:r>
               <a:t>под любую платформу</a:t>
             </a:r>
@@ -3748,12 +3896,19 @@
   <p:clrMapOvr>
     <a:masterClrMapping/>
   </p:clrMapOvr>
-  <p:transition xmlns:p14="http://schemas.microsoft.com/office/powerpoint/2010/main" spd="med" advClick="1"/>
+  <p:transition spd="med"/>
+  <p:timing>
+    <p:tnLst>
+      <p:par>
+        <p:cTn id="1" dur="indefinite" restart="never" nodeType="tmRoot"/>
+      </p:par>
+    </p:tnLst>
+  </p:timing>
 </p:sld>
 </file>
 
 <file path=ppt/slides/slide14.xml><?xml version="1.0" encoding="utf-8"?>
-<p:sld xmlns:a="http://schemas.openxmlformats.org/drawingml/2006/main" xmlns:r="http://schemas.openxmlformats.org/officeDocument/2006/relationships" xmlns:p="http://schemas.openxmlformats.org/presentationml/2006/main" xmlns:m="http://schemas.openxmlformats.org/officeDocument/2006/math" xmlns:a14="http://schemas.microsoft.com/office/drawing/2010/main" showMasterSp="1" showMasterPhAnim="1">
+<p:sld xmlns:a="http://schemas.openxmlformats.org/drawingml/2006/main" xmlns:r="http://schemas.openxmlformats.org/officeDocument/2006/relationships" xmlns:p="http://schemas.openxmlformats.org/presentationml/2006/main">
   <p:cSld>
     <p:spTree>
       <p:nvGrpSpPr>
@@ -3772,7 +3927,9 @@
       <p:sp>
         <p:nvSpPr>
           <p:cNvPr id="166" name="платные и бесплатные"/>
-          <p:cNvSpPr txBox="1"/>
+          <p:cNvSpPr txBox="1">
+            <a:spLocks noGrp="1"/>
+          </p:cNvSpPr>
           <p:nvPr>
             <p:ph type="title"/>
           </p:nvPr>
@@ -3787,14 +3944,15 @@
           </a:prstGeom>
         </p:spPr>
         <p:txBody>
-          <a:bodyPr/>
+          <a:bodyPr>
+            <a:normAutofit fontScale="90000"/>
+          </a:bodyPr>
           <a:lstStyle>
             <a:lvl1pPr defTabSz="537463">
               <a:defRPr sz="6624"/>
             </a:lvl1pPr>
           </a:lstStyle>
           <a:p>
-            <a:pPr/>
             <a:r>
               <a:t>платные и бесплатные</a:t>
             </a:r>
@@ -3835,12 +3993,19 @@
   <p:clrMapOvr>
     <a:masterClrMapping/>
   </p:clrMapOvr>
-  <p:transition xmlns:p14="http://schemas.microsoft.com/office/powerpoint/2010/main" spd="med" advClick="1"/>
+  <p:transition spd="med"/>
+  <p:timing>
+    <p:tnLst>
+      <p:par>
+        <p:cTn id="1" dur="indefinite" restart="never" nodeType="tmRoot"/>
+      </p:par>
+    </p:tnLst>
+  </p:timing>
 </p:sld>
 </file>
 
 <file path=ppt/slides/slide15.xml><?xml version="1.0" encoding="utf-8"?>
-<p:sld xmlns:a="http://schemas.openxmlformats.org/drawingml/2006/main" xmlns:r="http://schemas.openxmlformats.org/officeDocument/2006/relationships" xmlns:p="http://schemas.openxmlformats.org/presentationml/2006/main" xmlns:m="http://schemas.openxmlformats.org/officeDocument/2006/math" xmlns:a14="http://schemas.microsoft.com/office/drawing/2010/main" showMasterSp="1" showMasterPhAnim="1">
+<p:sld xmlns:a="http://schemas.openxmlformats.org/drawingml/2006/main" xmlns:r="http://schemas.openxmlformats.org/officeDocument/2006/relationships" xmlns:p="http://schemas.openxmlformats.org/presentationml/2006/main">
   <p:cSld>
     <p:spTree>
       <p:nvGrpSpPr>
@@ -3859,7 +4024,9 @@
       <p:sp>
         <p:nvSpPr>
           <p:cNvPr id="169" name="Что же выбрать?"/>
-          <p:cNvSpPr txBox="1"/>
+          <p:cNvSpPr txBox="1">
+            <a:spLocks noGrp="1"/>
+          </p:cNvSpPr>
           <p:nvPr>
             <p:ph type="title"/>
           </p:nvPr>
@@ -3877,7 +4044,6 @@
           <a:bodyPr/>
           <a:lstStyle/>
           <a:p>
-            <a:pPr/>
             <a:r>
               <a:t>Что же выбрать?</a:t>
             </a:r>
@@ -3918,12 +4084,19 @@
   <p:clrMapOvr>
     <a:masterClrMapping/>
   </p:clrMapOvr>
-  <p:transition xmlns:p14="http://schemas.microsoft.com/office/powerpoint/2010/main" spd="med" advClick="1"/>
+  <p:transition spd="med"/>
+  <p:timing>
+    <p:tnLst>
+      <p:par>
+        <p:cTn id="1" dur="indefinite" restart="never" nodeType="tmRoot"/>
+      </p:par>
+    </p:tnLst>
+  </p:timing>
 </p:sld>
 </file>
 
 <file path=ppt/slides/slide16.xml><?xml version="1.0" encoding="utf-8"?>
-<p:sld xmlns:a="http://schemas.openxmlformats.org/drawingml/2006/main" xmlns:r="http://schemas.openxmlformats.org/officeDocument/2006/relationships" xmlns:p="http://schemas.openxmlformats.org/presentationml/2006/main" xmlns:m="http://schemas.openxmlformats.org/officeDocument/2006/math" xmlns:a14="http://schemas.microsoft.com/office/drawing/2010/main" showMasterSp="1" showMasterPhAnim="1">
+<p:sld xmlns:a="http://schemas.openxmlformats.org/drawingml/2006/main" xmlns:r="http://schemas.openxmlformats.org/officeDocument/2006/relationships" xmlns:p="http://schemas.openxmlformats.org/presentationml/2006/main">
   <p:cSld>
     <p:spTree>
       <p:nvGrpSpPr>
@@ -3942,7 +4115,9 @@
       <p:sp>
         <p:nvSpPr>
           <p:cNvPr id="172" name="давайте разбираться"/>
-          <p:cNvSpPr txBox="1"/>
+          <p:cNvSpPr txBox="1">
+            <a:spLocks noGrp="1"/>
+          </p:cNvSpPr>
           <p:nvPr>
             <p:ph type="title"/>
           </p:nvPr>
@@ -3953,10 +4128,11 @@
           </a:prstGeom>
         </p:spPr>
         <p:txBody>
-          <a:bodyPr/>
+          <a:bodyPr>
+            <a:normAutofit fontScale="90000"/>
+          </a:bodyPr>
           <a:lstStyle/>
           <a:p>
-            <a:pPr/>
             <a:r>
               <a:t>давайте разбираться</a:t>
             </a:r>
@@ -3966,7 +4142,9 @@
       <p:sp>
         <p:nvSpPr>
           <p:cNvPr id="173" name="что не так?"/>
-          <p:cNvSpPr txBox="1"/>
+          <p:cNvSpPr txBox="1">
+            <a:spLocks noGrp="1"/>
+          </p:cNvSpPr>
           <p:nvPr>
             <p:ph type="body" sz="quarter" idx="1"/>
           </p:nvPr>
@@ -3984,7 +4162,6 @@
             </a:lvl1pPr>
           </a:lstStyle>
           <a:p>
-            <a:pPr/>
             <a:r>
               <a:t>что не так?</a:t>
             </a:r>
@@ -4025,12 +4202,19 @@
   <p:clrMapOvr>
     <a:masterClrMapping/>
   </p:clrMapOvr>
-  <p:transition xmlns:p14="http://schemas.microsoft.com/office/powerpoint/2010/main" spd="med" advClick="1"/>
+  <p:transition spd="med"/>
+  <p:timing>
+    <p:tnLst>
+      <p:par>
+        <p:cTn id="1" dur="indefinite" restart="never" nodeType="tmRoot"/>
+      </p:par>
+    </p:tnLst>
+  </p:timing>
 </p:sld>
 </file>
 
 <file path=ppt/slides/slide17.xml><?xml version="1.0" encoding="utf-8"?>
-<p:sld xmlns:a="http://schemas.openxmlformats.org/drawingml/2006/main" xmlns:r="http://schemas.openxmlformats.org/officeDocument/2006/relationships" xmlns:p="http://schemas.openxmlformats.org/presentationml/2006/main" xmlns:m="http://schemas.openxmlformats.org/officeDocument/2006/math" xmlns:a14="http://schemas.microsoft.com/office/drawing/2010/main" showMasterSp="1" showMasterPhAnim="1">
+<p:sld xmlns:a="http://schemas.openxmlformats.org/drawingml/2006/main" xmlns:r="http://schemas.openxmlformats.org/officeDocument/2006/relationships" xmlns:p="http://schemas.openxmlformats.org/presentationml/2006/main">
   <p:cSld>
     <p:spTree>
       <p:nvGrpSpPr>
@@ -4049,7 +4233,9 @@
       <p:sp>
         <p:nvSpPr>
           <p:cNvPr id="176" name="под каждую платформу?…"/>
-          <p:cNvSpPr txBox="1"/>
+          <p:cNvSpPr txBox="1">
+            <a:spLocks noGrp="1"/>
+          </p:cNvSpPr>
           <p:nvPr>
             <p:ph type="title"/>
           </p:nvPr>
@@ -4064,7 +4250,9 @@
           </a:prstGeom>
         </p:spPr>
         <p:txBody>
-          <a:bodyPr/>
+          <a:bodyPr>
+            <a:normAutofit fontScale="90000"/>
+          </a:bodyPr>
           <a:lstStyle/>
           <a:p>
             <a:pPr defTabSz="484886">
@@ -4118,12 +4306,19 @@
   <p:clrMapOvr>
     <a:masterClrMapping/>
   </p:clrMapOvr>
-  <p:transition xmlns:p14="http://schemas.microsoft.com/office/powerpoint/2010/main" spd="med" advClick="1"/>
+  <p:transition spd="med"/>
+  <p:timing>
+    <p:tnLst>
+      <p:par>
+        <p:cTn id="1" dur="indefinite" restart="never" nodeType="tmRoot"/>
+      </p:par>
+    </p:tnLst>
+  </p:timing>
 </p:sld>
 </file>
 
 <file path=ppt/slides/slide18.xml><?xml version="1.0" encoding="utf-8"?>
-<p:sld xmlns:a="http://schemas.openxmlformats.org/drawingml/2006/main" xmlns:r="http://schemas.openxmlformats.org/officeDocument/2006/relationships" xmlns:p="http://schemas.openxmlformats.org/presentationml/2006/main" xmlns:m="http://schemas.openxmlformats.org/officeDocument/2006/math" xmlns:a14="http://schemas.microsoft.com/office/drawing/2010/main" showMasterSp="1" showMasterPhAnim="1">
+<p:sld xmlns:a="http://schemas.openxmlformats.org/drawingml/2006/main" xmlns:r="http://schemas.openxmlformats.org/officeDocument/2006/relationships" xmlns:p="http://schemas.openxmlformats.org/presentationml/2006/main">
   <p:cSld>
     <p:spTree>
       <p:nvGrpSpPr>
@@ -4142,7 +4337,9 @@
       <p:sp>
         <p:nvSpPr>
           <p:cNvPr id="179" name="платные vs бесплатные"/>
-          <p:cNvSpPr txBox="1"/>
+          <p:cNvSpPr txBox="1">
+            <a:spLocks noGrp="1"/>
+          </p:cNvSpPr>
           <p:nvPr>
             <p:ph type="title"/>
           </p:nvPr>
@@ -4157,7 +4354,9 @@
           </a:prstGeom>
         </p:spPr>
         <p:txBody>
-          <a:bodyPr/>
+          <a:bodyPr>
+            <a:normAutofit fontScale="90000"/>
+          </a:bodyPr>
           <a:lstStyle/>
           <a:p>
             <a:pPr defTabSz="514095">
@@ -4215,12 +4414,19 @@
   <p:clrMapOvr>
     <a:masterClrMapping/>
   </p:clrMapOvr>
-  <p:transition xmlns:p14="http://schemas.microsoft.com/office/powerpoint/2010/main" spd="med" advClick="1"/>
+  <p:transition spd="med"/>
+  <p:timing>
+    <p:tnLst>
+      <p:par>
+        <p:cTn id="1" dur="indefinite" restart="never" nodeType="tmRoot"/>
+      </p:par>
+    </p:tnLst>
+  </p:timing>
 </p:sld>
 </file>
 
 <file path=ppt/slides/slide19.xml><?xml version="1.0" encoding="utf-8"?>
-<p:sld xmlns:a="http://schemas.openxmlformats.org/drawingml/2006/main" xmlns:r="http://schemas.openxmlformats.org/officeDocument/2006/relationships" xmlns:p="http://schemas.openxmlformats.org/presentationml/2006/main" xmlns:m="http://schemas.openxmlformats.org/officeDocument/2006/math" xmlns:a14="http://schemas.microsoft.com/office/drawing/2010/main" showMasterSp="1" showMasterPhAnim="1">
+<p:sld xmlns:a="http://schemas.openxmlformats.org/drawingml/2006/main" xmlns:r="http://schemas.openxmlformats.org/officeDocument/2006/relationships" xmlns:p="http://schemas.openxmlformats.org/presentationml/2006/main">
   <p:cSld>
     <p:spTree>
       <p:nvGrpSpPr>
@@ -4239,7 +4445,9 @@
       <p:sp>
         <p:nvSpPr>
           <p:cNvPr id="182" name="Бесплатные"/>
-          <p:cNvSpPr txBox="1"/>
+          <p:cNvSpPr txBox="1">
+            <a:spLocks noGrp="1"/>
+          </p:cNvSpPr>
           <p:nvPr>
             <p:ph type="title"/>
           </p:nvPr>
@@ -4253,7 +4461,6 @@
           <a:bodyPr/>
           <a:lstStyle/>
           <a:p>
-            <a:pPr/>
             <a:r>
               <a:t>Бесплатные</a:t>
             </a:r>
@@ -4263,7 +4470,9 @@
       <p:sp>
         <p:nvSpPr>
           <p:cNvPr id="183" name="Их мало…"/>
-          <p:cNvSpPr txBox="1"/>
+          <p:cNvSpPr txBox="1">
+            <a:spLocks noGrp="1"/>
+          </p:cNvSpPr>
           <p:nvPr>
             <p:ph type="body" idx="1"/>
           </p:nvPr>
@@ -4281,19 +4490,16 @@
           <a:bodyPr/>
           <a:lstStyle/>
           <a:p>
-            <a:pPr/>
             <a:r>
               <a:t>Их мало</a:t>
             </a:r>
           </a:p>
           <a:p>
-            <a:pPr/>
             <a:r>
               <a:t>Как правило скудный функционал</a:t>
             </a:r>
           </a:p>
           <a:p>
-            <a:pPr/>
             <a:r>
               <a:t>Для начала может сойти</a:t>
             </a:r>
@@ -4305,12 +4511,19 @@
   <p:clrMapOvr>
     <a:masterClrMapping/>
   </p:clrMapOvr>
-  <p:transition xmlns:p14="http://schemas.microsoft.com/office/powerpoint/2010/main" spd="med" advClick="1"/>
+  <p:transition spd="med"/>
+  <p:timing>
+    <p:tnLst>
+      <p:par>
+        <p:cTn id="1" dur="indefinite" restart="never" nodeType="tmRoot"/>
+      </p:par>
+    </p:tnLst>
+  </p:timing>
 </p:sld>
 </file>
 
 <file path=ppt/slides/slide2.xml><?xml version="1.0" encoding="utf-8"?>
-<p:sld xmlns:a="http://schemas.openxmlformats.org/drawingml/2006/main" xmlns:r="http://schemas.openxmlformats.org/officeDocument/2006/relationships" xmlns:p="http://schemas.openxmlformats.org/presentationml/2006/main" xmlns:m="http://schemas.openxmlformats.org/officeDocument/2006/math" xmlns:a14="http://schemas.microsoft.com/office/drawing/2010/main" showMasterSp="1" showMasterPhAnim="1">
+<p:sld xmlns:a="http://schemas.openxmlformats.org/drawingml/2006/main" xmlns:r="http://schemas.openxmlformats.org/officeDocument/2006/relationships" xmlns:p="http://schemas.openxmlformats.org/presentationml/2006/main">
   <p:cSld>
     <p:spTree>
       <p:nvGrpSpPr>
@@ -4374,7 +4587,7 @@
           <p:nvPicPr>
             <p:cNvPr id="122" name="1511192560__98090975_042106636.jpg" descr="1511192560__98090975_042106636.jpg"/>
             <p:cNvPicPr>
-              <a:picLocks noChangeAspect="0"/>
+              <a:picLocks/>
             </p:cNvPicPr>
             <p:nvPr/>
           </p:nvPicPr>
@@ -4401,7 +4614,9 @@
       <p:sp>
         <p:nvSpPr>
           <p:cNvPr id="125" name="бюджет"/>
-          <p:cNvSpPr txBox="1"/>
+          <p:cNvSpPr txBox="1">
+            <a:spLocks noGrp="1"/>
+          </p:cNvSpPr>
           <p:nvPr>
             <p:ph type="title"/>
           </p:nvPr>
@@ -4419,7 +4634,6 @@
           <a:bodyPr/>
           <a:lstStyle/>
           <a:p>
-            <a:pPr/>
             <a:r>
               <a:t>бюджет</a:t>
             </a:r>
@@ -4431,12 +4645,19 @@
   <p:clrMapOvr>
     <a:masterClrMapping/>
   </p:clrMapOvr>
-  <p:transition xmlns:p14="http://schemas.microsoft.com/office/powerpoint/2010/main" spd="med" advClick="1"/>
+  <p:transition spd="med"/>
+  <p:timing>
+    <p:tnLst>
+      <p:par>
+        <p:cTn id="1" dur="indefinite" restart="never" nodeType="tmRoot"/>
+      </p:par>
+    </p:tnLst>
+  </p:timing>
 </p:sld>
 </file>
 
 <file path=ppt/slides/slide20.xml><?xml version="1.0" encoding="utf-8"?>
-<p:sld xmlns:a="http://schemas.openxmlformats.org/drawingml/2006/main" xmlns:r="http://schemas.openxmlformats.org/officeDocument/2006/relationships" xmlns:p="http://schemas.openxmlformats.org/presentationml/2006/main" xmlns:m="http://schemas.openxmlformats.org/officeDocument/2006/math" xmlns:a14="http://schemas.microsoft.com/office/drawing/2010/main" showMasterSp="1" showMasterPhAnim="1">
+<p:sld xmlns:a="http://schemas.openxmlformats.org/drawingml/2006/main" xmlns:r="http://schemas.openxmlformats.org/officeDocument/2006/relationships" xmlns:p="http://schemas.openxmlformats.org/presentationml/2006/main">
   <p:cSld>
     <p:spTree>
       <p:nvGrpSpPr>
@@ -4455,7 +4676,9 @@
       <p:sp>
         <p:nvSpPr>
           <p:cNvPr id="185" name="Платные"/>
-          <p:cNvSpPr txBox="1"/>
+          <p:cNvSpPr txBox="1">
+            <a:spLocks noGrp="1"/>
+          </p:cNvSpPr>
           <p:nvPr>
             <p:ph type="title"/>
           </p:nvPr>
@@ -4469,7 +4692,6 @@
           <a:bodyPr/>
           <a:lstStyle/>
           <a:p>
-            <a:pPr/>
             <a:r>
               <a:t>Платные</a:t>
             </a:r>
@@ -4479,7 +4701,9 @@
       <p:sp>
         <p:nvSpPr>
           <p:cNvPr id="186" name="Их много…"/>
-          <p:cNvSpPr txBox="1"/>
+          <p:cNvSpPr txBox="1">
+            <a:spLocks noGrp="1"/>
+          </p:cNvSpPr>
           <p:nvPr>
             <p:ph type="body" idx="1"/>
           </p:nvPr>
@@ -4497,25 +4721,21 @@
           <a:bodyPr/>
           <a:lstStyle/>
           <a:p>
-            <a:pPr/>
             <a:r>
               <a:t>Их много</a:t>
             </a:r>
           </a:p>
           <a:p>
-            <a:pPr/>
             <a:r>
               <a:t>Хорошая функциональность</a:t>
             </a:r>
           </a:p>
           <a:p>
-            <a:pPr/>
             <a:r>
               <a:t>Оценить до покупки сложно</a:t>
             </a:r>
           </a:p>
           <a:p>
-            <a:pPr/>
             <a:r>
               <a:t>Некоторые неоправданно дорогие</a:t>
             </a:r>
@@ -4527,12 +4747,19 @@
   <p:clrMapOvr>
     <a:masterClrMapping/>
   </p:clrMapOvr>
-  <p:transition xmlns:p14="http://schemas.microsoft.com/office/powerpoint/2010/main" spd="med" advClick="1"/>
+  <p:transition spd="med"/>
+  <p:timing>
+    <p:tnLst>
+      <p:par>
+        <p:cTn id="1" dur="indefinite" restart="never" nodeType="tmRoot"/>
+      </p:par>
+    </p:tnLst>
+  </p:timing>
 </p:sld>
 </file>
 
 <file path=ppt/slides/slide21.xml><?xml version="1.0" encoding="utf-8"?>
-<p:sld xmlns:a="http://schemas.openxmlformats.org/drawingml/2006/main" xmlns:r="http://schemas.openxmlformats.org/officeDocument/2006/relationships" xmlns:p="http://schemas.openxmlformats.org/presentationml/2006/main" xmlns:m="http://schemas.openxmlformats.org/officeDocument/2006/math" xmlns:a14="http://schemas.microsoft.com/office/drawing/2010/main" showMasterSp="1" showMasterPhAnim="1">
+<p:sld xmlns:a="http://schemas.openxmlformats.org/drawingml/2006/main" xmlns:r="http://schemas.openxmlformats.org/officeDocument/2006/relationships" xmlns:p="http://schemas.openxmlformats.org/presentationml/2006/main">
   <p:cSld>
     <p:spTree>
       <p:nvGrpSpPr>
@@ -4551,7 +4778,9 @@
       <p:sp>
         <p:nvSpPr>
           <p:cNvPr id="188" name="МЕтод проб и ошибок"/>
-          <p:cNvSpPr txBox="1"/>
+          <p:cNvSpPr txBox="1">
+            <a:spLocks noGrp="1"/>
+          </p:cNvSpPr>
           <p:nvPr>
             <p:ph type="title"/>
           </p:nvPr>
@@ -4562,14 +4791,15 @@
           </a:prstGeom>
         </p:spPr>
         <p:txBody>
-          <a:bodyPr/>
+          <a:bodyPr>
+            <a:normAutofit fontScale="90000"/>
+          </a:bodyPr>
           <a:lstStyle>
             <a:lvl1pPr defTabSz="554990">
               <a:defRPr sz="6840"/>
             </a:lvl1pPr>
           </a:lstStyle>
           <a:p>
-            <a:pPr/>
             <a:r>
               <a:t>МЕтод проб и ошибок</a:t>
             </a:r>
@@ -4579,7 +4809,9 @@
       <p:sp>
         <p:nvSpPr>
           <p:cNvPr id="189" name="Body"/>
-          <p:cNvSpPr txBox="1"/>
+          <p:cNvSpPr txBox="1">
+            <a:spLocks noGrp="1"/>
+          </p:cNvSpPr>
           <p:nvPr>
             <p:ph type="body" sz="quarter" idx="1"/>
           </p:nvPr>
@@ -4596,6 +4828,7 @@
             <a:pPr>
               <a:buClrTx/>
             </a:pPr>
+            <a:endParaRPr/>
           </a:p>
         </p:txBody>
       </p:sp>
@@ -4633,12 +4866,19 @@
   <p:clrMapOvr>
     <a:masterClrMapping/>
   </p:clrMapOvr>
-  <p:transition xmlns:p14="http://schemas.microsoft.com/office/powerpoint/2010/main" spd="med" advClick="1"/>
+  <p:transition spd="med"/>
+  <p:timing>
+    <p:tnLst>
+      <p:par>
+        <p:cTn id="1" dur="indefinite" restart="never" nodeType="tmRoot"/>
+      </p:par>
+    </p:tnLst>
+  </p:timing>
 </p:sld>
 </file>
 
 <file path=ppt/slides/slide22.xml><?xml version="1.0" encoding="utf-8"?>
-<p:sld xmlns:a="http://schemas.openxmlformats.org/drawingml/2006/main" xmlns:r="http://schemas.openxmlformats.org/officeDocument/2006/relationships" xmlns:p="http://schemas.openxmlformats.org/presentationml/2006/main" xmlns:m="http://schemas.openxmlformats.org/officeDocument/2006/math" xmlns:a14="http://schemas.microsoft.com/office/drawing/2010/main" showMasterSp="1" showMasterPhAnim="1">
+<p:sld xmlns:a="http://schemas.openxmlformats.org/drawingml/2006/main" xmlns:r="http://schemas.openxmlformats.org/officeDocument/2006/relationships" xmlns:p="http://schemas.openxmlformats.org/presentationml/2006/main">
   <p:cSld>
     <p:spTree>
       <p:nvGrpSpPr>
@@ -4657,7 +4897,9 @@
       <p:sp>
         <p:nvSpPr>
           <p:cNvPr id="192" name="Нашел что нужно"/>
-          <p:cNvSpPr txBox="1"/>
+          <p:cNvSpPr txBox="1">
+            <a:spLocks noGrp="1"/>
+          </p:cNvSpPr>
           <p:nvPr>
             <p:ph type="title"/>
           </p:nvPr>
@@ -4671,7 +4913,6 @@
           <a:bodyPr/>
           <a:lstStyle/>
           <a:p>
-            <a:pPr/>
             <a:r>
               <a:t>Нашел что нужно</a:t>
             </a:r>
@@ -4681,7 +4922,9 @@
       <p:sp>
         <p:nvSpPr>
           <p:cNvPr id="193" name="Body"/>
-          <p:cNvSpPr txBox="1"/>
+          <p:cNvSpPr txBox="1">
+            <a:spLocks noGrp="1"/>
+          </p:cNvSpPr>
           <p:nvPr>
             <p:ph type="body" sz="quarter" idx="1"/>
           </p:nvPr>
@@ -4698,6 +4941,7 @@
             <a:pPr>
               <a:buClrTx/>
             </a:pPr>
+            <a:endParaRPr/>
           </a:p>
         </p:txBody>
       </p:sp>
@@ -4735,12 +4979,19 @@
   <p:clrMapOvr>
     <a:masterClrMapping/>
   </p:clrMapOvr>
-  <p:transition xmlns:p14="http://schemas.microsoft.com/office/powerpoint/2010/main" spd="med" advClick="1"/>
+  <p:transition spd="med"/>
+  <p:timing>
+    <p:tnLst>
+      <p:par>
+        <p:cTn id="1" dur="indefinite" restart="never" nodeType="tmRoot"/>
+      </p:par>
+    </p:tnLst>
+  </p:timing>
 </p:sld>
 </file>
 
 <file path=ppt/slides/slide23.xml><?xml version="1.0" encoding="utf-8"?>
-<p:sld xmlns:a="http://schemas.openxmlformats.org/drawingml/2006/main" xmlns:r="http://schemas.openxmlformats.org/officeDocument/2006/relationships" xmlns:p="http://schemas.openxmlformats.org/presentationml/2006/main" xmlns:m="http://schemas.openxmlformats.org/officeDocument/2006/math" xmlns:a14="http://schemas.microsoft.com/office/drawing/2010/main" showMasterSp="1" showMasterPhAnim="1">
+<p:sld xmlns:a="http://schemas.openxmlformats.org/drawingml/2006/main" xmlns:r="http://schemas.openxmlformats.org/officeDocument/2006/relationships" xmlns:p="http://schemas.openxmlformats.org/presentationml/2006/main">
   <p:cSld>
     <p:spTree>
       <p:nvGrpSpPr>
@@ -4759,7 +5010,9 @@
       <p:sp>
         <p:nvSpPr>
           <p:cNvPr id="196" name="жизнь налаживается"/>
-          <p:cNvSpPr txBox="1"/>
+          <p:cNvSpPr txBox="1">
+            <a:spLocks noGrp="1"/>
+          </p:cNvSpPr>
           <p:nvPr>
             <p:ph type="title"/>
           </p:nvPr>
@@ -4774,14 +5027,15 @@
           </a:prstGeom>
         </p:spPr>
         <p:txBody>
-          <a:bodyPr/>
+          <a:bodyPr>
+            <a:normAutofit fontScale="90000"/>
+          </a:bodyPr>
           <a:lstStyle>
             <a:lvl1pPr>
               <a:defRPr sz="6200"/>
             </a:lvl1pPr>
           </a:lstStyle>
           <a:p>
-            <a:pPr/>
             <a:r>
               <a:t>жизнь налаживается</a:t>
             </a:r>
@@ -4822,12 +5076,19 @@
   <p:clrMapOvr>
     <a:masterClrMapping/>
   </p:clrMapOvr>
-  <p:transition xmlns:p14="http://schemas.microsoft.com/office/powerpoint/2010/main" spd="med" advClick="1"/>
+  <p:transition spd="med"/>
+  <p:timing>
+    <p:tnLst>
+      <p:par>
+        <p:cTn id="1" dur="indefinite" restart="never" nodeType="tmRoot"/>
+      </p:par>
+    </p:tnLst>
+  </p:timing>
 </p:sld>
 </file>
 
 <file path=ppt/slides/slide24.xml><?xml version="1.0" encoding="utf-8"?>
-<p:sld xmlns:a="http://schemas.openxmlformats.org/drawingml/2006/main" xmlns:r="http://schemas.openxmlformats.org/officeDocument/2006/relationships" xmlns:p="http://schemas.openxmlformats.org/presentationml/2006/main" xmlns:m="http://schemas.openxmlformats.org/officeDocument/2006/math" xmlns:a14="http://schemas.microsoft.com/office/drawing/2010/main" showMasterSp="1" showMasterPhAnim="1">
+<p:sld xmlns:a="http://schemas.openxmlformats.org/drawingml/2006/main" xmlns:r="http://schemas.openxmlformats.org/officeDocument/2006/relationships" xmlns:p="http://schemas.openxmlformats.org/presentationml/2006/main">
   <p:cSld>
     <p:spTree>
       <p:nvGrpSpPr>
@@ -4846,7 +5107,9 @@
       <p:sp>
         <p:nvSpPr>
           <p:cNvPr id="199" name="Потеря данных за полгода"/>
-          <p:cNvSpPr txBox="1"/>
+          <p:cNvSpPr txBox="1">
+            <a:spLocks noGrp="1"/>
+          </p:cNvSpPr>
           <p:nvPr>
             <p:ph type="title"/>
           </p:nvPr>
@@ -4857,14 +5120,15 @@
           </a:prstGeom>
         </p:spPr>
         <p:txBody>
-          <a:bodyPr/>
+          <a:bodyPr>
+            <a:normAutofit fontScale="90000"/>
+          </a:bodyPr>
           <a:lstStyle>
             <a:lvl1pPr defTabSz="443991">
               <a:defRPr sz="5472"/>
             </a:lvl1pPr>
           </a:lstStyle>
           <a:p>
-            <a:pPr/>
             <a:r>
               <a:t>Потеря данных за полгода</a:t>
             </a:r>
@@ -4874,7 +5138,9 @@
       <p:sp>
         <p:nvSpPr>
           <p:cNvPr id="200" name="и много бесполезных разговоров…"/>
-          <p:cNvSpPr txBox="1"/>
+          <p:cNvSpPr txBox="1">
+            <a:spLocks noGrp="1"/>
+          </p:cNvSpPr>
           <p:nvPr>
             <p:ph type="body" sz="quarter" idx="1"/>
           </p:nvPr>
@@ -4885,7 +5151,9 @@
           </a:prstGeom>
         </p:spPr>
         <p:txBody>
-          <a:bodyPr/>
+          <a:bodyPr>
+            <a:normAutofit lnSpcReduction="10000"/>
+          </a:bodyPr>
           <a:lstStyle/>
           <a:p>
             <a:pPr defTabSz="543305">
@@ -4941,12 +5209,19 @@
   <p:clrMapOvr>
     <a:masterClrMapping/>
   </p:clrMapOvr>
-  <p:transition xmlns:p14="http://schemas.microsoft.com/office/powerpoint/2010/main" spd="med" advClick="1"/>
+  <p:transition spd="med"/>
+  <p:timing>
+    <p:tnLst>
+      <p:par>
+        <p:cTn id="1" dur="indefinite" restart="never" nodeType="tmRoot"/>
+      </p:par>
+    </p:tnLst>
+  </p:timing>
 </p:sld>
 </file>
 
 <file path=ppt/slides/slide25.xml><?xml version="1.0" encoding="utf-8"?>
-<p:sld xmlns:a="http://schemas.openxmlformats.org/drawingml/2006/main" xmlns:r="http://schemas.openxmlformats.org/officeDocument/2006/relationships" xmlns:p="http://schemas.openxmlformats.org/presentationml/2006/main" xmlns:m="http://schemas.openxmlformats.org/officeDocument/2006/math" xmlns:a14="http://schemas.microsoft.com/office/drawing/2010/main" showMasterSp="1" showMasterPhAnim="1">
+<p:sld xmlns:a="http://schemas.openxmlformats.org/drawingml/2006/main" xmlns:r="http://schemas.openxmlformats.org/officeDocument/2006/relationships" xmlns:p="http://schemas.openxmlformats.org/presentationml/2006/main">
   <p:cSld>
     <p:spTree>
       <p:nvGrpSpPr>
@@ -4965,7 +5240,9 @@
       <p:sp>
         <p:nvSpPr>
           <p:cNvPr id="203" name="жизнь продолжается"/>
-          <p:cNvSpPr txBox="1"/>
+          <p:cNvSpPr txBox="1">
+            <a:spLocks noGrp="1"/>
+          </p:cNvSpPr>
           <p:nvPr>
             <p:ph type="title"/>
           </p:nvPr>
@@ -4976,14 +5253,15 @@
           </a:prstGeom>
         </p:spPr>
         <p:txBody>
-          <a:bodyPr/>
+          <a:bodyPr>
+            <a:normAutofit fontScale="90000"/>
+          </a:bodyPr>
           <a:lstStyle>
             <a:lvl1pPr defTabSz="560831">
               <a:defRPr sz="6911"/>
             </a:lvl1pPr>
           </a:lstStyle>
           <a:p>
-            <a:pPr/>
             <a:r>
               <a:t>жизнь продолжается</a:t>
             </a:r>
@@ -4993,7 +5271,9 @@
       <p:sp>
         <p:nvSpPr>
           <p:cNvPr id="204" name="но осадочек остался"/>
-          <p:cNvSpPr txBox="1"/>
+          <p:cNvSpPr txBox="1">
+            <a:spLocks noGrp="1"/>
+          </p:cNvSpPr>
           <p:nvPr>
             <p:ph type="body" sz="quarter" idx="1"/>
           </p:nvPr>
@@ -5011,7 +5291,6 @@
             </a:lvl1pPr>
           </a:lstStyle>
           <a:p>
-            <a:pPr/>
             <a:r>
               <a:t>но осадочек остался</a:t>
             </a:r>
@@ -5052,12 +5331,19 @@
   <p:clrMapOvr>
     <a:masterClrMapping/>
   </p:clrMapOvr>
-  <p:transition xmlns:p14="http://schemas.microsoft.com/office/powerpoint/2010/main" spd="med" advClick="1"/>
+  <p:transition spd="med"/>
+  <p:timing>
+    <p:tnLst>
+      <p:par>
+        <p:cTn id="1" dur="indefinite" restart="never" nodeType="tmRoot"/>
+      </p:par>
+    </p:tnLst>
+  </p:timing>
 </p:sld>
 </file>
 
 <file path=ppt/slides/slide26.xml><?xml version="1.0" encoding="utf-8"?>
-<p:sld xmlns:a="http://schemas.openxmlformats.org/drawingml/2006/main" xmlns:r="http://schemas.openxmlformats.org/officeDocument/2006/relationships" xmlns:p="http://schemas.openxmlformats.org/presentationml/2006/main" xmlns:m="http://schemas.openxmlformats.org/officeDocument/2006/math" xmlns:a14="http://schemas.microsoft.com/office/drawing/2010/main" showMasterSp="1" showMasterPhAnim="1">
+<p:sld xmlns:a="http://schemas.openxmlformats.org/drawingml/2006/main" xmlns:r="http://schemas.openxmlformats.org/officeDocument/2006/relationships" xmlns:p="http://schemas.openxmlformats.org/presentationml/2006/main">
   <p:cSld>
     <p:spTree>
       <p:nvGrpSpPr>
@@ -5076,7 +5362,9 @@
       <p:sp>
         <p:nvSpPr>
           <p:cNvPr id="207" name="идея приложения"/>
-          <p:cNvSpPr txBox="1"/>
+          <p:cNvSpPr txBox="1">
+            <a:spLocks noGrp="1"/>
+          </p:cNvSpPr>
           <p:nvPr>
             <p:ph type="title"/>
           </p:nvPr>
@@ -5090,7 +5378,6 @@
           <a:bodyPr/>
           <a:lstStyle/>
           <a:p>
-            <a:pPr/>
             <a:r>
               <a:t>идея приложения</a:t>
             </a:r>
@@ -5100,7 +5387,9 @@
       <p:sp>
         <p:nvSpPr>
           <p:cNvPr id="208" name="идеального…"/>
-          <p:cNvSpPr txBox="1"/>
+          <p:cNvSpPr txBox="1">
+            <a:spLocks noGrp="1"/>
+          </p:cNvSpPr>
           <p:nvPr>
             <p:ph type="body" sz="quarter" idx="1"/>
           </p:nvPr>
@@ -5111,7 +5400,9 @@
           </a:prstGeom>
         </p:spPr>
         <p:txBody>
-          <a:bodyPr/>
+          <a:bodyPr>
+            <a:normAutofit lnSpcReduction="10000"/>
+          </a:bodyPr>
           <a:lstStyle/>
           <a:p>
             <a:pPr defTabSz="543305">
@@ -5167,12 +5458,19 @@
   <p:clrMapOvr>
     <a:masterClrMapping/>
   </p:clrMapOvr>
-  <p:transition xmlns:p14="http://schemas.microsoft.com/office/powerpoint/2010/main" spd="med" advClick="1"/>
+  <p:transition spd="med"/>
+  <p:timing>
+    <p:tnLst>
+      <p:par>
+        <p:cTn id="1" dur="indefinite" restart="never" nodeType="tmRoot"/>
+      </p:par>
+    </p:tnLst>
+  </p:timing>
 </p:sld>
 </file>
 
 <file path=ppt/slides/slide27.xml><?xml version="1.0" encoding="utf-8"?>
-<p:sld xmlns:a="http://schemas.openxmlformats.org/drawingml/2006/main" xmlns:r="http://schemas.openxmlformats.org/officeDocument/2006/relationships" xmlns:p="http://schemas.openxmlformats.org/presentationml/2006/main" xmlns:m="http://schemas.openxmlformats.org/officeDocument/2006/math" xmlns:a14="http://schemas.microsoft.com/office/drawing/2010/main" showMasterSp="1" showMasterPhAnim="1">
+<p:sld xmlns:a="http://schemas.openxmlformats.org/drawingml/2006/main" xmlns:r="http://schemas.openxmlformats.org/officeDocument/2006/relationships" xmlns:p="http://schemas.openxmlformats.org/presentationml/2006/main">
   <p:cSld>
     <p:spTree>
       <p:nvGrpSpPr>
@@ -5191,7 +5489,9 @@
       <p:sp>
         <p:nvSpPr>
           <p:cNvPr id="211" name="Что нужно сделать?"/>
-          <p:cNvSpPr txBox="1"/>
+          <p:cNvSpPr txBox="1">
+            <a:spLocks noGrp="1"/>
+          </p:cNvSpPr>
           <p:nvPr>
             <p:ph type="title"/>
           </p:nvPr>
@@ -5205,7 +5505,6 @@
           <a:bodyPr/>
           <a:lstStyle/>
           <a:p>
-            <a:pPr/>
             <a:r>
               <a:t>Что нужно сделать?</a:t>
             </a:r>
@@ -5215,22 +5514,26 @@
       <p:sp>
         <p:nvSpPr>
           <p:cNvPr id="212" name="Кроссплатформенное веб-приложение…"/>
-          <p:cNvSpPr txBox="1"/>
+          <p:cNvSpPr txBox="1">
+            <a:spLocks noGrp="1"/>
+          </p:cNvSpPr>
           <p:nvPr>
             <p:ph type="body" idx="1"/>
           </p:nvPr>
         </p:nvSpPr>
         <p:spPr>
           <a:xfrm>
-            <a:off x="1944910" y="2730500"/>
-            <a:ext cx="9114980" cy="6299200"/>
+            <a:off x="1267486" y="2692400"/>
+            <a:ext cx="10469828" cy="6299200"/>
           </a:xfrm>
           <a:prstGeom prst="rect">
             <a:avLst/>
           </a:prstGeom>
         </p:spPr>
         <p:txBody>
-          <a:bodyPr/>
+          <a:bodyPr>
+            <a:normAutofit/>
+          </a:bodyPr>
           <a:lstStyle/>
           <a:p>
             <a:pPr marL="468629" indent="-468629" defTabSz="525779">
@@ -5240,7 +5543,12 @@
               <a:defRPr sz="4140"/>
             </a:pPr>
             <a:r>
-              <a:t>Кроссплатформенное веб-приложение</a:t>
+              <a:rPr dirty="0" err="1"/>
+              <a:t>Кроссплатформенное</a:t>
+            </a:r>
+            <a:r>
+              <a:rPr dirty="0"/>
+              <a:t> веб-приложение</a:t>
             </a:r>
           </a:p>
           <a:p>
@@ -5251,8 +5559,10 @@
               <a:defRPr sz="4140"/>
             </a:pPr>
             <a:r>
-              <a:t>Бесплатное до самой последней функции</a:t>
-            </a:r>
+              <a:rPr dirty="0" err="1" smtClean="0"/>
+              <a:t>Бесплатное</a:t>
+            </a:r>
+            <a:endParaRPr dirty="0" smtClean="0"/>
           </a:p>
           <a:p>
             <a:pPr marL="468629" indent="-468629" defTabSz="525779">
@@ -5262,8 +5572,10 @@
               <a:defRPr sz="4140"/>
             </a:pPr>
             <a:r>
-              <a:t>Разработчик в ответе за данные</a:t>
-            </a:r>
+              <a:rPr lang="ru-RU" dirty="0" smtClean="0"/>
+              <a:t>Данные на сервере</a:t>
+            </a:r>
+            <a:endParaRPr dirty="0" smtClean="0"/>
           </a:p>
           <a:p>
             <a:pPr marL="468629" indent="-468629" defTabSz="525779">
@@ -5273,8 +5585,46 @@
               <a:defRPr sz="4140"/>
             </a:pPr>
             <a:r>
-              <a:t>+ свои функции из опыта эксплуатации</a:t>
-            </a:r>
+              <a:rPr dirty="0" smtClean="0"/>
+              <a:t>+ </a:t>
+            </a:r>
+            <a:r>
+              <a:rPr dirty="0" err="1"/>
+              <a:t>свои</a:t>
+            </a:r>
+            <a:r>
+              <a:rPr dirty="0"/>
+              <a:t> </a:t>
+            </a:r>
+            <a:r>
+              <a:rPr dirty="0" err="1"/>
+              <a:t>функции</a:t>
+            </a:r>
+            <a:r>
+              <a:rPr dirty="0"/>
+              <a:t> </a:t>
+            </a:r>
+            <a:r>
+              <a:rPr dirty="0" err="1"/>
+              <a:t>из</a:t>
+            </a:r>
+            <a:r>
+              <a:rPr dirty="0"/>
+              <a:t> </a:t>
+            </a:r>
+            <a:r>
+              <a:rPr dirty="0" err="1"/>
+              <a:t>опыта</a:t>
+            </a:r>
+            <a:r>
+              <a:rPr dirty="0"/>
+              <a:t> </a:t>
+            </a:r>
+            <a:r>
+              <a:rPr dirty="0" err="1"/>
+              <a:t>эксплуатации</a:t>
+            </a:r>
+            <a:endParaRPr dirty="0"/>
           </a:p>
         </p:txBody>
       </p:sp>
@@ -5283,14 +5633,14 @@
   <p:clrMapOvr>
     <a:masterClrMapping/>
   </p:clrMapOvr>
-  <p:transition xmlns:p14="http://schemas.microsoft.com/office/powerpoint/2010/main" spd="med" advClick="1"/>
+  <p:transition spd="med"/>
   <p:timing>
     <p:tnLst>
       <p:par>
-        <p:cTn id="1" nodeType="tmRoot" restart="never" dur="indefinite" fill="hold">
+        <p:cTn id="1" dur="indefinite" restart="never" fill="hold" nodeType="tmRoot">
           <p:childTnLst>
             <p:seq concurrent="1" prevAc="none" nextAc="seek">
-              <p:cTn id="2" nodeType="mainSeq" dur="indefinite" fill="hold">
+              <p:cTn id="2" dur="indefinite" fill="hold" nodeType="mainSeq">
                 <p:childTnLst>
                   <p:par>
                     <p:cTn id="3" fill="hold">
@@ -5305,11 +5655,11 @@
                             </p:stCondLst>
                             <p:childTnLst>
                               <p:par>
-                                <p:cTn id="5" presetClass="entr" nodeType="clickEffect" presetSubtype="0" presetID="1" grpId="1" fill="hold">
+                                <p:cTn id="5" presetID="1" presetClass="entr" presetSubtype="0" fill="hold" grpId="1" nodeType="clickEffect">
                                   <p:stCondLst>
                                     <p:cond delay="0"/>
                                   </p:stCondLst>
-                                  <p:iterate type="el" backwards="0">
+                                  <p:iterate>
                                     <p:tmAbs val="0"/>
                                   </p:iterate>
                                   <p:childTnLst>
@@ -5339,14 +5689,14 @@
                 </p:childTnLst>
               </p:cTn>
               <p:prevCondLst>
-                <p:cond evt="onPrev">
+                <p:cond evt="onPrev" delay="0">
                   <p:tgtEl>
                     <p:sldTgt/>
                   </p:tgtEl>
                 </p:cond>
               </p:prevCondLst>
               <p:nextCondLst>
-                <p:cond evt="onNext">
+                <p:cond evt="onNext" delay="0">
                   <p:tgtEl>
                     <p:sldTgt/>
                   </p:tgtEl>
@@ -5358,14 +5708,14 @@
       </p:par>
     </p:tnLst>
     <p:bldLst>
-      <p:bldP build="whole" bldLvl="1" animBg="1" rev="0" advAuto="0" spid="212" grpId="1"/>
+      <p:bldP spid="212" grpId="1" animBg="1" advAuto="0"/>
     </p:bldLst>
   </p:timing>
 </p:sld>
 </file>
 
 <file path=ppt/slides/slide28.xml><?xml version="1.0" encoding="utf-8"?>
-<p:sld xmlns:a="http://schemas.openxmlformats.org/drawingml/2006/main" xmlns:r="http://schemas.openxmlformats.org/officeDocument/2006/relationships" xmlns:p="http://schemas.openxmlformats.org/presentationml/2006/main" xmlns:m="http://schemas.openxmlformats.org/officeDocument/2006/math" xmlns:a14="http://schemas.microsoft.com/office/drawing/2010/main" showMasterSp="1" showMasterPhAnim="1">
+<p:sld xmlns:a="http://schemas.openxmlformats.org/drawingml/2006/main" xmlns:r="http://schemas.openxmlformats.org/officeDocument/2006/relationships" xmlns:p="http://schemas.openxmlformats.org/presentationml/2006/main">
   <p:cSld>
     <p:spTree>
       <p:nvGrpSpPr>
@@ -5384,7 +5734,9 @@
       <p:sp>
         <p:nvSpPr>
           <p:cNvPr id="214" name="Кроссплатформенное"/>
-          <p:cNvSpPr txBox="1"/>
+          <p:cNvSpPr txBox="1">
+            <a:spLocks noGrp="1"/>
+          </p:cNvSpPr>
           <p:nvPr>
             <p:ph type="title"/>
           </p:nvPr>
@@ -5395,14 +5747,15 @@
           </a:prstGeom>
         </p:spPr>
         <p:txBody>
-          <a:bodyPr/>
+          <a:bodyPr>
+            <a:normAutofit fontScale="90000"/>
+          </a:bodyPr>
           <a:lstStyle>
             <a:lvl1pPr defTabSz="549148">
               <a:defRPr sz="6768"/>
             </a:lvl1pPr>
           </a:lstStyle>
           <a:p>
-            <a:pPr/>
             <a:r>
               <a:t>Кроссплатформенное</a:t>
             </a:r>
@@ -5412,7 +5765,9 @@
       <p:sp>
         <p:nvSpPr>
           <p:cNvPr id="215" name="браузер + iOS + Android"/>
-          <p:cNvSpPr txBox="1"/>
+          <p:cNvSpPr txBox="1">
+            <a:spLocks noGrp="1"/>
+          </p:cNvSpPr>
           <p:nvPr>
             <p:ph type="body" sz="quarter" idx="1"/>
           </p:nvPr>
@@ -5427,16 +5782,22 @@
           </a:prstGeom>
         </p:spPr>
         <p:txBody>
-          <a:bodyPr/>
+          <a:bodyPr>
+            <a:normAutofit lnSpcReduction="10000"/>
+          </a:bodyPr>
           <a:lstStyle>
             <a:lvl1pPr>
               <a:buClrTx/>
             </a:lvl1pPr>
           </a:lstStyle>
           <a:p>
-            <a:pPr/>
-            <a:r>
-              <a:t>браузер + iOS + Android</a:t>
+            <a:r>
+              <a:rPr dirty="0" err="1"/>
+              <a:t>браузер</a:t>
+            </a:r>
+            <a:r>
+              <a:rPr dirty="0"/>
+              <a:t> + iOS + Android</a:t>
             </a:r>
           </a:p>
         </p:txBody>
@@ -5459,8 +5820,8 @@
         </p:blipFill>
         <p:spPr>
           <a:xfrm>
-            <a:off x="1339850" y="-196850"/>
-            <a:ext cx="10325100" cy="7302500"/>
+            <a:off x="1990725" y="526972"/>
+            <a:ext cx="9023350" cy="6381828"/>
           </a:xfrm>
           <a:prstGeom prst="rect">
             <a:avLst/>
@@ -5475,12 +5836,19 @@
   <p:clrMapOvr>
     <a:masterClrMapping/>
   </p:clrMapOvr>
-  <p:transition xmlns:p14="http://schemas.microsoft.com/office/powerpoint/2010/main" spd="med" advClick="1"/>
+  <p:transition spd="med"/>
+  <p:timing>
+    <p:tnLst>
+      <p:par>
+        <p:cTn id="1" dur="indefinite" restart="never" nodeType="tmRoot"/>
+      </p:par>
+    </p:tnLst>
+  </p:timing>
 </p:sld>
 </file>
 
 <file path=ppt/slides/slide29.xml><?xml version="1.0" encoding="utf-8"?>
-<p:sld xmlns:a="http://schemas.openxmlformats.org/drawingml/2006/main" xmlns:r="http://schemas.openxmlformats.org/officeDocument/2006/relationships" xmlns:p="http://schemas.openxmlformats.org/presentationml/2006/main" xmlns:m="http://schemas.openxmlformats.org/officeDocument/2006/math" xmlns:a14="http://schemas.microsoft.com/office/drawing/2010/main" showMasterSp="1" showMasterPhAnim="1">
+<p:sld xmlns:a="http://schemas.openxmlformats.org/drawingml/2006/main" xmlns:r="http://schemas.openxmlformats.org/officeDocument/2006/relationships" xmlns:p="http://schemas.openxmlformats.org/presentationml/2006/main">
   <p:cSld>
     <p:spTree>
       <p:nvGrpSpPr>
@@ -5499,7 +5867,9 @@
       <p:sp>
         <p:nvSpPr>
           <p:cNvPr id="218" name="как это работает"/>
-          <p:cNvSpPr txBox="1"/>
+          <p:cNvSpPr txBox="1">
+            <a:spLocks noGrp="1"/>
+          </p:cNvSpPr>
           <p:nvPr>
             <p:ph type="title"/>
           </p:nvPr>
@@ -5513,7 +5883,6 @@
           <a:bodyPr/>
           <a:lstStyle/>
           <a:p>
-            <a:pPr/>
             <a:r>
               <a:t>как это работает</a:t>
             </a:r>
@@ -5554,12 +5923,19 @@
   <p:clrMapOvr>
     <a:masterClrMapping/>
   </p:clrMapOvr>
-  <p:transition xmlns:p14="http://schemas.microsoft.com/office/powerpoint/2010/main" spd="med" advClick="1"/>
+  <p:transition spd="med"/>
+  <p:timing>
+    <p:tnLst>
+      <p:par>
+        <p:cTn id="1" dur="indefinite" restart="never" nodeType="tmRoot"/>
+      </p:par>
+    </p:tnLst>
+  </p:timing>
 </p:sld>
 </file>
 
 <file path=ppt/slides/slide3.xml><?xml version="1.0" encoding="utf-8"?>
-<p:sld xmlns:a="http://schemas.openxmlformats.org/drawingml/2006/main" xmlns:r="http://schemas.openxmlformats.org/officeDocument/2006/relationships" xmlns:p="http://schemas.openxmlformats.org/presentationml/2006/main" xmlns:m="http://schemas.openxmlformats.org/officeDocument/2006/math" xmlns:a14="http://schemas.microsoft.com/office/drawing/2010/main" showMasterSp="1" showMasterPhAnim="1">
+<p:sld xmlns:a="http://schemas.openxmlformats.org/drawingml/2006/main" xmlns:r="http://schemas.openxmlformats.org/officeDocument/2006/relationships" xmlns:p="http://schemas.openxmlformats.org/presentationml/2006/main">
   <p:cSld>
     <p:spTree>
       <p:nvGrpSpPr>
@@ -5578,7 +5954,9 @@
       <p:sp>
         <p:nvSpPr>
           <p:cNvPr id="127" name="Бюджет – это своеобразный план использования и формирования денежных средств для реализации необходимых функций и задач"/>
-          <p:cNvSpPr txBox="1"/>
+          <p:cNvSpPr txBox="1">
+            <a:spLocks noGrp="1"/>
+          </p:cNvSpPr>
           <p:nvPr>
             <p:ph type="ctrTitle"/>
           </p:nvPr>
@@ -5593,10 +5971,12 @@
           </a:prstGeom>
         </p:spPr>
         <p:txBody>
-          <a:bodyPr/>
+          <a:bodyPr>
+            <a:normAutofit fontScale="90000"/>
+          </a:bodyPr>
           <a:lstStyle>
             <a:lvl1pPr defTabSz="374904">
-              <a:defRPr cap="none" sz="5330">
+              <a:defRPr sz="5330" cap="none">
                 <a:latin typeface="Gill Sans"/>
                 <a:ea typeface="Gill Sans"/>
                 <a:cs typeface="Gill Sans"/>
@@ -5605,7 +5985,6 @@
             </a:lvl1pPr>
           </a:lstStyle>
           <a:p>
-            <a:pPr/>
             <a:r>
               <a:t>Бюджет – это своеобразный план использования и формирования денежных средств для реализации необходимых функций и задач</a:t>
             </a:r>
@@ -5615,7 +5994,9 @@
       <p:sp>
         <p:nvSpPr>
           <p:cNvPr id="128" name="Конституция РБ"/>
-          <p:cNvSpPr txBox="1"/>
+          <p:cNvSpPr txBox="1">
+            <a:spLocks noGrp="1"/>
+          </p:cNvSpPr>
           <p:nvPr>
             <p:ph type="subTitle" sz="quarter" idx="1"/>
           </p:nvPr>
@@ -5633,7 +6014,6 @@
           <a:bodyPr/>
           <a:lstStyle/>
           <a:p>
-            <a:pPr/>
             <a:r>
               <a:t>Конституция РБ</a:t>
             </a:r>
@@ -5645,12 +6025,19 @@
   <p:clrMapOvr>
     <a:masterClrMapping/>
   </p:clrMapOvr>
-  <p:transition xmlns:p14="http://schemas.microsoft.com/office/powerpoint/2010/main" spd="med" advClick="1"/>
+  <p:transition spd="med"/>
+  <p:timing>
+    <p:tnLst>
+      <p:par>
+        <p:cTn id="1" dur="indefinite" restart="never" nodeType="tmRoot"/>
+      </p:par>
+    </p:tnLst>
+  </p:timing>
 </p:sld>
 </file>
 
 <file path=ppt/slides/slide30.xml><?xml version="1.0" encoding="utf-8"?>
-<p:sld xmlns:a="http://schemas.openxmlformats.org/drawingml/2006/main" xmlns:r="http://schemas.openxmlformats.org/officeDocument/2006/relationships" xmlns:p="http://schemas.openxmlformats.org/presentationml/2006/main" xmlns:m="http://schemas.openxmlformats.org/officeDocument/2006/math" xmlns:a14="http://schemas.microsoft.com/office/drawing/2010/main" showMasterSp="1" showMasterPhAnim="1">
+<p:sld xmlns:a="http://schemas.openxmlformats.org/drawingml/2006/main" xmlns:r="http://schemas.openxmlformats.org/officeDocument/2006/relationships" xmlns:p="http://schemas.openxmlformats.org/presentationml/2006/main">
   <p:cSld>
     <p:spTree>
       <p:nvGrpSpPr>
@@ -5669,7 +6056,9 @@
       <p:sp>
         <p:nvSpPr>
           <p:cNvPr id="221" name="В чем выигрыш?"/>
-          <p:cNvSpPr txBox="1"/>
+          <p:cNvSpPr txBox="1">
+            <a:spLocks noGrp="1"/>
+          </p:cNvSpPr>
           <p:nvPr>
             <p:ph type="title"/>
           </p:nvPr>
@@ -5683,8 +6072,11 @@
           <a:bodyPr/>
           <a:lstStyle/>
           <a:p>
-            <a:pPr/>
-            <a:r>
+            <a:r>
+              <a:rPr>
+                <a:latin typeface="Arial" panose="020B0604020202020204" pitchFamily="34" charset="0"/>
+                <a:cs typeface="Arial" panose="020B0604020202020204" pitchFamily="34" charset="0"/>
+              </a:rPr>
               <a:t>В чем выигрыш?</a:t>
             </a:r>
           </a:p>
@@ -5693,7 +6085,9 @@
       <p:sp>
         <p:nvSpPr>
           <p:cNvPr id="222" name="Один язык разработки"/>
-          <p:cNvSpPr txBox="1"/>
+          <p:cNvSpPr txBox="1">
+            <a:spLocks noGrp="1"/>
+          </p:cNvSpPr>
           <p:nvPr>
             <p:ph type="body" sz="quarter" idx="1"/>
           </p:nvPr>
@@ -5711,10 +6105,52 @@
           <a:bodyPr/>
           <a:lstStyle/>
           <a:p>
-            <a:pPr/>
-            <a:r>
-              <a:t>Один язык разработки</a:t>
-            </a:r>
+            <a:r>
+              <a:rPr dirty="0" err="1">
+                <a:latin typeface="Arial" panose="020B0604020202020204" pitchFamily="34" charset="0"/>
+                <a:cs typeface="Arial" panose="020B0604020202020204" pitchFamily="34" charset="0"/>
+              </a:rPr>
+              <a:t>Один</a:t>
+            </a:r>
+            <a:r>
+              <a:rPr dirty="0">
+                <a:latin typeface="Arial" panose="020B0604020202020204" pitchFamily="34" charset="0"/>
+                <a:cs typeface="Arial" panose="020B0604020202020204" pitchFamily="34" charset="0"/>
+              </a:rPr>
+              <a:t> </a:t>
+            </a:r>
+            <a:r>
+              <a:rPr dirty="0" err="1">
+                <a:latin typeface="Arial" panose="020B0604020202020204" pitchFamily="34" charset="0"/>
+                <a:cs typeface="Arial" panose="020B0604020202020204" pitchFamily="34" charset="0"/>
+              </a:rPr>
+              <a:t>язык</a:t>
+            </a:r>
+            <a:r>
+              <a:rPr dirty="0">
+                <a:latin typeface="Arial" panose="020B0604020202020204" pitchFamily="34" charset="0"/>
+                <a:cs typeface="Arial" panose="020B0604020202020204" pitchFamily="34" charset="0"/>
+              </a:rPr>
+              <a:t> </a:t>
+            </a:r>
+            <a:r>
+              <a:rPr dirty="0" err="1" smtClean="0">
+                <a:latin typeface="Arial" panose="020B0604020202020204" pitchFamily="34" charset="0"/>
+                <a:cs typeface="Arial" panose="020B0604020202020204" pitchFamily="34" charset="0"/>
+              </a:rPr>
+              <a:t>разработки</a:t>
+            </a:r>
+            <a:r>
+              <a:rPr lang="ru-RU" dirty="0" smtClean="0">
+                <a:latin typeface="Arial" panose="020B0604020202020204" pitchFamily="34" charset="0"/>
+                <a:cs typeface="Arial" panose="020B0604020202020204" pitchFamily="34" charset="0"/>
+              </a:rPr>
+              <a:t> (об этом позже)</a:t>
+            </a:r>
+            <a:endParaRPr dirty="0">
+              <a:latin typeface="Arial" panose="020B0604020202020204" pitchFamily="34" charset="0"/>
+              <a:cs typeface="Arial" panose="020B0604020202020204" pitchFamily="34" charset="0"/>
+            </a:endParaRPr>
           </a:p>
         </p:txBody>
       </p:sp>
@@ -5737,13 +6173,13 @@
           </a:ln>
           <a:extLst>
             <a:ext uri="{C572A759-6A51-4108-AA02-DFA0A04FC94B}">
-              <ma14:wrappingTextBoxFlag xmlns:ma14="http://schemas.microsoft.com/office/mac/drawingml/2011/main" val="1"/>
+              <ma14:wrappingTextBoxFlag xmlns:ma14="http://schemas.microsoft.com/office/mac/drawingml/2011/main" xmlns:a14="http://schemas.microsoft.com/office/drawing/2010/main" xmlns:m="http://schemas.openxmlformats.org/officeDocument/2006/math" xmlns="" val="1"/>
             </a:ext>
           </a:extLst>
         </p:spPr>
         <p:txBody>
           <a:bodyPr lIns="50800" tIns="50800" rIns="50800" bIns="50800" anchor="ctr">
-            <a:normAutofit fontScale="100000" lnSpcReduction="0"/>
+            <a:normAutofit/>
           </a:bodyPr>
           <a:lstStyle>
             <a:lvl1pPr marL="520700" indent="-520700" algn="l">
@@ -5759,10 +6195,45 @@
             </a:lvl1pPr>
           </a:lstStyle>
           <a:p>
-            <a:pPr/>
-            <a:r>
-              <a:t>Экономия времени разработки</a:t>
-            </a:r>
+            <a:r>
+              <a:rPr dirty="0" err="1">
+                <a:latin typeface="Arial" panose="020B0604020202020204" pitchFamily="34" charset="0"/>
+                <a:cs typeface="Arial" panose="020B0604020202020204" pitchFamily="34" charset="0"/>
+              </a:rPr>
+              <a:t>Экономия</a:t>
+            </a:r>
+            <a:r>
+              <a:rPr dirty="0">
+                <a:latin typeface="Arial" panose="020B0604020202020204" pitchFamily="34" charset="0"/>
+                <a:cs typeface="Arial" panose="020B0604020202020204" pitchFamily="34" charset="0"/>
+              </a:rPr>
+              <a:t> </a:t>
+            </a:r>
+            <a:r>
+              <a:rPr dirty="0" err="1">
+                <a:latin typeface="Arial" panose="020B0604020202020204" pitchFamily="34" charset="0"/>
+                <a:cs typeface="Arial" panose="020B0604020202020204" pitchFamily="34" charset="0"/>
+              </a:rPr>
+              <a:t>времени</a:t>
+            </a:r>
+            <a:r>
+              <a:rPr dirty="0">
+                <a:latin typeface="Arial" panose="020B0604020202020204" pitchFamily="34" charset="0"/>
+                <a:cs typeface="Arial" panose="020B0604020202020204" pitchFamily="34" charset="0"/>
+              </a:rPr>
+              <a:t> </a:t>
+            </a:r>
+            <a:r>
+              <a:rPr dirty="0" err="1">
+                <a:latin typeface="Arial" panose="020B0604020202020204" pitchFamily="34" charset="0"/>
+                <a:cs typeface="Arial" panose="020B0604020202020204" pitchFamily="34" charset="0"/>
+              </a:rPr>
+              <a:t>разработки</a:t>
+            </a:r>
+            <a:endParaRPr dirty="0">
+              <a:latin typeface="Arial" panose="020B0604020202020204" pitchFamily="34" charset="0"/>
+              <a:cs typeface="Arial" panose="020B0604020202020204" pitchFamily="34" charset="0"/>
+            </a:endParaRPr>
           </a:p>
         </p:txBody>
       </p:sp>
@@ -5774,8 +6245,8 @@
         </p:nvSpPr>
         <p:spPr>
           <a:xfrm>
-            <a:off x="355600" y="4927376"/>
-            <a:ext cx="12293600" cy="1073846"/>
+            <a:off x="355600" y="4927375"/>
+            <a:ext cx="12293600" cy="1789947"/>
           </a:xfrm>
           <a:prstGeom prst="rect">
             <a:avLst/>
@@ -5785,13 +6256,13 @@
           </a:ln>
           <a:extLst>
             <a:ext uri="{C572A759-6A51-4108-AA02-DFA0A04FC94B}">
-              <ma14:wrappingTextBoxFlag xmlns:ma14="http://schemas.microsoft.com/office/mac/drawingml/2011/main" val="1"/>
+              <ma14:wrappingTextBoxFlag xmlns:ma14="http://schemas.microsoft.com/office/mac/drawingml/2011/main" xmlns:a14="http://schemas.microsoft.com/office/drawing/2010/main" xmlns:m="http://schemas.openxmlformats.org/officeDocument/2006/math" xmlns="" val="1"/>
             </a:ext>
           </a:extLst>
         </p:spPr>
         <p:txBody>
           <a:bodyPr lIns="50800" tIns="50800" rIns="50800" bIns="50800" anchor="ctr">
-            <a:normAutofit fontScale="100000" lnSpcReduction="0"/>
+            <a:noAutofit/>
           </a:bodyPr>
           <a:lstStyle>
             <a:lvl1pPr marL="520700" indent="-520700" algn="l">
@@ -5807,9 +6278,47 @@
             </a:lvl1pPr>
           </a:lstStyle>
           <a:p>
-            <a:pPr/>
-            <a:r>
-              <a:t>Легкость дальнейшей поддержки приложения </a:t>
+            <a:r>
+              <a:rPr dirty="0" err="1">
+                <a:latin typeface="Arial" panose="020B0604020202020204" pitchFamily="34" charset="0"/>
+                <a:cs typeface="Arial" panose="020B0604020202020204" pitchFamily="34" charset="0"/>
+              </a:rPr>
+              <a:t>Легкость</a:t>
+            </a:r>
+            <a:r>
+              <a:rPr dirty="0">
+                <a:latin typeface="Arial" panose="020B0604020202020204" pitchFamily="34" charset="0"/>
+                <a:cs typeface="Arial" panose="020B0604020202020204" pitchFamily="34" charset="0"/>
+              </a:rPr>
+              <a:t> </a:t>
+            </a:r>
+            <a:r>
+              <a:rPr dirty="0" err="1">
+                <a:latin typeface="Arial" panose="020B0604020202020204" pitchFamily="34" charset="0"/>
+                <a:cs typeface="Arial" panose="020B0604020202020204" pitchFamily="34" charset="0"/>
+              </a:rPr>
+              <a:t>дальнейшей</a:t>
+            </a:r>
+            <a:r>
+              <a:rPr dirty="0">
+                <a:latin typeface="Arial" panose="020B0604020202020204" pitchFamily="34" charset="0"/>
+                <a:cs typeface="Arial" panose="020B0604020202020204" pitchFamily="34" charset="0"/>
+              </a:rPr>
+              <a:t> </a:t>
+            </a:r>
+            <a:r>
+              <a:rPr dirty="0" err="1">
+                <a:latin typeface="Arial" panose="020B0604020202020204" pitchFamily="34" charset="0"/>
+                <a:cs typeface="Arial" panose="020B0604020202020204" pitchFamily="34" charset="0"/>
+              </a:rPr>
+              <a:t>поддержки</a:t>
+            </a:r>
+            <a:r>
+              <a:rPr dirty="0">
+                <a:latin typeface="Arial" panose="020B0604020202020204" pitchFamily="34" charset="0"/>
+                <a:cs typeface="Arial" panose="020B0604020202020204" pitchFamily="34" charset="0"/>
+              </a:rPr>
+              <a:t> приложения </a:t>
             </a:r>
           </a:p>
         </p:txBody>
@@ -5822,7 +6331,7 @@
         </p:nvSpPr>
         <p:spPr>
           <a:xfrm>
-            <a:off x="355600" y="6043017"/>
+            <a:off x="355600" y="6656940"/>
             <a:ext cx="12293600" cy="1081237"/>
           </a:xfrm>
           <a:prstGeom prst="rect">
@@ -5833,13 +6342,13 @@
           </a:ln>
           <a:extLst>
             <a:ext uri="{C572A759-6A51-4108-AA02-DFA0A04FC94B}">
-              <ma14:wrappingTextBoxFlag xmlns:ma14="http://schemas.microsoft.com/office/mac/drawingml/2011/main" val="1"/>
+              <ma14:wrappingTextBoxFlag xmlns:ma14="http://schemas.microsoft.com/office/mac/drawingml/2011/main" xmlns:a14="http://schemas.microsoft.com/office/drawing/2010/main" xmlns:m="http://schemas.openxmlformats.org/officeDocument/2006/math" xmlns="" val="1"/>
             </a:ext>
           </a:extLst>
         </p:spPr>
         <p:txBody>
           <a:bodyPr lIns="50800" tIns="50800" rIns="50800" bIns="50800" anchor="ctr">
-            <a:normAutofit fontScale="100000" lnSpcReduction="0"/>
+            <a:normAutofit/>
           </a:bodyPr>
           <a:lstStyle>
             <a:lvl1pPr marL="520700" indent="-520700" algn="l">
@@ -5855,10 +6364,31 @@
             </a:lvl1pPr>
           </a:lstStyle>
           <a:p>
-            <a:pPr/>
-            <a:r>
-              <a:t>Хорошая производительность</a:t>
-            </a:r>
+            <a:r>
+              <a:rPr dirty="0" err="1">
+                <a:latin typeface="Arial" panose="020B0604020202020204" pitchFamily="34" charset="0"/>
+                <a:cs typeface="Arial" panose="020B0604020202020204" pitchFamily="34" charset="0"/>
+              </a:rPr>
+              <a:t>Хорошая</a:t>
+            </a:r>
+            <a:r>
+              <a:rPr dirty="0">
+                <a:latin typeface="Arial" panose="020B0604020202020204" pitchFamily="34" charset="0"/>
+                <a:cs typeface="Arial" panose="020B0604020202020204" pitchFamily="34" charset="0"/>
+              </a:rPr>
+              <a:t> </a:t>
+            </a:r>
+            <a:r>
+              <a:rPr dirty="0" err="1">
+                <a:latin typeface="Arial" panose="020B0604020202020204" pitchFamily="34" charset="0"/>
+                <a:cs typeface="Arial" panose="020B0604020202020204" pitchFamily="34" charset="0"/>
+              </a:rPr>
+              <a:t>производительность</a:t>
+            </a:r>
+            <a:endParaRPr dirty="0">
+              <a:latin typeface="Arial" panose="020B0604020202020204" pitchFamily="34" charset="0"/>
+              <a:cs typeface="Arial" panose="020B0604020202020204" pitchFamily="34" charset="0"/>
+            </a:endParaRPr>
           </a:p>
         </p:txBody>
       </p:sp>
@@ -5870,7 +6400,7 @@
         </p:nvSpPr>
         <p:spPr>
           <a:xfrm>
-            <a:off x="355600" y="7166049"/>
+            <a:off x="355600" y="7738177"/>
             <a:ext cx="12293600" cy="1035745"/>
           </a:xfrm>
           <a:prstGeom prst="rect">
@@ -5881,13 +6411,13 @@
           </a:ln>
           <a:extLst>
             <a:ext uri="{C572A759-6A51-4108-AA02-DFA0A04FC94B}">
-              <ma14:wrappingTextBoxFlag xmlns:ma14="http://schemas.microsoft.com/office/mac/drawingml/2011/main" val="1"/>
+              <ma14:wrappingTextBoxFlag xmlns:ma14="http://schemas.microsoft.com/office/mac/drawingml/2011/main" xmlns:a14="http://schemas.microsoft.com/office/drawing/2010/main" xmlns:m="http://schemas.openxmlformats.org/officeDocument/2006/math" xmlns="" val="1"/>
             </a:ext>
           </a:extLst>
         </p:spPr>
         <p:txBody>
           <a:bodyPr lIns="50800" tIns="50800" rIns="50800" bIns="50800" anchor="ctr">
-            <a:normAutofit fontScale="100000" lnSpcReduction="0"/>
+            <a:normAutofit/>
           </a:bodyPr>
           <a:lstStyle>
             <a:lvl1pPr marL="520700" indent="-520700" algn="l">
@@ -5903,10 +6433,38 @@
             </a:lvl1pPr>
           </a:lstStyle>
           <a:p>
-            <a:pPr/>
-            <a:r>
-              <a:t>Удобное тестировать</a:t>
-            </a:r>
+            <a:r>
+              <a:rPr dirty="0" err="1" smtClean="0">
+                <a:latin typeface="Arial" panose="020B0604020202020204" pitchFamily="34" charset="0"/>
+                <a:cs typeface="Arial" panose="020B0604020202020204" pitchFamily="34" charset="0"/>
+              </a:rPr>
+              <a:t>Удобн</a:t>
+            </a:r>
+            <a:r>
+              <a:rPr lang="ru-RU" dirty="0" smtClean="0">
+                <a:latin typeface="Arial" panose="020B0604020202020204" pitchFamily="34" charset="0"/>
+                <a:cs typeface="Arial" panose="020B0604020202020204" pitchFamily="34" charset="0"/>
+              </a:rPr>
+              <a:t>е</a:t>
+            </a:r>
+            <a:r>
+              <a:rPr dirty="0" smtClean="0">
+                <a:latin typeface="Arial" panose="020B0604020202020204" pitchFamily="34" charset="0"/>
+                <a:cs typeface="Arial" panose="020B0604020202020204" pitchFamily="34" charset="0"/>
+              </a:rPr>
+              <a:t>е </a:t>
+            </a:r>
+            <a:r>
+              <a:rPr dirty="0" err="1">
+                <a:latin typeface="Arial" panose="020B0604020202020204" pitchFamily="34" charset="0"/>
+                <a:cs typeface="Arial" panose="020B0604020202020204" pitchFamily="34" charset="0"/>
+              </a:rPr>
+              <a:t>тестировать</a:t>
+            </a:r>
+            <a:endParaRPr dirty="0">
+              <a:latin typeface="Arial" panose="020B0604020202020204" pitchFamily="34" charset="0"/>
+              <a:cs typeface="Arial" panose="020B0604020202020204" pitchFamily="34" charset="0"/>
+            </a:endParaRPr>
           </a:p>
         </p:txBody>
       </p:sp>
@@ -5915,14 +6473,14 @@
   <p:clrMapOvr>
     <a:masterClrMapping/>
   </p:clrMapOvr>
-  <p:transition xmlns:p14="http://schemas.microsoft.com/office/powerpoint/2010/main" spd="med" advClick="1"/>
+  <p:transition spd="med"/>
   <p:timing>
     <p:tnLst>
       <p:par>
-        <p:cTn id="1" nodeType="tmRoot" restart="never" dur="indefinite" fill="hold">
+        <p:cTn id="1" dur="indefinite" restart="never" fill="hold" nodeType="tmRoot">
           <p:childTnLst>
             <p:seq concurrent="1" prevAc="none" nextAc="seek">
-              <p:cTn id="2" nodeType="mainSeq" dur="indefinite" fill="hold">
+              <p:cTn id="2" dur="indefinite" fill="hold" nodeType="mainSeq">
                 <p:childTnLst>
                   <p:par>
                     <p:cTn id="3" fill="hold">
@@ -5937,11 +6495,11 @@
                             </p:stCondLst>
                             <p:childTnLst>
                               <p:par>
-                                <p:cTn id="5" presetClass="entr" nodeType="clickEffect" presetSubtype="0" presetID="1" grpId="1" fill="hold">
+                                <p:cTn id="5" presetID="1" presetClass="entr" presetSubtype="0" fill="hold" grpId="1" nodeType="clickEffect">
                                   <p:stCondLst>
                                     <p:cond delay="0"/>
                                   </p:stCondLst>
-                                  <p:iterate type="el" backwards="0">
+                                  <p:iterate>
                                     <p:tmAbs val="0"/>
                                   </p:iterate>
                                   <p:childTnLst>
@@ -5981,11 +6539,11 @@
                             </p:stCondLst>
                             <p:childTnLst>
                               <p:par>
-                                <p:cTn id="9" presetClass="entr" nodeType="clickEffect" presetSubtype="0" presetID="1" grpId="2" fill="hold">
+                                <p:cTn id="9" presetID="1" presetClass="entr" presetSubtype="0" fill="hold" grpId="2" nodeType="clickEffect">
                                   <p:stCondLst>
                                     <p:cond delay="0"/>
                                   </p:stCondLst>
-                                  <p:iterate type="el" backwards="0">
+                                  <p:iterate>
                                     <p:tmAbs val="0"/>
                                   </p:iterate>
                                   <p:childTnLst>
@@ -6025,11 +6583,11 @@
                             </p:stCondLst>
                             <p:childTnLst>
                               <p:par>
-                                <p:cTn id="13" presetClass="entr" nodeType="clickEffect" presetSubtype="0" presetID="1" grpId="3" fill="hold">
+                                <p:cTn id="13" presetID="1" presetClass="entr" presetSubtype="0" fill="hold" grpId="3" nodeType="clickEffect">
                                   <p:stCondLst>
                                     <p:cond delay="0"/>
                                   </p:stCondLst>
-                                  <p:iterate type="el" backwards="0">
+                                  <p:iterate>
                                     <p:tmAbs val="0"/>
                                   </p:iterate>
                                   <p:childTnLst>
@@ -6069,11 +6627,11 @@
                             </p:stCondLst>
                             <p:childTnLst>
                               <p:par>
-                                <p:cTn id="17" presetClass="entr" nodeType="clickEffect" presetSubtype="0" presetID="1" grpId="4" fill="hold">
+                                <p:cTn id="17" presetID="1" presetClass="entr" presetSubtype="0" fill="hold" grpId="4" nodeType="clickEffect">
                                   <p:stCondLst>
                                     <p:cond delay="0"/>
                                   </p:stCondLst>
-                                  <p:iterate type="el" backwards="0">
+                                  <p:iterate>
                                     <p:tmAbs val="0"/>
                                   </p:iterate>
                                   <p:childTnLst>
@@ -6113,11 +6671,11 @@
                             </p:stCondLst>
                             <p:childTnLst>
                               <p:par>
-                                <p:cTn id="21" presetClass="entr" nodeType="clickEffect" presetSubtype="0" presetID="1" grpId="5" fill="hold">
+                                <p:cTn id="21" presetID="1" presetClass="entr" presetSubtype="0" fill="hold" grpId="5" nodeType="clickEffect">
                                   <p:stCondLst>
                                     <p:cond delay="0"/>
                                   </p:stCondLst>
-                                  <p:iterate type="el" backwards="0">
+                                  <p:iterate>
                                     <p:tmAbs val="0"/>
                                   </p:iterate>
                                   <p:childTnLst>
@@ -6147,14 +6705,14 @@
                 </p:childTnLst>
               </p:cTn>
               <p:prevCondLst>
-                <p:cond evt="onPrev">
+                <p:cond evt="onPrev" delay="0">
                   <p:tgtEl>
                     <p:sldTgt/>
                   </p:tgtEl>
                 </p:cond>
               </p:prevCondLst>
               <p:nextCondLst>
-                <p:cond evt="onNext">
+                <p:cond evt="onNext" delay="0">
                   <p:tgtEl>
                     <p:sldTgt/>
                   </p:tgtEl>
@@ -6166,18 +6724,1494 @@
       </p:par>
     </p:tnLst>
     <p:bldLst>
-      <p:bldP build="whole" bldLvl="1" animBg="1" rev="0" advAuto="0" spid="226" grpId="5"/>
-      <p:bldP build="whole" bldLvl="1" animBg="1" rev="0" advAuto="0" spid="224" grpId="3"/>
-      <p:bldP build="whole" bldLvl="1" animBg="1" rev="0" advAuto="0" spid="223" grpId="2"/>
-      <p:bldP build="whole" bldLvl="1" animBg="1" rev="0" advAuto="0" spid="222" grpId="1"/>
-      <p:bldP build="whole" bldLvl="1" animBg="1" rev="0" advAuto="0" spid="225" grpId="4"/>
+      <p:bldP spid="222" grpId="1" animBg="1" advAuto="0"/>
+      <p:bldP spid="223" grpId="2" animBg="1" advAuto="0"/>
+      <p:bldP spid="224" grpId="3" animBg="1" advAuto="0"/>
+      <p:bldP spid="225" grpId="4" animBg="1" advAuto="0"/>
+      <p:bldP spid="226" grpId="5" animBg="1" advAuto="0"/>
     </p:bldLst>
   </p:timing>
 </p:sld>
 </file>
 
+<file path=ppt/slides/slide31.xml><?xml version="1.0" encoding="utf-8"?>
+<p:sld xmlns:a="http://schemas.openxmlformats.org/drawingml/2006/main" xmlns:r="http://schemas.openxmlformats.org/officeDocument/2006/relationships" xmlns:p="http://schemas.openxmlformats.org/presentationml/2006/main">
+  <p:cSld>
+    <p:spTree>
+      <p:nvGrpSpPr>
+        <p:cNvPr id="1" name=""/>
+        <p:cNvGrpSpPr/>
+        <p:nvPr/>
+      </p:nvGrpSpPr>
+      <p:grpSpPr>
+        <a:xfrm>
+          <a:off x="0" y="0"/>
+          <a:ext cx="0" cy="0"/>
+          <a:chOff x="0" y="0"/>
+          <a:chExt cx="0" cy="0"/>
+        </a:xfrm>
+      </p:grpSpPr>
+      <p:sp>
+        <p:nvSpPr>
+          <p:cNvPr id="218" name="как это работает"/>
+          <p:cNvSpPr txBox="1">
+            <a:spLocks noGrp="1"/>
+          </p:cNvSpPr>
+          <p:nvPr>
+            <p:ph type="title"/>
+          </p:nvPr>
+        </p:nvSpPr>
+        <p:spPr>
+          <a:xfrm>
+            <a:off x="1035537" y="6908800"/>
+            <a:ext cx="10933723" cy="1282700"/>
+          </a:xfrm>
+          <a:prstGeom prst="rect">
+            <a:avLst/>
+          </a:prstGeom>
+        </p:spPr>
+        <p:txBody>
+          <a:bodyPr>
+            <a:normAutofit fontScale="90000"/>
+          </a:bodyPr>
+          <a:lstStyle/>
+          <a:p>
+            <a:r>
+              <a:rPr lang="ru-RU" dirty="0" smtClean="0"/>
+              <a:t>Бесплатное приложение</a:t>
+            </a:r>
+            <a:endParaRPr dirty="0"/>
+          </a:p>
+        </p:txBody>
+      </p:sp>
+      <p:pic>
+        <p:nvPicPr>
+          <p:cNvPr id="219" name="cordova.png"/>
+          <p:cNvPicPr>
+            <a:picLocks noChangeAspect="1"/>
+          </p:cNvPicPr>
+          <p:nvPr/>
+        </p:nvPicPr>
+        <p:blipFill>
+          <a:blip r:embed="rId2">
+            <a:extLst>
+              <a:ext uri="{28A0092B-C50C-407E-A947-70E740481C1C}">
+                <a14:useLocalDpi xmlns:a14="http://schemas.microsoft.com/office/drawing/2010/main" val="0"/>
+              </a:ext>
+            </a:extLst>
+          </a:blip>
+          <a:stretch>
+            <a:fillRect/>
+          </a:stretch>
+        </p:blipFill>
+        <p:spPr>
+          <a:xfrm>
+            <a:off x="3083437" y="948562"/>
+            <a:ext cx="6837925" cy="5105651"/>
+          </a:xfrm>
+          <a:prstGeom prst="rect">
+            <a:avLst/>
+          </a:prstGeom>
+          <a:ln w="12700">
+            <a:miter lim="400000"/>
+          </a:ln>
+        </p:spPr>
+      </p:pic>
+    </p:spTree>
+    <p:extLst>
+      <p:ext uri="{BB962C8B-B14F-4D97-AF65-F5344CB8AC3E}">
+        <p14:creationId xmlns:p14="http://schemas.microsoft.com/office/powerpoint/2010/main" val="3488716811"/>
+      </p:ext>
+    </p:extLst>
+  </p:cSld>
+  <p:clrMapOvr>
+    <a:masterClrMapping/>
+  </p:clrMapOvr>
+  <p:transition spd="med"/>
+  <p:timing>
+    <p:tnLst>
+      <p:par>
+        <p:cTn id="1" dur="indefinite" restart="never" nodeType="tmRoot"/>
+      </p:par>
+    </p:tnLst>
+  </p:timing>
+</p:sld>
+</file>
+
+<file path=ppt/slides/slide32.xml><?xml version="1.0" encoding="utf-8"?>
+<p:sld xmlns:a="http://schemas.openxmlformats.org/drawingml/2006/main" xmlns:r="http://schemas.openxmlformats.org/officeDocument/2006/relationships" xmlns:p="http://schemas.openxmlformats.org/presentationml/2006/main">
+  <p:cSld>
+    <p:spTree>
+      <p:nvGrpSpPr>
+        <p:cNvPr id="1" name=""/>
+        <p:cNvGrpSpPr/>
+        <p:nvPr/>
+      </p:nvGrpSpPr>
+      <p:grpSpPr>
+        <a:xfrm>
+          <a:off x="0" y="0"/>
+          <a:ext cx="0" cy="0"/>
+          <a:chOff x="0" y="0"/>
+          <a:chExt cx="0" cy="0"/>
+        </a:xfrm>
+      </p:grpSpPr>
+      <p:sp>
+        <p:nvSpPr>
+          <p:cNvPr id="218" name="как это работает"/>
+          <p:cNvSpPr txBox="1">
+            <a:spLocks noGrp="1"/>
+          </p:cNvSpPr>
+          <p:nvPr>
+            <p:ph type="title"/>
+          </p:nvPr>
+        </p:nvSpPr>
+        <p:spPr>
+          <a:xfrm>
+            <a:off x="1035537" y="6908800"/>
+            <a:ext cx="10933723" cy="1282700"/>
+          </a:xfrm>
+          <a:prstGeom prst="rect">
+            <a:avLst/>
+          </a:prstGeom>
+        </p:spPr>
+        <p:txBody>
+          <a:bodyPr>
+            <a:normAutofit fontScale="90000"/>
+          </a:bodyPr>
+          <a:lstStyle/>
+          <a:p>
+            <a:r>
+              <a:rPr lang="ru-RU" dirty="0" smtClean="0"/>
+              <a:t>Данные на совести разработчика</a:t>
+            </a:r>
+            <a:endParaRPr dirty="0"/>
+          </a:p>
+        </p:txBody>
+      </p:sp>
+      <p:pic>
+        <p:nvPicPr>
+          <p:cNvPr id="219" name="cordova.png"/>
+          <p:cNvPicPr>
+            <a:picLocks noChangeAspect="1"/>
+          </p:cNvPicPr>
+          <p:nvPr/>
+        </p:nvPicPr>
+        <p:blipFill>
+          <a:blip r:embed="rId2">
+            <a:extLst>
+              <a:ext uri="{28A0092B-C50C-407E-A947-70E740481C1C}">
+                <a14:useLocalDpi xmlns:a14="http://schemas.microsoft.com/office/drawing/2010/main" val="0"/>
+              </a:ext>
+            </a:extLst>
+          </a:blip>
+          <a:stretch>
+            <a:fillRect/>
+          </a:stretch>
+        </p:blipFill>
+        <p:spPr>
+          <a:xfrm>
+            <a:off x="3949574" y="948562"/>
+            <a:ext cx="5358549" cy="5358549"/>
+          </a:xfrm>
+          <a:prstGeom prst="rect">
+            <a:avLst/>
+          </a:prstGeom>
+          <a:ln w="12700">
+            <a:miter lim="400000"/>
+          </a:ln>
+        </p:spPr>
+      </p:pic>
+    </p:spTree>
+    <p:extLst>
+      <p:ext uri="{BB962C8B-B14F-4D97-AF65-F5344CB8AC3E}">
+        <p14:creationId xmlns:p14="http://schemas.microsoft.com/office/powerpoint/2010/main" val="741822480"/>
+      </p:ext>
+    </p:extLst>
+  </p:cSld>
+  <p:clrMapOvr>
+    <a:masterClrMapping/>
+  </p:clrMapOvr>
+  <p:transition spd="med"/>
+  <p:timing>
+    <p:tnLst>
+      <p:par>
+        <p:cTn id="1" dur="indefinite" restart="never" nodeType="tmRoot"/>
+      </p:par>
+    </p:tnLst>
+  </p:timing>
+</p:sld>
+</file>
+
+<file path=ppt/slides/slide33.xml><?xml version="1.0" encoding="utf-8"?>
+<p:sld xmlns:a="http://schemas.openxmlformats.org/drawingml/2006/main" xmlns:r="http://schemas.openxmlformats.org/officeDocument/2006/relationships" xmlns:p="http://schemas.openxmlformats.org/presentationml/2006/main">
+  <p:cSld>
+    <p:spTree>
+      <p:nvGrpSpPr>
+        <p:cNvPr id="1" name=""/>
+        <p:cNvGrpSpPr/>
+        <p:nvPr/>
+      </p:nvGrpSpPr>
+      <p:grpSpPr>
+        <a:xfrm>
+          <a:off x="0" y="0"/>
+          <a:ext cx="0" cy="0"/>
+          <a:chOff x="0" y="0"/>
+          <a:chExt cx="0" cy="0"/>
+        </a:xfrm>
+      </p:grpSpPr>
+      <p:sp>
+        <p:nvSpPr>
+          <p:cNvPr id="221" name="В чем выигрыш?"/>
+          <p:cNvSpPr txBox="1">
+            <a:spLocks noGrp="1"/>
+          </p:cNvSpPr>
+          <p:nvPr>
+            <p:ph type="title"/>
+          </p:nvPr>
+        </p:nvSpPr>
+        <p:spPr>
+          <a:prstGeom prst="rect">
+            <a:avLst/>
+          </a:prstGeom>
+        </p:spPr>
+        <p:txBody>
+          <a:bodyPr/>
+          <a:lstStyle/>
+          <a:p>
+            <a:r>
+              <a:rPr lang="ru-RU" dirty="0" smtClean="0">
+                <a:latin typeface="Arial" panose="020B0604020202020204" pitchFamily="34" charset="0"/>
+                <a:cs typeface="Arial" panose="020B0604020202020204" pitchFamily="34" charset="0"/>
+              </a:rPr>
+              <a:t>Новые функции</a:t>
+            </a:r>
+            <a:endParaRPr dirty="0">
+              <a:latin typeface="Arial" panose="020B0604020202020204" pitchFamily="34" charset="0"/>
+              <a:cs typeface="Arial" panose="020B0604020202020204" pitchFamily="34" charset="0"/>
+            </a:endParaRPr>
+          </a:p>
+        </p:txBody>
+      </p:sp>
+      <p:sp>
+        <p:nvSpPr>
+          <p:cNvPr id="222" name="Один язык разработки"/>
+          <p:cNvSpPr txBox="1">
+            <a:spLocks noGrp="1"/>
+          </p:cNvSpPr>
+          <p:nvPr>
+            <p:ph type="body" sz="quarter" idx="1"/>
+          </p:nvPr>
+        </p:nvSpPr>
+        <p:spPr>
+          <a:xfrm>
+            <a:off x="355600" y="2730500"/>
+            <a:ext cx="12293600" cy="1081237"/>
+          </a:xfrm>
+          <a:prstGeom prst="rect">
+            <a:avLst/>
+          </a:prstGeom>
+        </p:spPr>
+        <p:txBody>
+          <a:bodyPr/>
+          <a:lstStyle/>
+          <a:p>
+            <a:r>
+              <a:rPr lang="ru-RU" dirty="0" smtClean="0">
+                <a:latin typeface="Arial" panose="020B0604020202020204" pitchFamily="34" charset="0"/>
+                <a:cs typeface="Arial" panose="020B0604020202020204" pitchFamily="34" charset="0"/>
+              </a:rPr>
+              <a:t>Максимально простой интерфейс</a:t>
+            </a:r>
+            <a:endParaRPr dirty="0">
+              <a:latin typeface="Arial" panose="020B0604020202020204" pitchFamily="34" charset="0"/>
+              <a:cs typeface="Arial" panose="020B0604020202020204" pitchFamily="34" charset="0"/>
+            </a:endParaRPr>
+          </a:p>
+        </p:txBody>
+      </p:sp>
+      <p:sp>
+        <p:nvSpPr>
+          <p:cNvPr id="223" name="Экономия времени разработки"/>
+          <p:cNvSpPr txBox="1"/>
+          <p:nvPr/>
+        </p:nvSpPr>
+        <p:spPr>
+          <a:xfrm>
+            <a:off x="355600" y="3849836"/>
+            <a:ext cx="12293600" cy="1035745"/>
+          </a:xfrm>
+          <a:prstGeom prst="rect">
+            <a:avLst/>
+          </a:prstGeom>
+          <a:ln w="12700">
+            <a:miter lim="400000"/>
+          </a:ln>
+          <a:extLst>
+            <a:ext uri="{C572A759-6A51-4108-AA02-DFA0A04FC94B}">
+              <ma14:wrappingTextBoxFlag xmlns:ma14="http://schemas.microsoft.com/office/mac/drawingml/2011/main" xmlns:a14="http://schemas.microsoft.com/office/drawing/2010/main" xmlns:m="http://schemas.openxmlformats.org/officeDocument/2006/math" xmlns="" val="1"/>
+            </a:ext>
+          </a:extLst>
+        </p:spPr>
+        <p:txBody>
+          <a:bodyPr lIns="50800" tIns="50800" rIns="50800" bIns="50800" anchor="ctr">
+            <a:normAutofit/>
+          </a:bodyPr>
+          <a:lstStyle>
+            <a:lvl1pPr marL="520700" indent="-520700" algn="l">
+              <a:lnSpc>
+                <a:spcPct val="120000"/>
+              </a:lnSpc>
+              <a:spcBef>
+                <a:spcPts val="4600"/>
+              </a:spcBef>
+              <a:buSzPct val="82000"/>
+              <a:buChar char="•"/>
+              <a:defRPr sz="4600"/>
+            </a:lvl1pPr>
+          </a:lstStyle>
+          <a:p>
+            <a:r>
+              <a:rPr lang="ru-RU" dirty="0" smtClean="0">
+                <a:latin typeface="Arial" panose="020B0604020202020204" pitchFamily="34" charset="0"/>
+                <a:cs typeface="Arial" panose="020B0604020202020204" pitchFamily="34" charset="0"/>
+              </a:rPr>
+              <a:t>Конвертер валют (</a:t>
+            </a:r>
+            <a:r>
+              <a:rPr lang="en-US" dirty="0" smtClean="0">
+                <a:latin typeface="Arial" panose="020B0604020202020204" pitchFamily="34" charset="0"/>
+                <a:cs typeface="Arial" panose="020B0604020202020204" pitchFamily="34" charset="0"/>
+              </a:rPr>
+              <a:t>API </a:t>
+            </a:r>
+            <a:r>
+              <a:rPr lang="ru-RU" dirty="0" smtClean="0">
+                <a:latin typeface="Arial" panose="020B0604020202020204" pitchFamily="34" charset="0"/>
+                <a:cs typeface="Arial" panose="020B0604020202020204" pitchFamily="34" charset="0"/>
+              </a:rPr>
+              <a:t>НБ РБ)</a:t>
+            </a:r>
+            <a:endParaRPr dirty="0">
+              <a:latin typeface="Arial" panose="020B0604020202020204" pitchFamily="34" charset="0"/>
+              <a:cs typeface="Arial" panose="020B0604020202020204" pitchFamily="34" charset="0"/>
+            </a:endParaRPr>
+          </a:p>
+        </p:txBody>
+      </p:sp>
+      <p:sp>
+        <p:nvSpPr>
+          <p:cNvPr id="224" name="Легкость дальнейшей поддержки приложения"/>
+          <p:cNvSpPr txBox="1"/>
+          <p:nvPr/>
+        </p:nvSpPr>
+        <p:spPr>
+          <a:xfrm>
+            <a:off x="355600" y="4927375"/>
+            <a:ext cx="12293600" cy="1039443"/>
+          </a:xfrm>
+          <a:prstGeom prst="rect">
+            <a:avLst/>
+          </a:prstGeom>
+          <a:ln w="12700">
+            <a:miter lim="400000"/>
+          </a:ln>
+          <a:extLst>
+            <a:ext uri="{C572A759-6A51-4108-AA02-DFA0A04FC94B}">
+              <ma14:wrappingTextBoxFlag xmlns:ma14="http://schemas.microsoft.com/office/mac/drawingml/2011/main" xmlns:a14="http://schemas.microsoft.com/office/drawing/2010/main" xmlns:m="http://schemas.openxmlformats.org/officeDocument/2006/math" xmlns="" val="1"/>
+            </a:ext>
+          </a:extLst>
+        </p:spPr>
+        <p:txBody>
+          <a:bodyPr lIns="50800" tIns="50800" rIns="50800" bIns="50800" anchor="ctr">
+            <a:noAutofit/>
+          </a:bodyPr>
+          <a:lstStyle>
+            <a:lvl1pPr marL="520700" indent="-520700" algn="l">
+              <a:lnSpc>
+                <a:spcPct val="120000"/>
+              </a:lnSpc>
+              <a:spcBef>
+                <a:spcPts val="4600"/>
+              </a:spcBef>
+              <a:buSzPct val="82000"/>
+              <a:buChar char="•"/>
+              <a:defRPr sz="4600"/>
+            </a:lvl1pPr>
+          </a:lstStyle>
+          <a:p>
+            <a:r>
+              <a:rPr lang="ru-RU" dirty="0" smtClean="0">
+                <a:latin typeface="Arial" panose="020B0604020202020204" pitchFamily="34" charset="0"/>
+                <a:cs typeface="Arial" panose="020B0604020202020204" pitchFamily="34" charset="0"/>
+              </a:rPr>
+              <a:t>Временное хранение данных</a:t>
+            </a:r>
+            <a:endParaRPr dirty="0">
+              <a:latin typeface="Arial" panose="020B0604020202020204" pitchFamily="34" charset="0"/>
+              <a:cs typeface="Arial" panose="020B0604020202020204" pitchFamily="34" charset="0"/>
+            </a:endParaRPr>
+          </a:p>
+        </p:txBody>
+      </p:sp>
+      <p:sp>
+        <p:nvSpPr>
+          <p:cNvPr id="225" name="Хорошая производительность"/>
+          <p:cNvSpPr txBox="1"/>
+          <p:nvPr/>
+        </p:nvSpPr>
+        <p:spPr>
+          <a:xfrm>
+            <a:off x="355600" y="5966818"/>
+            <a:ext cx="12293600" cy="1081237"/>
+          </a:xfrm>
+          <a:prstGeom prst="rect">
+            <a:avLst/>
+          </a:prstGeom>
+          <a:ln w="12700">
+            <a:miter lim="400000"/>
+          </a:ln>
+          <a:extLst>
+            <a:ext uri="{C572A759-6A51-4108-AA02-DFA0A04FC94B}">
+              <ma14:wrappingTextBoxFlag xmlns:ma14="http://schemas.microsoft.com/office/mac/drawingml/2011/main" xmlns:a14="http://schemas.microsoft.com/office/drawing/2010/main" xmlns:m="http://schemas.openxmlformats.org/officeDocument/2006/math" xmlns="" val="1"/>
+            </a:ext>
+          </a:extLst>
+        </p:spPr>
+        <p:txBody>
+          <a:bodyPr lIns="50800" tIns="50800" rIns="50800" bIns="50800" anchor="ctr">
+            <a:normAutofit/>
+          </a:bodyPr>
+          <a:lstStyle>
+            <a:lvl1pPr marL="520700" indent="-520700" algn="l">
+              <a:lnSpc>
+                <a:spcPct val="120000"/>
+              </a:lnSpc>
+              <a:spcBef>
+                <a:spcPts val="4600"/>
+              </a:spcBef>
+              <a:buSzPct val="82000"/>
+              <a:buChar char="•"/>
+              <a:defRPr sz="4600"/>
+            </a:lvl1pPr>
+          </a:lstStyle>
+          <a:p>
+            <a:r>
+              <a:rPr lang="ru-RU" dirty="0" smtClean="0">
+                <a:latin typeface="Arial" panose="020B0604020202020204" pitchFamily="34" charset="0"/>
+                <a:cs typeface="Arial" panose="020B0604020202020204" pitchFamily="34" charset="0"/>
+              </a:rPr>
+              <a:t>Удобные графики</a:t>
+            </a:r>
+            <a:endParaRPr dirty="0">
+              <a:latin typeface="Arial" panose="020B0604020202020204" pitchFamily="34" charset="0"/>
+              <a:cs typeface="Arial" panose="020B0604020202020204" pitchFamily="34" charset="0"/>
+            </a:endParaRPr>
+          </a:p>
+        </p:txBody>
+      </p:sp>
+      <p:sp>
+        <p:nvSpPr>
+          <p:cNvPr id="226" name="Удобное тестировать"/>
+          <p:cNvSpPr txBox="1"/>
+          <p:nvPr/>
+        </p:nvSpPr>
+        <p:spPr>
+          <a:xfrm>
+            <a:off x="355600" y="7048055"/>
+            <a:ext cx="12293600" cy="1035745"/>
+          </a:xfrm>
+          <a:prstGeom prst="rect">
+            <a:avLst/>
+          </a:prstGeom>
+          <a:ln w="12700">
+            <a:miter lim="400000"/>
+          </a:ln>
+          <a:extLst>
+            <a:ext uri="{C572A759-6A51-4108-AA02-DFA0A04FC94B}">
+              <ma14:wrappingTextBoxFlag xmlns:ma14="http://schemas.microsoft.com/office/mac/drawingml/2011/main" xmlns:a14="http://schemas.microsoft.com/office/drawing/2010/main" xmlns:m="http://schemas.openxmlformats.org/officeDocument/2006/math" xmlns="" val="1"/>
+            </a:ext>
+          </a:extLst>
+        </p:spPr>
+        <p:txBody>
+          <a:bodyPr lIns="50800" tIns="50800" rIns="50800" bIns="50800" anchor="ctr">
+            <a:normAutofit/>
+          </a:bodyPr>
+          <a:lstStyle>
+            <a:lvl1pPr marL="520700" indent="-520700" algn="l">
+              <a:lnSpc>
+                <a:spcPct val="120000"/>
+              </a:lnSpc>
+              <a:spcBef>
+                <a:spcPts val="4600"/>
+              </a:spcBef>
+              <a:buSzPct val="82000"/>
+              <a:buChar char="•"/>
+              <a:defRPr sz="4600"/>
+            </a:lvl1pPr>
+          </a:lstStyle>
+          <a:p>
+            <a:r>
+              <a:rPr lang="ru-RU" dirty="0" smtClean="0">
+                <a:latin typeface="Arial" panose="020B0604020202020204" pitchFamily="34" charset="0"/>
+                <a:cs typeface="Arial" panose="020B0604020202020204" pitchFamily="34" charset="0"/>
+              </a:rPr>
+              <a:t>Распознование голосовых команд</a:t>
+            </a:r>
+            <a:endParaRPr dirty="0">
+              <a:latin typeface="Arial" panose="020B0604020202020204" pitchFamily="34" charset="0"/>
+              <a:cs typeface="Arial" panose="020B0604020202020204" pitchFamily="34" charset="0"/>
+            </a:endParaRPr>
+          </a:p>
+        </p:txBody>
+      </p:sp>
+    </p:spTree>
+    <p:extLst>
+      <p:ext uri="{BB962C8B-B14F-4D97-AF65-F5344CB8AC3E}">
+        <p14:creationId xmlns:p14="http://schemas.microsoft.com/office/powerpoint/2010/main" val="1272701126"/>
+      </p:ext>
+    </p:extLst>
+  </p:cSld>
+  <p:clrMapOvr>
+    <a:masterClrMapping/>
+  </p:clrMapOvr>
+  <p:transition spd="med"/>
+  <p:timing>
+    <p:tnLst>
+      <p:par>
+        <p:cTn id="1" dur="indefinite" restart="never" fill="hold" nodeType="tmRoot">
+          <p:childTnLst>
+            <p:seq concurrent="1" prevAc="none" nextAc="seek">
+              <p:cTn id="2" dur="indefinite" fill="hold" nodeType="mainSeq">
+                <p:childTnLst>
+                  <p:par>
+                    <p:cTn id="3" fill="hold">
+                      <p:stCondLst>
+                        <p:cond delay="indefinite"/>
+                      </p:stCondLst>
+                      <p:childTnLst>
+                        <p:par>
+                          <p:cTn id="4" fill="hold">
+                            <p:stCondLst>
+                              <p:cond delay="0"/>
+                            </p:stCondLst>
+                            <p:childTnLst>
+                              <p:par>
+                                <p:cTn id="5" presetID="1" presetClass="entr" presetSubtype="0" fill="hold" grpId="0" nodeType="clickEffect">
+                                  <p:stCondLst>
+                                    <p:cond delay="0"/>
+                                  </p:stCondLst>
+                                  <p:iterate>
+                                    <p:tmAbs val="0"/>
+                                  </p:iterate>
+                                  <p:childTnLst>
+                                    <p:set>
+                                      <p:cBhvr>
+                                        <p:cTn id="6" fill="hold"/>
+                                        <p:tgtEl>
+                                          <p:spTgt spid="222"/>
+                                        </p:tgtEl>
+                                        <p:attrNameLst>
+                                          <p:attrName>style.visibility</p:attrName>
+                                        </p:attrNameLst>
+                                      </p:cBhvr>
+                                      <p:to>
+                                        <p:strVal val="visible"/>
+                                      </p:to>
+                                    </p:set>
+                                  </p:childTnLst>
+                                </p:cTn>
+                              </p:par>
+                            </p:childTnLst>
+                          </p:cTn>
+                        </p:par>
+                      </p:childTnLst>
+                    </p:cTn>
+                  </p:par>
+                  <p:par>
+                    <p:cTn id="7" fill="hold">
+                      <p:stCondLst>
+                        <p:cond delay="indefinite"/>
+                      </p:stCondLst>
+                      <p:childTnLst>
+                        <p:par>
+                          <p:cTn id="8" fill="hold">
+                            <p:stCondLst>
+                              <p:cond delay="0"/>
+                            </p:stCondLst>
+                            <p:childTnLst>
+                              <p:par>
+                                <p:cTn id="9" presetID="1" presetClass="entr" presetSubtype="0" fill="hold" grpId="0" nodeType="clickEffect">
+                                  <p:stCondLst>
+                                    <p:cond delay="0"/>
+                                  </p:stCondLst>
+                                  <p:iterate>
+                                    <p:tmAbs val="0"/>
+                                  </p:iterate>
+                                  <p:childTnLst>
+                                    <p:set>
+                                      <p:cBhvr>
+                                        <p:cTn id="10" fill="hold"/>
+                                        <p:tgtEl>
+                                          <p:spTgt spid="223"/>
+                                        </p:tgtEl>
+                                        <p:attrNameLst>
+                                          <p:attrName>style.visibility</p:attrName>
+                                        </p:attrNameLst>
+                                      </p:cBhvr>
+                                      <p:to>
+                                        <p:strVal val="visible"/>
+                                      </p:to>
+                                    </p:set>
+                                  </p:childTnLst>
+                                </p:cTn>
+                              </p:par>
+                            </p:childTnLst>
+                          </p:cTn>
+                        </p:par>
+                      </p:childTnLst>
+                    </p:cTn>
+                  </p:par>
+                  <p:par>
+                    <p:cTn id="11" fill="hold">
+                      <p:stCondLst>
+                        <p:cond delay="indefinite"/>
+                      </p:stCondLst>
+                      <p:childTnLst>
+                        <p:par>
+                          <p:cTn id="12" fill="hold">
+                            <p:stCondLst>
+                              <p:cond delay="0"/>
+                            </p:stCondLst>
+                            <p:childTnLst>
+                              <p:par>
+                                <p:cTn id="13" presetID="1" presetClass="entr" presetSubtype="0" fill="hold" grpId="0" nodeType="clickEffect">
+                                  <p:stCondLst>
+                                    <p:cond delay="0"/>
+                                  </p:stCondLst>
+                                  <p:iterate>
+                                    <p:tmAbs val="0"/>
+                                  </p:iterate>
+                                  <p:childTnLst>
+                                    <p:set>
+                                      <p:cBhvr>
+                                        <p:cTn id="14" fill="hold"/>
+                                        <p:tgtEl>
+                                          <p:spTgt spid="224"/>
+                                        </p:tgtEl>
+                                        <p:attrNameLst>
+                                          <p:attrName>style.visibility</p:attrName>
+                                        </p:attrNameLst>
+                                      </p:cBhvr>
+                                      <p:to>
+                                        <p:strVal val="visible"/>
+                                      </p:to>
+                                    </p:set>
+                                  </p:childTnLst>
+                                </p:cTn>
+                              </p:par>
+                            </p:childTnLst>
+                          </p:cTn>
+                        </p:par>
+                      </p:childTnLst>
+                    </p:cTn>
+                  </p:par>
+                  <p:par>
+                    <p:cTn id="15" fill="hold">
+                      <p:stCondLst>
+                        <p:cond delay="indefinite"/>
+                      </p:stCondLst>
+                      <p:childTnLst>
+                        <p:par>
+                          <p:cTn id="16" fill="hold">
+                            <p:stCondLst>
+                              <p:cond delay="0"/>
+                            </p:stCondLst>
+                            <p:childTnLst>
+                              <p:par>
+                                <p:cTn id="17" presetID="1" presetClass="entr" presetSubtype="0" fill="hold" grpId="0" nodeType="clickEffect">
+                                  <p:stCondLst>
+                                    <p:cond delay="0"/>
+                                  </p:stCondLst>
+                                  <p:iterate>
+                                    <p:tmAbs val="0"/>
+                                  </p:iterate>
+                                  <p:childTnLst>
+                                    <p:set>
+                                      <p:cBhvr>
+                                        <p:cTn id="18" fill="hold"/>
+                                        <p:tgtEl>
+                                          <p:spTgt spid="225"/>
+                                        </p:tgtEl>
+                                        <p:attrNameLst>
+                                          <p:attrName>style.visibility</p:attrName>
+                                        </p:attrNameLst>
+                                      </p:cBhvr>
+                                      <p:to>
+                                        <p:strVal val="visible"/>
+                                      </p:to>
+                                    </p:set>
+                                  </p:childTnLst>
+                                </p:cTn>
+                              </p:par>
+                            </p:childTnLst>
+                          </p:cTn>
+                        </p:par>
+                      </p:childTnLst>
+                    </p:cTn>
+                  </p:par>
+                  <p:par>
+                    <p:cTn id="19" fill="hold">
+                      <p:stCondLst>
+                        <p:cond delay="indefinite"/>
+                      </p:stCondLst>
+                      <p:childTnLst>
+                        <p:par>
+                          <p:cTn id="20" fill="hold">
+                            <p:stCondLst>
+                              <p:cond delay="0"/>
+                            </p:stCondLst>
+                            <p:childTnLst>
+                              <p:par>
+                                <p:cTn id="21" presetID="1" presetClass="entr" presetSubtype="0" fill="hold" grpId="0" nodeType="clickEffect">
+                                  <p:stCondLst>
+                                    <p:cond delay="0"/>
+                                  </p:stCondLst>
+                                  <p:iterate>
+                                    <p:tmAbs val="0"/>
+                                  </p:iterate>
+                                  <p:childTnLst>
+                                    <p:set>
+                                      <p:cBhvr>
+                                        <p:cTn id="22" fill="hold"/>
+                                        <p:tgtEl>
+                                          <p:spTgt spid="226"/>
+                                        </p:tgtEl>
+                                        <p:attrNameLst>
+                                          <p:attrName>style.visibility</p:attrName>
+                                        </p:attrNameLst>
+                                      </p:cBhvr>
+                                      <p:to>
+                                        <p:strVal val="visible"/>
+                                      </p:to>
+                                    </p:set>
+                                  </p:childTnLst>
+                                </p:cTn>
+                              </p:par>
+                            </p:childTnLst>
+                          </p:cTn>
+                        </p:par>
+                      </p:childTnLst>
+                    </p:cTn>
+                  </p:par>
+                </p:childTnLst>
+              </p:cTn>
+              <p:prevCondLst>
+                <p:cond evt="onPrev" delay="0">
+                  <p:tgtEl>
+                    <p:sldTgt/>
+                  </p:tgtEl>
+                </p:cond>
+              </p:prevCondLst>
+              <p:nextCondLst>
+                <p:cond evt="onNext" delay="0">
+                  <p:tgtEl>
+                    <p:sldTgt/>
+                  </p:tgtEl>
+                </p:cond>
+              </p:nextCondLst>
+            </p:seq>
+          </p:childTnLst>
+        </p:cTn>
+      </p:par>
+    </p:tnLst>
+    <p:bldLst>
+      <p:bldP spid="222" grpId="0" animBg="1" advAuto="0"/>
+      <p:bldP spid="223" grpId="0" animBg="1" advAuto="0"/>
+      <p:bldP spid="224" grpId="0" animBg="1" advAuto="0"/>
+      <p:bldP spid="225" grpId="0" animBg="1" advAuto="0"/>
+      <p:bldP spid="226" grpId="0" animBg="1" advAuto="0"/>
+    </p:bldLst>
+  </p:timing>
+</p:sld>
+</file>
+
+<file path=ppt/slides/slide34.xml><?xml version="1.0" encoding="utf-8"?>
+<p:sld xmlns:a="http://schemas.openxmlformats.org/drawingml/2006/main" xmlns:r="http://schemas.openxmlformats.org/officeDocument/2006/relationships" xmlns:p="http://schemas.openxmlformats.org/presentationml/2006/main">
+  <p:cSld>
+    <p:spTree>
+      <p:nvGrpSpPr>
+        <p:cNvPr id="1" name=""/>
+        <p:cNvGrpSpPr/>
+        <p:nvPr/>
+      </p:nvGrpSpPr>
+      <p:grpSpPr>
+        <a:xfrm>
+          <a:off x="0" y="0"/>
+          <a:ext cx="0" cy="0"/>
+          <a:chOff x="0" y="0"/>
+          <a:chExt cx="0" cy="0"/>
+        </a:xfrm>
+      </p:grpSpPr>
+      <p:sp>
+        <p:nvSpPr>
+          <p:cNvPr id="218" name="как это работает"/>
+          <p:cNvSpPr txBox="1">
+            <a:spLocks noGrp="1"/>
+          </p:cNvSpPr>
+          <p:nvPr>
+            <p:ph type="title"/>
+          </p:nvPr>
+        </p:nvSpPr>
+        <p:spPr>
+          <a:xfrm>
+            <a:off x="1035537" y="6908800"/>
+            <a:ext cx="10933723" cy="1282700"/>
+          </a:xfrm>
+          <a:prstGeom prst="rect">
+            <a:avLst/>
+          </a:prstGeom>
+        </p:spPr>
+        <p:txBody>
+          <a:bodyPr>
+            <a:normAutofit fontScale="90000"/>
+          </a:bodyPr>
+          <a:lstStyle/>
+          <a:p>
+            <a:r>
+              <a:rPr lang="ru-RU" dirty="0" smtClean="0"/>
+              <a:t>Средства разработки</a:t>
+            </a:r>
+            <a:endParaRPr dirty="0"/>
+          </a:p>
+        </p:txBody>
+      </p:sp>
+      <p:pic>
+        <p:nvPicPr>
+          <p:cNvPr id="219" name="cordova.png"/>
+          <p:cNvPicPr>
+            <a:picLocks noChangeAspect="1"/>
+          </p:cNvPicPr>
+          <p:nvPr/>
+        </p:nvPicPr>
+        <p:blipFill>
+          <a:blip r:embed="rId2">
+            <a:extLst>
+              <a:ext uri="{28A0092B-C50C-407E-A947-70E740481C1C}">
+                <a14:useLocalDpi xmlns:a14="http://schemas.microsoft.com/office/drawing/2010/main" val="0"/>
+              </a:ext>
+            </a:extLst>
+          </a:blip>
+          <a:stretch>
+            <a:fillRect/>
+          </a:stretch>
+        </p:blipFill>
+        <p:spPr>
+          <a:xfrm>
+            <a:off x="1847390" y="1221227"/>
+            <a:ext cx="9310016" cy="5687573"/>
+          </a:xfrm>
+          <a:prstGeom prst="rect">
+            <a:avLst/>
+          </a:prstGeom>
+          <a:ln w="12700">
+            <a:miter lim="400000"/>
+          </a:ln>
+        </p:spPr>
+      </p:pic>
+    </p:spTree>
+    <p:extLst>
+      <p:ext uri="{BB962C8B-B14F-4D97-AF65-F5344CB8AC3E}">
+        <p14:creationId xmlns:p14="http://schemas.microsoft.com/office/powerpoint/2010/main" val="3462812291"/>
+      </p:ext>
+    </p:extLst>
+  </p:cSld>
+  <p:clrMapOvr>
+    <a:masterClrMapping/>
+  </p:clrMapOvr>
+  <p:transition spd="med"/>
+  <p:timing>
+    <p:tnLst>
+      <p:par>
+        <p:cTn id="1" dur="indefinite" restart="never" nodeType="tmRoot"/>
+      </p:par>
+    </p:tnLst>
+  </p:timing>
+</p:sld>
+</file>
+
+<file path=ppt/slides/slide35.xml><?xml version="1.0" encoding="utf-8"?>
+<p:sld xmlns:a="http://schemas.openxmlformats.org/drawingml/2006/main" xmlns:r="http://schemas.openxmlformats.org/officeDocument/2006/relationships" xmlns:p="http://schemas.openxmlformats.org/presentationml/2006/main">
+  <p:cSld>
+    <p:spTree>
+      <p:nvGrpSpPr>
+        <p:cNvPr id="1" name=""/>
+        <p:cNvGrpSpPr/>
+        <p:nvPr/>
+      </p:nvGrpSpPr>
+      <p:grpSpPr>
+        <a:xfrm>
+          <a:off x="0" y="0"/>
+          <a:ext cx="0" cy="0"/>
+          <a:chOff x="0" y="0"/>
+          <a:chExt cx="0" cy="0"/>
+        </a:xfrm>
+      </p:grpSpPr>
+      <p:sp>
+        <p:nvSpPr>
+          <p:cNvPr id="218" name="как это работает"/>
+          <p:cNvSpPr txBox="1">
+            <a:spLocks noGrp="1"/>
+          </p:cNvSpPr>
+          <p:nvPr>
+            <p:ph type="title"/>
+          </p:nvPr>
+        </p:nvSpPr>
+        <p:spPr>
+          <a:xfrm>
+            <a:off x="1035537" y="6908800"/>
+            <a:ext cx="10933723" cy="2153138"/>
+          </a:xfrm>
+          <a:prstGeom prst="rect">
+            <a:avLst/>
+          </a:prstGeom>
+        </p:spPr>
+        <p:txBody>
+          <a:bodyPr>
+            <a:normAutofit fontScale="90000"/>
+          </a:bodyPr>
+          <a:lstStyle/>
+          <a:p>
+            <a:r>
+              <a:rPr lang="ru-RU" dirty="0" smtClean="0"/>
+              <a:t>Ситстема контроля версий</a:t>
+            </a:r>
+            <a:endParaRPr dirty="0"/>
+          </a:p>
+        </p:txBody>
+      </p:sp>
+      <p:pic>
+        <p:nvPicPr>
+          <p:cNvPr id="219" name="cordova.png"/>
+          <p:cNvPicPr>
+            <a:picLocks noChangeAspect="1"/>
+          </p:cNvPicPr>
+          <p:nvPr/>
+        </p:nvPicPr>
+        <p:blipFill>
+          <a:blip r:embed="rId2">
+            <a:extLst>
+              <a:ext uri="{28A0092B-C50C-407E-A947-70E740481C1C}">
+                <a14:useLocalDpi xmlns:a14="http://schemas.microsoft.com/office/drawing/2010/main" val="0"/>
+              </a:ext>
+            </a:extLst>
+          </a:blip>
+          <a:stretch>
+            <a:fillRect/>
+          </a:stretch>
+        </p:blipFill>
+        <p:spPr>
+          <a:xfrm>
+            <a:off x="1847390" y="2119366"/>
+            <a:ext cx="9310016" cy="3891295"/>
+          </a:xfrm>
+          <a:prstGeom prst="rect">
+            <a:avLst/>
+          </a:prstGeom>
+          <a:ln w="12700">
+            <a:miter lim="400000"/>
+          </a:ln>
+        </p:spPr>
+      </p:pic>
+    </p:spTree>
+    <p:extLst>
+      <p:ext uri="{BB962C8B-B14F-4D97-AF65-F5344CB8AC3E}">
+        <p14:creationId xmlns:p14="http://schemas.microsoft.com/office/powerpoint/2010/main" val="2473464041"/>
+      </p:ext>
+    </p:extLst>
+  </p:cSld>
+  <p:clrMapOvr>
+    <a:masterClrMapping/>
+  </p:clrMapOvr>
+  <p:transition spd="med"/>
+  <p:timing>
+    <p:tnLst>
+      <p:par>
+        <p:cTn id="1" dur="indefinite" restart="never" nodeType="tmRoot"/>
+      </p:par>
+    </p:tnLst>
+  </p:timing>
+</p:sld>
+</file>
+
+<file path=ppt/slides/slide36.xml><?xml version="1.0" encoding="utf-8"?>
+<p:sld xmlns:a="http://schemas.openxmlformats.org/drawingml/2006/main" xmlns:r="http://schemas.openxmlformats.org/officeDocument/2006/relationships" xmlns:p="http://schemas.openxmlformats.org/presentationml/2006/main">
+  <p:cSld>
+    <p:spTree>
+      <p:nvGrpSpPr>
+        <p:cNvPr id="1" name=""/>
+        <p:cNvGrpSpPr/>
+        <p:nvPr/>
+      </p:nvGrpSpPr>
+      <p:grpSpPr>
+        <a:xfrm>
+          <a:off x="0" y="0"/>
+          <a:ext cx="0" cy="0"/>
+          <a:chOff x="0" y="0"/>
+          <a:chExt cx="0" cy="0"/>
+        </a:xfrm>
+      </p:grpSpPr>
+      <p:sp>
+        <p:nvSpPr>
+          <p:cNvPr id="218" name="как это работает"/>
+          <p:cNvSpPr txBox="1">
+            <a:spLocks noGrp="1"/>
+          </p:cNvSpPr>
+          <p:nvPr>
+            <p:ph type="title"/>
+          </p:nvPr>
+        </p:nvSpPr>
+        <p:spPr>
+          <a:xfrm>
+            <a:off x="1035537" y="6908800"/>
+            <a:ext cx="10933723" cy="2153138"/>
+          </a:xfrm>
+          <a:prstGeom prst="rect">
+            <a:avLst/>
+          </a:prstGeom>
+        </p:spPr>
+        <p:txBody>
+          <a:bodyPr>
+            <a:normAutofit fontScale="90000"/>
+          </a:bodyPr>
+          <a:lstStyle/>
+          <a:p>
+            <a:r>
+              <a:rPr lang="ru-RU" dirty="0" smtClean="0"/>
+              <a:t>Построение страниц</a:t>
+            </a:r>
+            <a:endParaRPr dirty="0"/>
+          </a:p>
+        </p:txBody>
+      </p:sp>
+      <p:pic>
+        <p:nvPicPr>
+          <p:cNvPr id="219" name="cordova.png"/>
+          <p:cNvPicPr>
+            <a:picLocks noChangeAspect="1"/>
+          </p:cNvPicPr>
+          <p:nvPr/>
+        </p:nvPicPr>
+        <p:blipFill>
+          <a:blip r:embed="rId2">
+            <a:extLst>
+              <a:ext uri="{28A0092B-C50C-407E-A947-70E740481C1C}">
+                <a14:useLocalDpi xmlns:a14="http://schemas.microsoft.com/office/drawing/2010/main" val="0"/>
+              </a:ext>
+            </a:extLst>
+          </a:blip>
+          <a:stretch>
+            <a:fillRect/>
+          </a:stretch>
+        </p:blipFill>
+        <p:spPr>
+          <a:xfrm>
+            <a:off x="1353959" y="1115089"/>
+            <a:ext cx="10296878" cy="5793711"/>
+          </a:xfrm>
+          <a:prstGeom prst="rect">
+            <a:avLst/>
+          </a:prstGeom>
+          <a:ln w="12700">
+            <a:miter lim="400000"/>
+          </a:ln>
+        </p:spPr>
+      </p:pic>
+    </p:spTree>
+    <p:extLst>
+      <p:ext uri="{BB962C8B-B14F-4D97-AF65-F5344CB8AC3E}">
+        <p14:creationId xmlns:p14="http://schemas.microsoft.com/office/powerpoint/2010/main" val="3718082501"/>
+      </p:ext>
+    </p:extLst>
+  </p:cSld>
+  <p:clrMapOvr>
+    <a:masterClrMapping/>
+  </p:clrMapOvr>
+  <p:transition spd="med"/>
+  <p:timing>
+    <p:tnLst>
+      <p:par>
+        <p:cTn id="1" dur="indefinite" restart="never" nodeType="tmRoot"/>
+      </p:par>
+    </p:tnLst>
+  </p:timing>
+</p:sld>
+</file>
+
+<file path=ppt/slides/slide37.xml><?xml version="1.0" encoding="utf-8"?>
+<p:sld xmlns:a="http://schemas.openxmlformats.org/drawingml/2006/main" xmlns:r="http://schemas.openxmlformats.org/officeDocument/2006/relationships" xmlns:p="http://schemas.openxmlformats.org/presentationml/2006/main">
+  <p:cSld>
+    <p:spTree>
+      <p:nvGrpSpPr>
+        <p:cNvPr id="1" name=""/>
+        <p:cNvGrpSpPr/>
+        <p:nvPr/>
+      </p:nvGrpSpPr>
+      <p:grpSpPr>
+        <a:xfrm>
+          <a:off x="0" y="0"/>
+          <a:ext cx="0" cy="0"/>
+          <a:chOff x="0" y="0"/>
+          <a:chExt cx="0" cy="0"/>
+        </a:xfrm>
+      </p:grpSpPr>
+      <p:sp>
+        <p:nvSpPr>
+          <p:cNvPr id="218" name="как это работает"/>
+          <p:cNvSpPr txBox="1">
+            <a:spLocks noGrp="1"/>
+          </p:cNvSpPr>
+          <p:nvPr>
+            <p:ph type="title"/>
+          </p:nvPr>
+        </p:nvSpPr>
+        <p:spPr>
+          <a:xfrm>
+            <a:off x="1035537" y="6908800"/>
+            <a:ext cx="10933723" cy="2153138"/>
+          </a:xfrm>
+          <a:prstGeom prst="rect">
+            <a:avLst/>
+          </a:prstGeom>
+        </p:spPr>
+        <p:txBody>
+          <a:bodyPr>
+            <a:normAutofit fontScale="90000"/>
+          </a:bodyPr>
+          <a:lstStyle/>
+          <a:p>
+            <a:r>
+              <a:rPr lang="ru-RU" dirty="0" smtClean="0"/>
+              <a:t>Стилизация страниц</a:t>
+            </a:r>
+            <a:endParaRPr dirty="0"/>
+          </a:p>
+        </p:txBody>
+      </p:sp>
+      <p:pic>
+        <p:nvPicPr>
+          <p:cNvPr id="219" name="cordova.png"/>
+          <p:cNvPicPr>
+            <a:picLocks noChangeAspect="1"/>
+          </p:cNvPicPr>
+          <p:nvPr/>
+        </p:nvPicPr>
+        <p:blipFill>
+          <a:blip r:embed="rId2">
+            <a:extLst>
+              <a:ext uri="{28A0092B-C50C-407E-A947-70E740481C1C}">
+                <a14:useLocalDpi xmlns:a14="http://schemas.microsoft.com/office/drawing/2010/main" val="0"/>
+              </a:ext>
+            </a:extLst>
+          </a:blip>
+          <a:stretch>
+            <a:fillRect/>
+          </a:stretch>
+        </p:blipFill>
+        <p:spPr>
+          <a:xfrm>
+            <a:off x="2155104" y="1929806"/>
+            <a:ext cx="8694587" cy="4506164"/>
+          </a:xfrm>
+          <a:prstGeom prst="rect">
+            <a:avLst/>
+          </a:prstGeom>
+          <a:ln w="12700">
+            <a:miter lim="400000"/>
+          </a:ln>
+        </p:spPr>
+      </p:pic>
+    </p:spTree>
+    <p:extLst>
+      <p:ext uri="{BB962C8B-B14F-4D97-AF65-F5344CB8AC3E}">
+        <p14:creationId xmlns:p14="http://schemas.microsoft.com/office/powerpoint/2010/main" val="1416895785"/>
+      </p:ext>
+    </p:extLst>
+  </p:cSld>
+  <p:clrMapOvr>
+    <a:masterClrMapping/>
+  </p:clrMapOvr>
+  <p:transition spd="med"/>
+  <p:timing>
+    <p:tnLst>
+      <p:par>
+        <p:cTn id="1" dur="indefinite" restart="never" nodeType="tmRoot"/>
+      </p:par>
+    </p:tnLst>
+  </p:timing>
+</p:sld>
+</file>
+
+<file path=ppt/slides/slide38.xml><?xml version="1.0" encoding="utf-8"?>
+<p:sld xmlns:a="http://schemas.openxmlformats.org/drawingml/2006/main" xmlns:r="http://schemas.openxmlformats.org/officeDocument/2006/relationships" xmlns:p="http://schemas.openxmlformats.org/presentationml/2006/main">
+  <p:cSld>
+    <p:spTree>
+      <p:nvGrpSpPr>
+        <p:cNvPr id="1" name=""/>
+        <p:cNvGrpSpPr/>
+        <p:nvPr/>
+      </p:nvGrpSpPr>
+      <p:grpSpPr>
+        <a:xfrm>
+          <a:off x="0" y="0"/>
+          <a:ext cx="0" cy="0"/>
+          <a:chOff x="0" y="0"/>
+          <a:chExt cx="0" cy="0"/>
+        </a:xfrm>
+      </p:grpSpPr>
+      <p:sp>
+        <p:nvSpPr>
+          <p:cNvPr id="218" name="как это работает"/>
+          <p:cNvSpPr txBox="1">
+            <a:spLocks noGrp="1"/>
+          </p:cNvSpPr>
+          <p:nvPr>
+            <p:ph type="title"/>
+          </p:nvPr>
+        </p:nvSpPr>
+        <p:spPr>
+          <a:xfrm>
+            <a:off x="1035537" y="6908800"/>
+            <a:ext cx="10933723" cy="2153138"/>
+          </a:xfrm>
+          <a:prstGeom prst="rect">
+            <a:avLst/>
+          </a:prstGeom>
+        </p:spPr>
+        <p:txBody>
+          <a:bodyPr>
+            <a:normAutofit fontScale="90000"/>
+          </a:bodyPr>
+          <a:lstStyle/>
+          <a:p>
+            <a:r>
+              <a:rPr lang="ru-RU" dirty="0" smtClean="0"/>
+              <a:t>логика страниц</a:t>
+            </a:r>
+            <a:r>
+              <a:rPr lang="en-US" dirty="0" smtClean="0"/>
+              <a:t/>
+            </a:r>
+            <a:br>
+              <a:rPr lang="en-US" dirty="0" smtClean="0"/>
+            </a:br>
+            <a:r>
+              <a:rPr lang="en-US" dirty="0" smtClean="0"/>
+              <a:t>java script(js)</a:t>
+            </a:r>
+            <a:endParaRPr dirty="0"/>
+          </a:p>
+        </p:txBody>
+      </p:sp>
+      <p:pic>
+        <p:nvPicPr>
+          <p:cNvPr id="219" name="cordova.png"/>
+          <p:cNvPicPr>
+            <a:picLocks noChangeAspect="1"/>
+          </p:cNvPicPr>
+          <p:nvPr/>
+        </p:nvPicPr>
+        <p:blipFill>
+          <a:blip r:embed="rId2">
+            <a:extLst>
+              <a:ext uri="{28A0092B-C50C-407E-A947-70E740481C1C}">
+                <a14:useLocalDpi xmlns:a14="http://schemas.microsoft.com/office/drawing/2010/main" val="0"/>
+              </a:ext>
+            </a:extLst>
+          </a:blip>
+          <a:stretch>
+            <a:fillRect/>
+          </a:stretch>
+        </p:blipFill>
+        <p:spPr>
+          <a:xfrm>
+            <a:off x="1998432" y="1795891"/>
+            <a:ext cx="9007931" cy="3901524"/>
+          </a:xfrm>
+          <a:prstGeom prst="rect">
+            <a:avLst/>
+          </a:prstGeom>
+          <a:ln w="12700">
+            <a:miter lim="400000"/>
+          </a:ln>
+        </p:spPr>
+      </p:pic>
+    </p:spTree>
+    <p:extLst>
+      <p:ext uri="{BB962C8B-B14F-4D97-AF65-F5344CB8AC3E}">
+        <p14:creationId xmlns:p14="http://schemas.microsoft.com/office/powerpoint/2010/main" val="2012672063"/>
+      </p:ext>
+    </p:extLst>
+  </p:cSld>
+  <p:clrMapOvr>
+    <a:masterClrMapping/>
+  </p:clrMapOvr>
+  <p:transition spd="med"/>
+  <p:timing>
+    <p:tnLst>
+      <p:par>
+        <p:cTn id="1" dur="indefinite" restart="never" nodeType="tmRoot"/>
+      </p:par>
+    </p:tnLst>
+  </p:timing>
+</p:sld>
+</file>
+
+<file path=ppt/slides/slide39.xml><?xml version="1.0" encoding="utf-8"?>
+<p:sld xmlns:a="http://schemas.openxmlformats.org/drawingml/2006/main" xmlns:r="http://schemas.openxmlformats.org/officeDocument/2006/relationships" xmlns:p="http://schemas.openxmlformats.org/presentationml/2006/main">
+  <p:cSld>
+    <p:spTree>
+      <p:nvGrpSpPr>
+        <p:cNvPr id="1" name=""/>
+        <p:cNvGrpSpPr/>
+        <p:nvPr/>
+      </p:nvGrpSpPr>
+      <p:grpSpPr>
+        <a:xfrm>
+          <a:off x="0" y="0"/>
+          <a:ext cx="0" cy="0"/>
+          <a:chOff x="0" y="0"/>
+          <a:chExt cx="0" cy="0"/>
+        </a:xfrm>
+      </p:grpSpPr>
+      <p:sp>
+        <p:nvSpPr>
+          <p:cNvPr id="218" name="как это работает"/>
+          <p:cNvSpPr txBox="1">
+            <a:spLocks noGrp="1"/>
+          </p:cNvSpPr>
+          <p:nvPr>
+            <p:ph type="title"/>
+          </p:nvPr>
+        </p:nvSpPr>
+        <p:spPr>
+          <a:xfrm>
+            <a:off x="1035537" y="6908800"/>
+            <a:ext cx="10933723" cy="1508369"/>
+          </a:xfrm>
+          <a:prstGeom prst="rect">
+            <a:avLst/>
+          </a:prstGeom>
+        </p:spPr>
+        <p:txBody>
+          <a:bodyPr>
+            <a:normAutofit/>
+          </a:bodyPr>
+          <a:lstStyle/>
+          <a:p>
+            <a:r>
+              <a:rPr lang="en-US" dirty="0" smtClean="0"/>
+              <a:t>Type script</a:t>
+            </a:r>
+            <a:endParaRPr dirty="0"/>
+          </a:p>
+        </p:txBody>
+      </p:sp>
+      <p:pic>
+        <p:nvPicPr>
+          <p:cNvPr id="219" name="cordova.png"/>
+          <p:cNvPicPr>
+            <a:picLocks noChangeAspect="1"/>
+          </p:cNvPicPr>
+          <p:nvPr/>
+        </p:nvPicPr>
+        <p:blipFill>
+          <a:blip r:embed="rId2">
+            <a:extLst>
+              <a:ext uri="{28A0092B-C50C-407E-A947-70E740481C1C}">
+                <a14:useLocalDpi xmlns:a14="http://schemas.microsoft.com/office/drawing/2010/main" val="0"/>
+              </a:ext>
+            </a:extLst>
+          </a:blip>
+          <a:stretch>
+            <a:fillRect/>
+          </a:stretch>
+        </p:blipFill>
+        <p:spPr>
+          <a:xfrm>
+            <a:off x="1078468" y="1162845"/>
+            <a:ext cx="10847860" cy="5624817"/>
+          </a:xfrm>
+          <a:prstGeom prst="rect">
+            <a:avLst/>
+          </a:prstGeom>
+          <a:ln w="12700">
+            <a:miter lim="400000"/>
+          </a:ln>
+        </p:spPr>
+      </p:pic>
+      <p:sp>
+        <p:nvSpPr>
+          <p:cNvPr id="5" name="браузер + iOS + Android"/>
+          <p:cNvSpPr txBox="1">
+            <a:spLocks noGrp="1"/>
+          </p:cNvSpPr>
+          <p:nvPr>
+            <p:ph type="body" sz="quarter" idx="1"/>
+          </p:nvPr>
+        </p:nvSpPr>
+        <p:spPr>
+          <a:xfrm>
+            <a:off x="1269998" y="8311663"/>
+            <a:ext cx="10464800" cy="871414"/>
+          </a:xfrm>
+          <a:prstGeom prst="rect">
+            <a:avLst/>
+          </a:prstGeom>
+        </p:spPr>
+        <p:txBody>
+          <a:bodyPr>
+            <a:normAutofit/>
+          </a:bodyPr>
+          <a:lstStyle>
+            <a:lvl1pPr>
+              <a:buClrTx/>
+            </a:lvl1pPr>
+          </a:lstStyle>
+          <a:p>
+            <a:r>
+              <a:rPr lang="ru-RU" dirty="0" smtClean="0"/>
+              <a:t>Замена </a:t>
+            </a:r>
+            <a:r>
+              <a:rPr lang="en-US" dirty="0" smtClean="0"/>
+              <a:t>JavaScript</a:t>
+            </a:r>
+            <a:endParaRPr dirty="0"/>
+          </a:p>
+        </p:txBody>
+      </p:sp>
+    </p:spTree>
+    <p:extLst>
+      <p:ext uri="{BB962C8B-B14F-4D97-AF65-F5344CB8AC3E}">
+        <p14:creationId xmlns:p14="http://schemas.microsoft.com/office/powerpoint/2010/main" val="1318699863"/>
+      </p:ext>
+    </p:extLst>
+  </p:cSld>
+  <p:clrMapOvr>
+    <a:masterClrMapping/>
+  </p:clrMapOvr>
+  <p:transition spd="med"/>
+  <p:timing>
+    <p:tnLst>
+      <p:par>
+        <p:cTn id="1" dur="indefinite" restart="never" nodeType="tmRoot"/>
+      </p:par>
+    </p:tnLst>
+  </p:timing>
+</p:sld>
+</file>
+
 <file path=ppt/slides/slide4.xml><?xml version="1.0" encoding="utf-8"?>
-<p:sld xmlns:a="http://schemas.openxmlformats.org/drawingml/2006/main" xmlns:r="http://schemas.openxmlformats.org/officeDocument/2006/relationships" xmlns:p="http://schemas.openxmlformats.org/presentationml/2006/main" xmlns:m="http://schemas.openxmlformats.org/officeDocument/2006/math" xmlns:a14="http://schemas.microsoft.com/office/drawing/2010/main" showMasterSp="1" showMasterPhAnim="1">
+<p:sld xmlns:a="http://schemas.openxmlformats.org/drawingml/2006/main" xmlns:r="http://schemas.openxmlformats.org/officeDocument/2006/relationships" xmlns:p="http://schemas.openxmlformats.org/presentationml/2006/main">
   <p:cSld>
     <p:spTree>
       <p:nvGrpSpPr>
@@ -6196,7 +8230,9 @@
       <p:sp>
         <p:nvSpPr>
           <p:cNvPr id="130" name="Плюсы ведения бюджета"/>
-          <p:cNvSpPr txBox="1"/>
+          <p:cNvSpPr txBox="1">
+            <a:spLocks noGrp="1"/>
+          </p:cNvSpPr>
           <p:nvPr>
             <p:ph type="title"/>
           </p:nvPr>
@@ -6211,14 +8247,15 @@
           </a:prstGeom>
         </p:spPr>
         <p:txBody>
-          <a:bodyPr/>
+          <a:bodyPr>
+            <a:normAutofit fontScale="90000"/>
+          </a:bodyPr>
           <a:lstStyle>
             <a:lvl1pPr defTabSz="490727">
               <a:defRPr sz="6048"/>
             </a:lvl1pPr>
           </a:lstStyle>
           <a:p>
-            <a:pPr/>
             <a:r>
               <a:t>Плюсы ведения бюджета</a:t>
             </a:r>
@@ -6259,12 +8296,1208 @@
   <p:clrMapOvr>
     <a:masterClrMapping/>
   </p:clrMapOvr>
-  <p:transition xmlns:p14="http://schemas.microsoft.com/office/powerpoint/2010/main" spd="med" advClick="1"/>
+  <p:transition spd="med"/>
+  <p:timing>
+    <p:tnLst>
+      <p:par>
+        <p:cTn id="1" dur="indefinite" restart="never" nodeType="tmRoot"/>
+      </p:par>
+    </p:tnLst>
+  </p:timing>
+</p:sld>
+</file>
+
+<file path=ppt/slides/slide40.xml><?xml version="1.0" encoding="utf-8"?>
+<p:sld xmlns:a="http://schemas.openxmlformats.org/drawingml/2006/main" xmlns:r="http://schemas.openxmlformats.org/officeDocument/2006/relationships" xmlns:p="http://schemas.openxmlformats.org/presentationml/2006/main">
+  <p:cSld>
+    <p:spTree>
+      <p:nvGrpSpPr>
+        <p:cNvPr id="1" name=""/>
+        <p:cNvGrpSpPr/>
+        <p:nvPr/>
+      </p:nvGrpSpPr>
+      <p:grpSpPr>
+        <a:xfrm>
+          <a:off x="0" y="0"/>
+          <a:ext cx="0" cy="0"/>
+          <a:chOff x="0" y="0"/>
+          <a:chExt cx="0" cy="0"/>
+        </a:xfrm>
+      </p:grpSpPr>
+      <p:sp>
+        <p:nvSpPr>
+          <p:cNvPr id="218" name="как это работает"/>
+          <p:cNvSpPr txBox="1">
+            <a:spLocks noGrp="1"/>
+          </p:cNvSpPr>
+          <p:nvPr>
+            <p:ph type="title"/>
+          </p:nvPr>
+        </p:nvSpPr>
+        <p:spPr>
+          <a:xfrm>
+            <a:off x="1035537" y="6908800"/>
+            <a:ext cx="10933723" cy="1508369"/>
+          </a:xfrm>
+          <a:prstGeom prst="rect">
+            <a:avLst/>
+          </a:prstGeom>
+        </p:spPr>
+        <p:txBody>
+          <a:bodyPr>
+            <a:normAutofit/>
+          </a:bodyPr>
+          <a:lstStyle/>
+          <a:p>
+            <a:r>
+              <a:rPr lang="ru-RU" dirty="0" smtClean="0"/>
+              <a:t>Улучшенный </a:t>
+            </a:r>
+            <a:r>
+              <a:rPr lang="en-US" dirty="0" smtClean="0"/>
+              <a:t>JS</a:t>
+            </a:r>
+            <a:endParaRPr dirty="0"/>
+          </a:p>
+        </p:txBody>
+      </p:sp>
+      <p:pic>
+        <p:nvPicPr>
+          <p:cNvPr id="219" name="cordova.png"/>
+          <p:cNvPicPr>
+            <a:picLocks noChangeAspect="1"/>
+          </p:cNvPicPr>
+          <p:nvPr/>
+        </p:nvPicPr>
+        <p:blipFill>
+          <a:blip r:embed="rId2">
+            <a:extLst>
+              <a:ext uri="{28A0092B-C50C-407E-A947-70E740481C1C}">
+                <a14:useLocalDpi xmlns:a14="http://schemas.microsoft.com/office/drawing/2010/main" val="0"/>
+              </a:ext>
+            </a:extLst>
+          </a:blip>
+          <a:stretch>
+            <a:fillRect/>
+          </a:stretch>
+        </p:blipFill>
+        <p:spPr>
+          <a:xfrm>
+            <a:off x="3389242" y="705211"/>
+            <a:ext cx="6226312" cy="6203589"/>
+          </a:xfrm>
+          <a:prstGeom prst="rect">
+            <a:avLst/>
+          </a:prstGeom>
+          <a:ln w="12700">
+            <a:miter lim="400000"/>
+          </a:ln>
+        </p:spPr>
+      </p:pic>
+      <p:sp>
+        <p:nvSpPr>
+          <p:cNvPr id="5" name="браузер + iOS + Android"/>
+          <p:cNvSpPr txBox="1">
+            <a:spLocks noGrp="1"/>
+          </p:cNvSpPr>
+          <p:nvPr>
+            <p:ph type="body" sz="quarter" idx="1"/>
+          </p:nvPr>
+        </p:nvSpPr>
+        <p:spPr>
+          <a:xfrm>
+            <a:off x="1269998" y="8311663"/>
+            <a:ext cx="10464800" cy="871414"/>
+          </a:xfrm>
+          <a:prstGeom prst="rect">
+            <a:avLst/>
+          </a:prstGeom>
+        </p:spPr>
+        <p:txBody>
+          <a:bodyPr>
+            <a:normAutofit/>
+          </a:bodyPr>
+          <a:lstStyle>
+            <a:lvl1pPr>
+              <a:buClrTx/>
+            </a:lvl1pPr>
+          </a:lstStyle>
+          <a:p>
+            <a:endParaRPr dirty="0"/>
+          </a:p>
+        </p:txBody>
+      </p:sp>
+    </p:spTree>
+    <p:extLst>
+      <p:ext uri="{BB962C8B-B14F-4D97-AF65-F5344CB8AC3E}">
+        <p14:creationId xmlns:p14="http://schemas.microsoft.com/office/powerpoint/2010/main" val="1191736675"/>
+      </p:ext>
+    </p:extLst>
+  </p:cSld>
+  <p:clrMapOvr>
+    <a:masterClrMapping/>
+  </p:clrMapOvr>
+  <p:transition spd="med"/>
+  <p:timing>
+    <p:tnLst>
+      <p:par>
+        <p:cTn id="1" dur="indefinite" restart="never" nodeType="tmRoot"/>
+      </p:par>
+    </p:tnLst>
+  </p:timing>
+</p:sld>
+</file>
+
+<file path=ppt/slides/slide41.xml><?xml version="1.0" encoding="utf-8"?>
+<p:sld xmlns:a="http://schemas.openxmlformats.org/drawingml/2006/main" xmlns:r="http://schemas.openxmlformats.org/officeDocument/2006/relationships" xmlns:p="http://schemas.openxmlformats.org/presentationml/2006/main">
+  <p:cSld>
+    <p:spTree>
+      <p:nvGrpSpPr>
+        <p:cNvPr id="1" name=""/>
+        <p:cNvGrpSpPr/>
+        <p:nvPr/>
+      </p:nvGrpSpPr>
+      <p:grpSpPr>
+        <a:xfrm>
+          <a:off x="0" y="0"/>
+          <a:ext cx="0" cy="0"/>
+          <a:chOff x="0" y="0"/>
+          <a:chExt cx="0" cy="0"/>
+        </a:xfrm>
+      </p:grpSpPr>
+      <p:sp>
+        <p:nvSpPr>
+          <p:cNvPr id="218" name="как это работает"/>
+          <p:cNvSpPr txBox="1">
+            <a:spLocks noGrp="1"/>
+          </p:cNvSpPr>
+          <p:nvPr>
+            <p:ph type="title"/>
+          </p:nvPr>
+        </p:nvSpPr>
+        <p:spPr>
+          <a:xfrm>
+            <a:off x="1035537" y="6908800"/>
+            <a:ext cx="10933723" cy="2153138"/>
+          </a:xfrm>
+          <a:prstGeom prst="rect">
+            <a:avLst/>
+          </a:prstGeom>
+        </p:spPr>
+        <p:txBody>
+          <a:bodyPr>
+            <a:normAutofit fontScale="90000"/>
+          </a:bodyPr>
+          <a:lstStyle/>
+          <a:p>
+            <a:r>
+              <a:rPr lang="ru-RU" dirty="0" smtClean="0"/>
+              <a:t>Все вместе – клиентская часть</a:t>
+            </a:r>
+            <a:endParaRPr dirty="0"/>
+          </a:p>
+        </p:txBody>
+      </p:sp>
+      <p:pic>
+        <p:nvPicPr>
+          <p:cNvPr id="219" name="cordova.png"/>
+          <p:cNvPicPr>
+            <a:picLocks noChangeAspect="1"/>
+          </p:cNvPicPr>
+          <p:nvPr/>
+        </p:nvPicPr>
+        <p:blipFill>
+          <a:blip r:embed="rId2">
+            <a:extLst>
+              <a:ext uri="{28A0092B-C50C-407E-A947-70E740481C1C}">
+                <a14:useLocalDpi xmlns:a14="http://schemas.microsoft.com/office/drawing/2010/main" val="0"/>
+              </a:ext>
+            </a:extLst>
+          </a:blip>
+          <a:stretch>
+            <a:fillRect/>
+          </a:stretch>
+        </p:blipFill>
+        <p:spPr>
+          <a:xfrm>
+            <a:off x="2100753" y="893213"/>
+            <a:ext cx="8803289" cy="5308295"/>
+          </a:xfrm>
+          <a:prstGeom prst="rect">
+            <a:avLst/>
+          </a:prstGeom>
+          <a:ln w="12700">
+            <a:miter lim="400000"/>
+          </a:ln>
+        </p:spPr>
+      </p:pic>
+    </p:spTree>
+    <p:extLst>
+      <p:ext uri="{BB962C8B-B14F-4D97-AF65-F5344CB8AC3E}">
+        <p14:creationId xmlns:p14="http://schemas.microsoft.com/office/powerpoint/2010/main" val="157487906"/>
+      </p:ext>
+    </p:extLst>
+  </p:cSld>
+  <p:clrMapOvr>
+    <a:masterClrMapping/>
+  </p:clrMapOvr>
+  <p:transition spd="med"/>
+  <p:timing>
+    <p:tnLst>
+      <p:par>
+        <p:cTn id="1" dur="indefinite" restart="never" nodeType="tmRoot"/>
+      </p:par>
+    </p:tnLst>
+  </p:timing>
+</p:sld>
+</file>
+
+<file path=ppt/slides/slide42.xml><?xml version="1.0" encoding="utf-8"?>
+<p:sld xmlns:a="http://schemas.openxmlformats.org/drawingml/2006/main" xmlns:r="http://schemas.openxmlformats.org/officeDocument/2006/relationships" xmlns:p="http://schemas.openxmlformats.org/presentationml/2006/main">
+  <p:cSld>
+    <p:spTree>
+      <p:nvGrpSpPr>
+        <p:cNvPr id="1" name=""/>
+        <p:cNvGrpSpPr/>
+        <p:nvPr/>
+      </p:nvGrpSpPr>
+      <p:grpSpPr>
+        <a:xfrm>
+          <a:off x="0" y="0"/>
+          <a:ext cx="0" cy="0"/>
+          <a:chOff x="0" y="0"/>
+          <a:chExt cx="0" cy="0"/>
+        </a:xfrm>
+      </p:grpSpPr>
+      <p:sp>
+        <p:nvSpPr>
+          <p:cNvPr id="218" name="как это работает"/>
+          <p:cNvSpPr txBox="1">
+            <a:spLocks noGrp="1"/>
+          </p:cNvSpPr>
+          <p:nvPr>
+            <p:ph type="title"/>
+          </p:nvPr>
+        </p:nvSpPr>
+        <p:spPr>
+          <a:xfrm>
+            <a:off x="1035537" y="6908800"/>
+            <a:ext cx="10933723" cy="2153138"/>
+          </a:xfrm>
+          <a:prstGeom prst="rect">
+            <a:avLst/>
+          </a:prstGeom>
+        </p:spPr>
+        <p:txBody>
+          <a:bodyPr>
+            <a:normAutofit fontScale="90000"/>
+          </a:bodyPr>
+          <a:lstStyle/>
+          <a:p>
+            <a:r>
+              <a:rPr lang="ru-RU" dirty="0" smtClean="0"/>
+              <a:t>серверная часть</a:t>
+            </a:r>
+            <a:br>
+              <a:rPr lang="ru-RU" dirty="0" smtClean="0"/>
+            </a:br>
+            <a:r>
+              <a:rPr lang="ru-RU" dirty="0" smtClean="0"/>
+              <a:t>что выбрать?</a:t>
+            </a:r>
+            <a:endParaRPr dirty="0"/>
+          </a:p>
+        </p:txBody>
+      </p:sp>
+      <p:pic>
+        <p:nvPicPr>
+          <p:cNvPr id="219" name="cordova.png"/>
+          <p:cNvPicPr>
+            <a:picLocks noChangeAspect="1"/>
+          </p:cNvPicPr>
+          <p:nvPr/>
+        </p:nvPicPr>
+        <p:blipFill>
+          <a:blip r:embed="rId2">
+            <a:extLst>
+              <a:ext uri="{28A0092B-C50C-407E-A947-70E740481C1C}">
+                <a14:useLocalDpi xmlns:a14="http://schemas.microsoft.com/office/drawing/2010/main" val="0"/>
+              </a:ext>
+            </a:extLst>
+          </a:blip>
+          <a:stretch>
+            <a:fillRect/>
+          </a:stretch>
+        </p:blipFill>
+        <p:spPr>
+          <a:xfrm>
+            <a:off x="3342471" y="904936"/>
+            <a:ext cx="6319853" cy="5798465"/>
+          </a:xfrm>
+          <a:prstGeom prst="rect">
+            <a:avLst/>
+          </a:prstGeom>
+          <a:ln w="12700">
+            <a:miter lim="400000"/>
+          </a:ln>
+        </p:spPr>
+      </p:pic>
+    </p:spTree>
+    <p:extLst>
+      <p:ext uri="{BB962C8B-B14F-4D97-AF65-F5344CB8AC3E}">
+        <p14:creationId xmlns:p14="http://schemas.microsoft.com/office/powerpoint/2010/main" val="1430214291"/>
+      </p:ext>
+    </p:extLst>
+  </p:cSld>
+  <p:clrMapOvr>
+    <a:masterClrMapping/>
+  </p:clrMapOvr>
+  <p:transition spd="med"/>
+  <p:timing>
+    <p:tnLst>
+      <p:par>
+        <p:cTn id="1" dur="indefinite" restart="never" nodeType="tmRoot"/>
+      </p:par>
+    </p:tnLst>
+  </p:timing>
+</p:sld>
+</file>
+
+<file path=ppt/slides/slide43.xml><?xml version="1.0" encoding="utf-8"?>
+<p:sld xmlns:a="http://schemas.openxmlformats.org/drawingml/2006/main" xmlns:r="http://schemas.openxmlformats.org/officeDocument/2006/relationships" xmlns:p="http://schemas.openxmlformats.org/presentationml/2006/main">
+  <p:cSld>
+    <p:spTree>
+      <p:nvGrpSpPr>
+        <p:cNvPr id="1" name=""/>
+        <p:cNvGrpSpPr/>
+        <p:nvPr/>
+      </p:nvGrpSpPr>
+      <p:grpSpPr>
+        <a:xfrm>
+          <a:off x="0" y="0"/>
+          <a:ext cx="0" cy="0"/>
+          <a:chOff x="0" y="0"/>
+          <a:chExt cx="0" cy="0"/>
+        </a:xfrm>
+      </p:grpSpPr>
+      <p:sp>
+        <p:nvSpPr>
+          <p:cNvPr id="218" name="как это работает"/>
+          <p:cNvSpPr txBox="1">
+            <a:spLocks noGrp="1"/>
+          </p:cNvSpPr>
+          <p:nvPr>
+            <p:ph type="title"/>
+          </p:nvPr>
+        </p:nvSpPr>
+        <p:spPr>
+          <a:xfrm>
+            <a:off x="1035537" y="6908800"/>
+            <a:ext cx="10933723" cy="2153138"/>
+          </a:xfrm>
+          <a:prstGeom prst="rect">
+            <a:avLst/>
+          </a:prstGeom>
+        </p:spPr>
+        <p:txBody>
+          <a:bodyPr>
+            <a:normAutofit fontScale="90000"/>
+          </a:bodyPr>
+          <a:lstStyle/>
+          <a:p>
+            <a:r>
+              <a:rPr lang="en-US" dirty="0" smtClean="0"/>
+              <a:t>Java script</a:t>
+            </a:r>
+            <a:r>
+              <a:rPr lang="ru-RU" dirty="0" smtClean="0"/>
+              <a:t/>
+            </a:r>
+            <a:br>
+              <a:rPr lang="ru-RU" dirty="0" smtClean="0"/>
+            </a:br>
+            <a:r>
+              <a:rPr lang="ru-RU" dirty="0" smtClean="0"/>
+              <a:t>на сервере</a:t>
+            </a:r>
+            <a:endParaRPr dirty="0"/>
+          </a:p>
+        </p:txBody>
+      </p:sp>
+      <p:pic>
+        <p:nvPicPr>
+          <p:cNvPr id="219" name="cordova.png"/>
+          <p:cNvPicPr>
+            <a:picLocks noChangeAspect="1"/>
+          </p:cNvPicPr>
+          <p:nvPr/>
+        </p:nvPicPr>
+        <p:blipFill>
+          <a:blip r:embed="rId2">
+            <a:extLst>
+              <a:ext uri="{28A0092B-C50C-407E-A947-70E740481C1C}">
+                <a14:useLocalDpi xmlns:a14="http://schemas.microsoft.com/office/drawing/2010/main" val="0"/>
+              </a:ext>
+            </a:extLst>
+          </a:blip>
+          <a:stretch>
+            <a:fillRect/>
+          </a:stretch>
+        </p:blipFill>
+        <p:spPr>
+          <a:xfrm>
+            <a:off x="2898249" y="1355532"/>
+            <a:ext cx="7208298" cy="4409075"/>
+          </a:xfrm>
+          <a:prstGeom prst="rect">
+            <a:avLst/>
+          </a:prstGeom>
+          <a:ln w="12700">
+            <a:miter lim="400000"/>
+          </a:ln>
+        </p:spPr>
+      </p:pic>
+    </p:spTree>
+    <p:extLst>
+      <p:ext uri="{BB962C8B-B14F-4D97-AF65-F5344CB8AC3E}">
+        <p14:creationId xmlns:p14="http://schemas.microsoft.com/office/powerpoint/2010/main" val="451562073"/>
+      </p:ext>
+    </p:extLst>
+  </p:cSld>
+  <p:clrMapOvr>
+    <a:masterClrMapping/>
+  </p:clrMapOvr>
+  <p:transition spd="med"/>
+  <p:timing>
+    <p:tnLst>
+      <p:par>
+        <p:cTn id="1" dur="indefinite" restart="never" nodeType="tmRoot"/>
+      </p:par>
+    </p:tnLst>
+  </p:timing>
+</p:sld>
+</file>
+
+<file path=ppt/slides/slide44.xml><?xml version="1.0" encoding="utf-8"?>
+<p:sld xmlns:a="http://schemas.openxmlformats.org/drawingml/2006/main" xmlns:r="http://schemas.openxmlformats.org/officeDocument/2006/relationships" xmlns:p="http://schemas.openxmlformats.org/presentationml/2006/main">
+  <p:cSld>
+    <p:spTree>
+      <p:nvGrpSpPr>
+        <p:cNvPr id="1" name=""/>
+        <p:cNvGrpSpPr/>
+        <p:nvPr/>
+      </p:nvGrpSpPr>
+      <p:grpSpPr>
+        <a:xfrm>
+          <a:off x="0" y="0"/>
+          <a:ext cx="0" cy="0"/>
+          <a:chOff x="0" y="0"/>
+          <a:chExt cx="0" cy="0"/>
+        </a:xfrm>
+      </p:grpSpPr>
+      <p:sp>
+        <p:nvSpPr>
+          <p:cNvPr id="218" name="как это работает"/>
+          <p:cNvSpPr txBox="1">
+            <a:spLocks noGrp="1"/>
+          </p:cNvSpPr>
+          <p:nvPr>
+            <p:ph type="title"/>
+          </p:nvPr>
+        </p:nvSpPr>
+        <p:spPr>
+          <a:xfrm>
+            <a:off x="1035537" y="6908800"/>
+            <a:ext cx="10933723" cy="2153138"/>
+          </a:xfrm>
+          <a:prstGeom prst="rect">
+            <a:avLst/>
+          </a:prstGeom>
+        </p:spPr>
+        <p:txBody>
+          <a:bodyPr>
+            <a:normAutofit fontScale="90000"/>
+          </a:bodyPr>
+          <a:lstStyle/>
+          <a:p>
+            <a:r>
+              <a:rPr lang="en-US" dirty="0" smtClean="0"/>
+              <a:t>Type script</a:t>
+            </a:r>
+            <a:r>
+              <a:rPr lang="ru-RU" dirty="0" smtClean="0"/>
+              <a:t/>
+            </a:r>
+            <a:br>
+              <a:rPr lang="ru-RU" dirty="0" smtClean="0"/>
+            </a:br>
+            <a:r>
+              <a:rPr lang="ru-RU" dirty="0" smtClean="0"/>
+              <a:t>на сервере</a:t>
+            </a:r>
+            <a:endParaRPr dirty="0"/>
+          </a:p>
+        </p:txBody>
+      </p:sp>
+      <p:pic>
+        <p:nvPicPr>
+          <p:cNvPr id="219" name="cordova.png"/>
+          <p:cNvPicPr>
+            <a:picLocks noChangeAspect="1"/>
+          </p:cNvPicPr>
+          <p:nvPr/>
+        </p:nvPicPr>
+        <p:blipFill>
+          <a:blip r:embed="rId2">
+            <a:extLst>
+              <a:ext uri="{28A0092B-C50C-407E-A947-70E740481C1C}">
+                <a14:useLocalDpi xmlns:a14="http://schemas.microsoft.com/office/drawing/2010/main" val="0"/>
+              </a:ext>
+            </a:extLst>
+          </a:blip>
+          <a:stretch>
+            <a:fillRect/>
+          </a:stretch>
+        </p:blipFill>
+        <p:spPr>
+          <a:xfrm>
+            <a:off x="1246658" y="1715920"/>
+            <a:ext cx="10511479" cy="4626264"/>
+          </a:xfrm>
+          <a:prstGeom prst="rect">
+            <a:avLst/>
+          </a:prstGeom>
+          <a:ln w="12700">
+            <a:miter lim="400000"/>
+          </a:ln>
+        </p:spPr>
+      </p:pic>
+    </p:spTree>
+    <p:extLst>
+      <p:ext uri="{BB962C8B-B14F-4D97-AF65-F5344CB8AC3E}">
+        <p14:creationId xmlns:p14="http://schemas.microsoft.com/office/powerpoint/2010/main" val="2578634509"/>
+      </p:ext>
+    </p:extLst>
+  </p:cSld>
+  <p:clrMapOvr>
+    <a:masterClrMapping/>
+  </p:clrMapOvr>
+  <p:transition spd="med"/>
+  <p:timing>
+    <p:tnLst>
+      <p:par>
+        <p:cTn id="1" dur="indefinite" restart="never" nodeType="tmRoot"/>
+      </p:par>
+    </p:tnLst>
+  </p:timing>
+</p:sld>
+</file>
+
+<file path=ppt/slides/slide45.xml><?xml version="1.0" encoding="utf-8"?>
+<p:sld xmlns:a="http://schemas.openxmlformats.org/drawingml/2006/main" xmlns:r="http://schemas.openxmlformats.org/officeDocument/2006/relationships" xmlns:p="http://schemas.openxmlformats.org/presentationml/2006/main">
+  <p:cSld>
+    <p:spTree>
+      <p:nvGrpSpPr>
+        <p:cNvPr id="1" name=""/>
+        <p:cNvGrpSpPr/>
+        <p:nvPr/>
+      </p:nvGrpSpPr>
+      <p:grpSpPr>
+        <a:xfrm>
+          <a:off x="0" y="0"/>
+          <a:ext cx="0" cy="0"/>
+          <a:chOff x="0" y="0"/>
+          <a:chExt cx="0" cy="0"/>
+        </a:xfrm>
+      </p:grpSpPr>
+      <p:sp>
+        <p:nvSpPr>
+          <p:cNvPr id="218" name="как это работает"/>
+          <p:cNvSpPr txBox="1">
+            <a:spLocks noGrp="1"/>
+          </p:cNvSpPr>
+          <p:nvPr>
+            <p:ph type="title"/>
+          </p:nvPr>
+        </p:nvSpPr>
+        <p:spPr>
+          <a:xfrm>
+            <a:off x="1035537" y="6908800"/>
+            <a:ext cx="10933723" cy="2153138"/>
+          </a:xfrm>
+          <a:prstGeom prst="rect">
+            <a:avLst/>
+          </a:prstGeom>
+        </p:spPr>
+        <p:txBody>
+          <a:bodyPr>
+            <a:normAutofit/>
+          </a:bodyPr>
+          <a:lstStyle/>
+          <a:p>
+            <a:r>
+              <a:rPr lang="ru-RU" dirty="0" smtClean="0"/>
+              <a:t>Хранение данных</a:t>
+            </a:r>
+            <a:endParaRPr dirty="0"/>
+          </a:p>
+        </p:txBody>
+      </p:sp>
+      <p:pic>
+        <p:nvPicPr>
+          <p:cNvPr id="219" name="cordova.png"/>
+          <p:cNvPicPr>
+            <a:picLocks noChangeAspect="1"/>
+          </p:cNvPicPr>
+          <p:nvPr/>
+        </p:nvPicPr>
+        <p:blipFill>
+          <a:blip r:embed="rId2">
+            <a:extLst>
+              <a:ext uri="{28A0092B-C50C-407E-A947-70E740481C1C}">
+                <a14:useLocalDpi xmlns:a14="http://schemas.microsoft.com/office/drawing/2010/main" val="0"/>
+              </a:ext>
+            </a:extLst>
+          </a:blip>
+          <a:stretch>
+            <a:fillRect/>
+          </a:stretch>
+        </p:blipFill>
+        <p:spPr>
+          <a:xfrm>
+            <a:off x="387244" y="2382646"/>
+            <a:ext cx="12230308" cy="4076769"/>
+          </a:xfrm>
+          <a:prstGeom prst="rect">
+            <a:avLst/>
+          </a:prstGeom>
+          <a:ln w="12700">
+            <a:miter lim="400000"/>
+          </a:ln>
+        </p:spPr>
+      </p:pic>
+    </p:spTree>
+    <p:extLst>
+      <p:ext uri="{BB962C8B-B14F-4D97-AF65-F5344CB8AC3E}">
+        <p14:creationId xmlns:p14="http://schemas.microsoft.com/office/powerpoint/2010/main" val="2152070772"/>
+      </p:ext>
+    </p:extLst>
+  </p:cSld>
+  <p:clrMapOvr>
+    <a:masterClrMapping/>
+  </p:clrMapOvr>
+  <p:transition spd="med"/>
+  <p:timing>
+    <p:tnLst>
+      <p:par>
+        <p:cTn id="1" dur="indefinite" restart="never" nodeType="tmRoot"/>
+      </p:par>
+    </p:tnLst>
+  </p:timing>
+</p:sld>
+</file>
+
+<file path=ppt/slides/slide46.xml><?xml version="1.0" encoding="utf-8"?>
+<p:sld xmlns:a="http://schemas.openxmlformats.org/drawingml/2006/main" xmlns:r="http://schemas.openxmlformats.org/officeDocument/2006/relationships" xmlns:p="http://schemas.openxmlformats.org/presentationml/2006/main">
+  <p:cSld>
+    <p:spTree>
+      <p:nvGrpSpPr>
+        <p:cNvPr id="1" name=""/>
+        <p:cNvGrpSpPr/>
+        <p:nvPr/>
+      </p:nvGrpSpPr>
+      <p:grpSpPr>
+        <a:xfrm>
+          <a:off x="0" y="0"/>
+          <a:ext cx="0" cy="0"/>
+          <a:chOff x="0" y="0"/>
+          <a:chExt cx="0" cy="0"/>
+        </a:xfrm>
+      </p:grpSpPr>
+      <p:sp>
+        <p:nvSpPr>
+          <p:cNvPr id="218" name="как это работает"/>
+          <p:cNvSpPr txBox="1">
+            <a:spLocks noGrp="1"/>
+          </p:cNvSpPr>
+          <p:nvPr>
+            <p:ph type="title"/>
+          </p:nvPr>
+        </p:nvSpPr>
+        <p:spPr>
+          <a:xfrm>
+            <a:off x="1035537" y="6908800"/>
+            <a:ext cx="11449540" cy="2153138"/>
+          </a:xfrm>
+          <a:prstGeom prst="rect">
+            <a:avLst/>
+          </a:prstGeom>
+        </p:spPr>
+        <p:txBody>
+          <a:bodyPr>
+            <a:normAutofit fontScale="90000"/>
+          </a:bodyPr>
+          <a:lstStyle/>
+          <a:p>
+            <a:r>
+              <a:rPr lang="ru-RU" dirty="0" smtClean="0"/>
+              <a:t>Структура приложения</a:t>
+            </a:r>
+            <a:endParaRPr dirty="0"/>
+          </a:p>
+        </p:txBody>
+      </p:sp>
+      <p:pic>
+        <p:nvPicPr>
+          <p:cNvPr id="219" name="cordova.png"/>
+          <p:cNvPicPr>
+            <a:picLocks noChangeAspect="1"/>
+          </p:cNvPicPr>
+          <p:nvPr/>
+        </p:nvPicPr>
+        <p:blipFill>
+          <a:blip r:embed="rId2">
+            <a:extLst>
+              <a:ext uri="{28A0092B-C50C-407E-A947-70E740481C1C}">
+                <a14:useLocalDpi xmlns:a14="http://schemas.microsoft.com/office/drawing/2010/main" val="0"/>
+              </a:ext>
+            </a:extLst>
+          </a:blip>
+          <a:stretch>
+            <a:fillRect/>
+          </a:stretch>
+        </p:blipFill>
+        <p:spPr>
+          <a:xfrm>
+            <a:off x="2014607" y="581200"/>
+            <a:ext cx="9491399" cy="6327600"/>
+          </a:xfrm>
+          <a:prstGeom prst="rect">
+            <a:avLst/>
+          </a:prstGeom>
+          <a:ln w="12700">
+            <a:miter lim="400000"/>
+          </a:ln>
+        </p:spPr>
+      </p:pic>
+      <p:sp>
+        <p:nvSpPr>
+          <p:cNvPr id="4" name="браузер + iOS + Android"/>
+          <p:cNvSpPr txBox="1">
+            <a:spLocks noGrp="1"/>
+          </p:cNvSpPr>
+          <p:nvPr>
+            <p:ph type="body" sz="quarter" idx="1"/>
+          </p:nvPr>
+        </p:nvSpPr>
+        <p:spPr>
+          <a:xfrm>
+            <a:off x="1527906" y="8487509"/>
+            <a:ext cx="10464800" cy="871414"/>
+          </a:xfrm>
+          <a:prstGeom prst="rect">
+            <a:avLst/>
+          </a:prstGeom>
+        </p:spPr>
+        <p:txBody>
+          <a:bodyPr>
+            <a:normAutofit/>
+          </a:bodyPr>
+          <a:lstStyle>
+            <a:lvl1pPr>
+              <a:buClrTx/>
+            </a:lvl1pPr>
+          </a:lstStyle>
+          <a:p>
+            <a:r>
+              <a:rPr lang="ru-RU" dirty="0"/>
+              <a:t>в</a:t>
+            </a:r>
+            <a:r>
+              <a:rPr lang="ru-RU" dirty="0" smtClean="0"/>
+              <a:t>нимание на схему</a:t>
+            </a:r>
+            <a:endParaRPr dirty="0"/>
+          </a:p>
+        </p:txBody>
+      </p:sp>
+    </p:spTree>
+    <p:extLst>
+      <p:ext uri="{BB962C8B-B14F-4D97-AF65-F5344CB8AC3E}">
+        <p14:creationId xmlns:p14="http://schemas.microsoft.com/office/powerpoint/2010/main" val="2553830668"/>
+      </p:ext>
+    </p:extLst>
+  </p:cSld>
+  <p:clrMapOvr>
+    <a:masterClrMapping/>
+  </p:clrMapOvr>
+  <p:transition spd="med"/>
+  <p:timing>
+    <p:tnLst>
+      <p:par>
+        <p:cTn id="1" dur="indefinite" restart="never" nodeType="tmRoot"/>
+      </p:par>
+    </p:tnLst>
+  </p:timing>
+</p:sld>
+</file>
+
+<file path=ppt/slides/slide47.xml><?xml version="1.0" encoding="utf-8"?>
+<p:sld xmlns:a="http://schemas.openxmlformats.org/drawingml/2006/main" xmlns:r="http://schemas.openxmlformats.org/officeDocument/2006/relationships" xmlns:p="http://schemas.openxmlformats.org/presentationml/2006/main">
+  <p:cSld>
+    <p:spTree>
+      <p:nvGrpSpPr>
+        <p:cNvPr id="1" name=""/>
+        <p:cNvGrpSpPr/>
+        <p:nvPr/>
+      </p:nvGrpSpPr>
+      <p:grpSpPr>
+        <a:xfrm>
+          <a:off x="0" y="0"/>
+          <a:ext cx="0" cy="0"/>
+          <a:chOff x="0" y="0"/>
+          <a:chExt cx="0" cy="0"/>
+        </a:xfrm>
+      </p:grpSpPr>
+      <p:sp>
+        <p:nvSpPr>
+          <p:cNvPr id="218" name="как это работает"/>
+          <p:cNvSpPr txBox="1">
+            <a:spLocks noGrp="1"/>
+          </p:cNvSpPr>
+          <p:nvPr>
+            <p:ph type="title"/>
+          </p:nvPr>
+        </p:nvSpPr>
+        <p:spPr>
+          <a:xfrm>
+            <a:off x="1035537" y="6908800"/>
+            <a:ext cx="11449540" cy="2153138"/>
+          </a:xfrm>
+          <a:prstGeom prst="rect">
+            <a:avLst/>
+          </a:prstGeom>
+        </p:spPr>
+        <p:txBody>
+          <a:bodyPr>
+            <a:normAutofit/>
+          </a:bodyPr>
+          <a:lstStyle/>
+          <a:p>
+            <a:r>
+              <a:rPr lang="ru-RU" dirty="0" smtClean="0"/>
+              <a:t>Что получилось</a:t>
+            </a:r>
+            <a:endParaRPr dirty="0"/>
+          </a:p>
+        </p:txBody>
+      </p:sp>
+      <p:pic>
+        <p:nvPicPr>
+          <p:cNvPr id="219" name="cordova.png"/>
+          <p:cNvPicPr>
+            <a:picLocks noChangeAspect="1"/>
+          </p:cNvPicPr>
+          <p:nvPr/>
+        </p:nvPicPr>
+        <p:blipFill>
+          <a:blip r:embed="rId2">
+            <a:extLst>
+              <a:ext uri="{28A0092B-C50C-407E-A947-70E740481C1C}">
+                <a14:useLocalDpi xmlns:a14="http://schemas.microsoft.com/office/drawing/2010/main" val="0"/>
+              </a:ext>
+            </a:extLst>
+          </a:blip>
+          <a:stretch>
+            <a:fillRect/>
+          </a:stretch>
+        </p:blipFill>
+        <p:spPr>
+          <a:xfrm>
+            <a:off x="1594957" y="428799"/>
+            <a:ext cx="10330700" cy="6921569"/>
+          </a:xfrm>
+          <a:prstGeom prst="rect">
+            <a:avLst/>
+          </a:prstGeom>
+          <a:ln w="12700">
+            <a:miter lim="400000"/>
+          </a:ln>
+        </p:spPr>
+      </p:pic>
+    </p:spTree>
+    <p:extLst>
+      <p:ext uri="{BB962C8B-B14F-4D97-AF65-F5344CB8AC3E}">
+        <p14:creationId xmlns:p14="http://schemas.microsoft.com/office/powerpoint/2010/main" val="4117570506"/>
+      </p:ext>
+    </p:extLst>
+  </p:cSld>
+  <p:clrMapOvr>
+    <a:masterClrMapping/>
+  </p:clrMapOvr>
+  <p:transition spd="med"/>
+  <p:timing>
+    <p:tnLst>
+      <p:par>
+        <p:cTn id="1" dur="indefinite" restart="never" nodeType="tmRoot"/>
+      </p:par>
+    </p:tnLst>
+  </p:timing>
+</p:sld>
+</file>
+
+<file path=ppt/slides/slide48.xml><?xml version="1.0" encoding="utf-8"?>
+<p:sld xmlns:a="http://schemas.openxmlformats.org/drawingml/2006/main" xmlns:r="http://schemas.openxmlformats.org/officeDocument/2006/relationships" xmlns:p="http://schemas.openxmlformats.org/presentationml/2006/main">
+  <p:cSld>
+    <p:spTree>
+      <p:nvGrpSpPr>
+        <p:cNvPr id="1" name=""/>
+        <p:cNvGrpSpPr/>
+        <p:nvPr/>
+      </p:nvGrpSpPr>
+      <p:grpSpPr>
+        <a:xfrm>
+          <a:off x="0" y="0"/>
+          <a:ext cx="0" cy="0"/>
+          <a:chOff x="0" y="0"/>
+          <a:chExt cx="0" cy="0"/>
+        </a:xfrm>
+      </p:grpSpPr>
+      <p:sp>
+        <p:nvSpPr>
+          <p:cNvPr id="6" name="как это работает"/>
+          <p:cNvSpPr txBox="1">
+            <a:spLocks noGrp="1"/>
+          </p:cNvSpPr>
+          <p:nvPr>
+            <p:ph type="title"/>
+          </p:nvPr>
+        </p:nvSpPr>
+        <p:spPr>
+          <a:xfrm>
+            <a:off x="808893" y="7940859"/>
+            <a:ext cx="11172090" cy="1484495"/>
+          </a:xfrm>
+          <a:prstGeom prst="rect">
+            <a:avLst/>
+          </a:prstGeom>
+        </p:spPr>
+        <p:txBody>
+          <a:bodyPr>
+            <a:normAutofit/>
+          </a:bodyPr>
+          <a:lstStyle/>
+          <a:p>
+            <a:r>
+              <a:rPr lang="ru-RU" dirty="0" smtClean="0"/>
+              <a:t>Главная страница</a:t>
+            </a:r>
+            <a:endParaRPr dirty="0"/>
+          </a:p>
+        </p:txBody>
+      </p:sp>
+      <p:pic>
+        <p:nvPicPr>
+          <p:cNvPr id="7" name="Picture 6"/>
+          <p:cNvPicPr>
+            <a:picLocks noChangeAspect="1"/>
+          </p:cNvPicPr>
+          <p:nvPr/>
+        </p:nvPicPr>
+        <p:blipFill>
+          <a:blip r:embed="rId2"/>
+          <a:stretch>
+            <a:fillRect/>
+          </a:stretch>
+        </p:blipFill>
+        <p:spPr>
+          <a:xfrm>
+            <a:off x="3240816" y="340769"/>
+            <a:ext cx="6308243" cy="7600090"/>
+          </a:xfrm>
+          <a:prstGeom prst="rect">
+            <a:avLst/>
+          </a:prstGeom>
+          <a:solidFill>
+            <a:srgbClr val="FFFFFF">
+              <a:shade val="85000"/>
+            </a:srgbClr>
+          </a:solidFill>
+          <a:ln w="88900" cap="sq">
+            <a:solidFill>
+              <a:srgbClr val="FFFFFF"/>
+            </a:solidFill>
+            <a:miter lim="800000"/>
+          </a:ln>
+          <a:effectLst>
+            <a:outerShdw blurRad="55000" dist="18000" dir="5400000" algn="tl" rotWithShape="0">
+              <a:srgbClr val="000000">
+                <a:alpha val="40000"/>
+              </a:srgbClr>
+            </a:outerShdw>
+          </a:effectLst>
+          <a:scene3d>
+            <a:camera prst="orthographicFront"/>
+            <a:lightRig rig="twoPt" dir="t">
+              <a:rot lat="0" lon="0" rev="7200000"/>
+            </a:lightRig>
+          </a:scene3d>
+          <a:sp3d>
+            <a:bevelT w="25400" h="19050"/>
+            <a:contourClr>
+              <a:srgbClr val="FFFFFF"/>
+            </a:contourClr>
+          </a:sp3d>
+        </p:spPr>
+      </p:pic>
+    </p:spTree>
+    <p:extLst>
+      <p:ext uri="{BB962C8B-B14F-4D97-AF65-F5344CB8AC3E}">
+        <p14:creationId xmlns:p14="http://schemas.microsoft.com/office/powerpoint/2010/main" val="3612593998"/>
+      </p:ext>
+    </p:extLst>
+  </p:cSld>
+  <p:clrMapOvr>
+    <a:masterClrMapping/>
+  </p:clrMapOvr>
+  <p:transition spd="med"/>
+  <p:timing>
+    <p:tnLst>
+      <p:par>
+        <p:cTn id="1" dur="indefinite" restart="never" nodeType="tmRoot"/>
+      </p:par>
+    </p:tnLst>
+  </p:timing>
+</p:sld>
+</file>
+
+<file path=ppt/slides/slide49.xml><?xml version="1.0" encoding="utf-8"?>
+<p:sld xmlns:a="http://schemas.openxmlformats.org/drawingml/2006/main" xmlns:r="http://schemas.openxmlformats.org/officeDocument/2006/relationships" xmlns:p="http://schemas.openxmlformats.org/presentationml/2006/main">
+  <p:cSld>
+    <p:spTree>
+      <p:nvGrpSpPr>
+        <p:cNvPr id="1" name=""/>
+        <p:cNvGrpSpPr/>
+        <p:nvPr/>
+      </p:nvGrpSpPr>
+      <p:grpSpPr>
+        <a:xfrm>
+          <a:off x="0" y="0"/>
+          <a:ext cx="0" cy="0"/>
+          <a:chOff x="0" y="0"/>
+          <a:chExt cx="0" cy="0"/>
+        </a:xfrm>
+      </p:grpSpPr>
+      <p:sp>
+        <p:nvSpPr>
+          <p:cNvPr id="6" name="как это работает"/>
+          <p:cNvSpPr txBox="1">
+            <a:spLocks noGrp="1"/>
+          </p:cNvSpPr>
+          <p:nvPr>
+            <p:ph type="title"/>
+          </p:nvPr>
+        </p:nvSpPr>
+        <p:spPr>
+          <a:xfrm>
+            <a:off x="808893" y="7940859"/>
+            <a:ext cx="11172090" cy="1484495"/>
+          </a:xfrm>
+          <a:prstGeom prst="rect">
+            <a:avLst/>
+          </a:prstGeom>
+        </p:spPr>
+        <p:txBody>
+          <a:bodyPr>
+            <a:normAutofit/>
+          </a:bodyPr>
+          <a:lstStyle/>
+          <a:p>
+            <a:r>
+              <a:rPr lang="ru-RU" dirty="0" smtClean="0"/>
+              <a:t>Меню</a:t>
+            </a:r>
+            <a:endParaRPr dirty="0"/>
+          </a:p>
+        </p:txBody>
+      </p:sp>
+      <p:pic>
+        <p:nvPicPr>
+          <p:cNvPr id="3" name="Picture 2"/>
+          <p:cNvPicPr>
+            <a:picLocks noChangeAspect="1"/>
+          </p:cNvPicPr>
+          <p:nvPr/>
+        </p:nvPicPr>
+        <p:blipFill>
+          <a:blip r:embed="rId2"/>
+          <a:stretch>
+            <a:fillRect/>
+          </a:stretch>
+        </p:blipFill>
+        <p:spPr>
+          <a:xfrm>
+            <a:off x="3157954" y="777491"/>
+            <a:ext cx="6473967" cy="6748724"/>
+          </a:xfrm>
+          <a:prstGeom prst="rect">
+            <a:avLst/>
+          </a:prstGeom>
+          <a:solidFill>
+            <a:srgbClr val="FFFFFF">
+              <a:shade val="85000"/>
+            </a:srgbClr>
+          </a:solidFill>
+          <a:ln w="88900" cap="sq">
+            <a:solidFill>
+              <a:srgbClr val="FFFFFF"/>
+            </a:solidFill>
+            <a:miter lim="800000"/>
+          </a:ln>
+          <a:effectLst>
+            <a:outerShdw blurRad="55000" dist="18000" dir="5400000" algn="tl" rotWithShape="0">
+              <a:srgbClr val="000000">
+                <a:alpha val="40000"/>
+              </a:srgbClr>
+            </a:outerShdw>
+          </a:effectLst>
+          <a:scene3d>
+            <a:camera prst="orthographicFront"/>
+            <a:lightRig rig="twoPt" dir="t">
+              <a:rot lat="0" lon="0" rev="7200000"/>
+            </a:lightRig>
+          </a:scene3d>
+          <a:sp3d>
+            <a:bevelT w="25400" h="19050"/>
+            <a:contourClr>
+              <a:srgbClr val="FFFFFF"/>
+            </a:contourClr>
+          </a:sp3d>
+        </p:spPr>
+      </p:pic>
+    </p:spTree>
+    <p:extLst>
+      <p:ext uri="{BB962C8B-B14F-4D97-AF65-F5344CB8AC3E}">
+        <p14:creationId xmlns:p14="http://schemas.microsoft.com/office/powerpoint/2010/main" val="1202829121"/>
+      </p:ext>
+    </p:extLst>
+  </p:cSld>
+  <p:clrMapOvr>
+    <a:masterClrMapping/>
+  </p:clrMapOvr>
+  <p:transition spd="med"/>
+  <p:timing>
+    <p:tnLst>
+      <p:par>
+        <p:cTn id="1" dur="indefinite" restart="never" nodeType="tmRoot"/>
+      </p:par>
+    </p:tnLst>
+  </p:timing>
 </p:sld>
 </file>
 
 <file path=ppt/slides/slide5.xml><?xml version="1.0" encoding="utf-8"?>
-<p:sld xmlns:a="http://schemas.openxmlformats.org/drawingml/2006/main" xmlns:r="http://schemas.openxmlformats.org/officeDocument/2006/relationships" xmlns:p="http://schemas.openxmlformats.org/presentationml/2006/main" xmlns:m="http://schemas.openxmlformats.org/officeDocument/2006/math" xmlns:a14="http://schemas.microsoft.com/office/drawing/2010/main" showMasterSp="1" showMasterPhAnim="1">
+<p:sld xmlns:a="http://schemas.openxmlformats.org/drawingml/2006/main" xmlns:r="http://schemas.openxmlformats.org/officeDocument/2006/relationships" xmlns:p="http://schemas.openxmlformats.org/presentationml/2006/main">
   <p:cSld>
     <p:spTree>
       <p:nvGrpSpPr>
@@ -6283,7 +9516,9 @@
       <p:sp>
         <p:nvSpPr>
           <p:cNvPr id="133" name="Навести порядок в голове"/>
-          <p:cNvSpPr txBox="1"/>
+          <p:cNvSpPr txBox="1">
+            <a:spLocks noGrp="1"/>
+          </p:cNvSpPr>
           <p:nvPr>
             <p:ph type="title"/>
           </p:nvPr>
@@ -6294,14 +9529,15 @@
           </a:prstGeom>
         </p:spPr>
         <p:txBody>
-          <a:bodyPr/>
+          <a:bodyPr>
+            <a:normAutofit fontScale="90000"/>
+          </a:bodyPr>
           <a:lstStyle>
             <a:lvl1pPr defTabSz="461518">
               <a:defRPr sz="5688"/>
             </a:lvl1pPr>
           </a:lstStyle>
           <a:p>
-            <a:pPr/>
             <a:r>
               <a:t>Навести порядок в голове</a:t>
             </a:r>
@@ -6311,7 +9547,9 @@
       <p:sp>
         <p:nvSpPr>
           <p:cNvPr id="134" name="сколько человек зарабатывает и тратит, в каком направлении расходуется его бюджет и в каком направлении он должен идти"/>
-          <p:cNvSpPr txBox="1"/>
+          <p:cNvSpPr txBox="1">
+            <a:spLocks noGrp="1"/>
+          </p:cNvSpPr>
           <p:nvPr>
             <p:ph type="body" sz="quarter" idx="1"/>
           </p:nvPr>
@@ -6322,7 +9560,9 @@
           </a:prstGeom>
         </p:spPr>
         <p:txBody>
-          <a:bodyPr/>
+          <a:bodyPr>
+            <a:normAutofit fontScale="92500" lnSpcReduction="20000"/>
+          </a:bodyPr>
           <a:lstStyle>
             <a:lvl1pPr defTabSz="467359">
               <a:buClrTx/>
@@ -6330,7 +9570,6 @@
             </a:lvl1pPr>
           </a:lstStyle>
           <a:p>
-            <a:pPr/>
             <a:r>
               <a:t>сколько человек зарабатывает и тратит, в каком направлении расходуется его бюджет и в каком направлении он должен идти</a:t>
             </a:r>
@@ -6371,12 +9610,394 @@
   <p:clrMapOvr>
     <a:masterClrMapping/>
   </p:clrMapOvr>
-  <p:transition xmlns:p14="http://schemas.microsoft.com/office/powerpoint/2010/main" spd="med" advClick="1"/>
+  <p:transition spd="med"/>
+  <p:timing>
+    <p:tnLst>
+      <p:par>
+        <p:cTn id="1" dur="indefinite" restart="never" nodeType="tmRoot"/>
+      </p:par>
+    </p:tnLst>
+  </p:timing>
+</p:sld>
+</file>
+
+<file path=ppt/slides/slide50.xml><?xml version="1.0" encoding="utf-8"?>
+<p:sld xmlns:a="http://schemas.openxmlformats.org/drawingml/2006/main" xmlns:r="http://schemas.openxmlformats.org/officeDocument/2006/relationships" xmlns:p="http://schemas.openxmlformats.org/presentationml/2006/main">
+  <p:cSld>
+    <p:spTree>
+      <p:nvGrpSpPr>
+        <p:cNvPr id="1" name=""/>
+        <p:cNvGrpSpPr/>
+        <p:nvPr/>
+      </p:nvGrpSpPr>
+      <p:grpSpPr>
+        <a:xfrm>
+          <a:off x="0" y="0"/>
+          <a:ext cx="0" cy="0"/>
+          <a:chOff x="0" y="0"/>
+          <a:chExt cx="0" cy="0"/>
+        </a:xfrm>
+      </p:grpSpPr>
+      <p:sp>
+        <p:nvSpPr>
+          <p:cNvPr id="6" name="как это работает"/>
+          <p:cNvSpPr txBox="1">
+            <a:spLocks noGrp="1"/>
+          </p:cNvSpPr>
+          <p:nvPr>
+            <p:ph type="title"/>
+          </p:nvPr>
+        </p:nvSpPr>
+        <p:spPr>
+          <a:xfrm>
+            <a:off x="808893" y="7940859"/>
+            <a:ext cx="11172090" cy="1484495"/>
+          </a:xfrm>
+          <a:prstGeom prst="rect">
+            <a:avLst/>
+          </a:prstGeom>
+        </p:spPr>
+        <p:txBody>
+          <a:bodyPr>
+            <a:normAutofit/>
+          </a:bodyPr>
+          <a:lstStyle/>
+          <a:p>
+            <a:r>
+              <a:rPr lang="ru-RU" dirty="0" smtClean="0"/>
+              <a:t>Список затрат</a:t>
+            </a:r>
+            <a:endParaRPr dirty="0"/>
+          </a:p>
+        </p:txBody>
+      </p:sp>
+      <p:pic>
+        <p:nvPicPr>
+          <p:cNvPr id="2" name="Picture 1"/>
+          <p:cNvPicPr>
+            <a:picLocks noChangeAspect="1"/>
+          </p:cNvPicPr>
+          <p:nvPr/>
+        </p:nvPicPr>
+        <p:blipFill>
+          <a:blip r:embed="rId2"/>
+          <a:stretch>
+            <a:fillRect/>
+          </a:stretch>
+        </p:blipFill>
+        <p:spPr>
+          <a:xfrm>
+            <a:off x="3605514" y="340369"/>
+            <a:ext cx="5796393" cy="7801042"/>
+          </a:xfrm>
+          <a:prstGeom prst="rect">
+            <a:avLst/>
+          </a:prstGeom>
+          <a:solidFill>
+            <a:srgbClr val="FFFFFF">
+              <a:shade val="85000"/>
+            </a:srgbClr>
+          </a:solidFill>
+          <a:ln w="88900" cap="sq">
+            <a:solidFill>
+              <a:srgbClr val="FFFFFF"/>
+            </a:solidFill>
+            <a:miter lim="800000"/>
+          </a:ln>
+          <a:effectLst>
+            <a:outerShdw blurRad="55000" dist="18000" dir="5400000" algn="tl" rotWithShape="0">
+              <a:srgbClr val="000000">
+                <a:alpha val="40000"/>
+              </a:srgbClr>
+            </a:outerShdw>
+          </a:effectLst>
+          <a:scene3d>
+            <a:camera prst="orthographicFront"/>
+            <a:lightRig rig="twoPt" dir="t">
+              <a:rot lat="0" lon="0" rev="7200000"/>
+            </a:lightRig>
+          </a:scene3d>
+          <a:sp3d>
+            <a:bevelT w="25400" h="19050"/>
+            <a:contourClr>
+              <a:srgbClr val="FFFFFF"/>
+            </a:contourClr>
+          </a:sp3d>
+        </p:spPr>
+      </p:pic>
+    </p:spTree>
+    <p:extLst>
+      <p:ext uri="{BB962C8B-B14F-4D97-AF65-F5344CB8AC3E}">
+        <p14:creationId xmlns:p14="http://schemas.microsoft.com/office/powerpoint/2010/main" val="2506277778"/>
+      </p:ext>
+    </p:extLst>
+  </p:cSld>
+  <p:clrMapOvr>
+    <a:masterClrMapping/>
+  </p:clrMapOvr>
+  <p:transition spd="med"/>
+  <p:timing>
+    <p:tnLst>
+      <p:par>
+        <p:cTn id="1" dur="indefinite" restart="never" nodeType="tmRoot"/>
+      </p:par>
+    </p:tnLst>
+  </p:timing>
+</p:sld>
+</file>
+
+<file path=ppt/slides/slide51.xml><?xml version="1.0" encoding="utf-8"?>
+<p:sld xmlns:a="http://schemas.openxmlformats.org/drawingml/2006/main" xmlns:r="http://schemas.openxmlformats.org/officeDocument/2006/relationships" xmlns:p="http://schemas.openxmlformats.org/presentationml/2006/main">
+  <p:cSld>
+    <p:spTree>
+      <p:nvGrpSpPr>
+        <p:cNvPr id="1" name=""/>
+        <p:cNvGrpSpPr/>
+        <p:nvPr/>
+      </p:nvGrpSpPr>
+      <p:grpSpPr>
+        <a:xfrm>
+          <a:off x="0" y="0"/>
+          <a:ext cx="0" cy="0"/>
+          <a:chOff x="0" y="0"/>
+          <a:chExt cx="0" cy="0"/>
+        </a:xfrm>
+      </p:grpSpPr>
+      <p:sp>
+        <p:nvSpPr>
+          <p:cNvPr id="6" name="как это работает"/>
+          <p:cNvSpPr txBox="1">
+            <a:spLocks noGrp="1"/>
+          </p:cNvSpPr>
+          <p:nvPr>
+            <p:ph type="title"/>
+          </p:nvPr>
+        </p:nvSpPr>
+        <p:spPr>
+          <a:xfrm>
+            <a:off x="6506306" y="3368859"/>
+            <a:ext cx="6072553" cy="2774176"/>
+          </a:xfrm>
+          <a:prstGeom prst="rect">
+            <a:avLst/>
+          </a:prstGeom>
+        </p:spPr>
+        <p:txBody>
+          <a:bodyPr>
+            <a:normAutofit/>
+          </a:bodyPr>
+          <a:lstStyle/>
+          <a:p>
+            <a:r>
+              <a:rPr lang="ru-RU" dirty="0" smtClean="0"/>
+              <a:t>Ввод данных</a:t>
+            </a:r>
+            <a:endParaRPr dirty="0"/>
+          </a:p>
+        </p:txBody>
+      </p:sp>
+      <p:pic>
+        <p:nvPicPr>
+          <p:cNvPr id="4" name="Picture 3"/>
+          <p:cNvPicPr>
+            <a:picLocks noChangeAspect="1"/>
+          </p:cNvPicPr>
+          <p:nvPr/>
+        </p:nvPicPr>
+        <p:blipFill>
+          <a:blip r:embed="rId2"/>
+          <a:stretch>
+            <a:fillRect/>
+          </a:stretch>
+        </p:blipFill>
+        <p:spPr>
+          <a:xfrm>
+            <a:off x="1035536" y="156879"/>
+            <a:ext cx="5149855" cy="9198137"/>
+          </a:xfrm>
+          <a:prstGeom prst="rect">
+            <a:avLst/>
+          </a:prstGeom>
+          <a:solidFill>
+            <a:srgbClr val="FFFFFF">
+              <a:shade val="85000"/>
+            </a:srgbClr>
+          </a:solidFill>
+          <a:ln w="88900" cap="sq">
+            <a:solidFill>
+              <a:srgbClr val="FFFFFF"/>
+            </a:solidFill>
+            <a:miter lim="800000"/>
+          </a:ln>
+          <a:effectLst>
+            <a:outerShdw blurRad="55000" dist="18000" dir="5400000" algn="tl" rotWithShape="0">
+              <a:srgbClr val="000000">
+                <a:alpha val="40000"/>
+              </a:srgbClr>
+            </a:outerShdw>
+          </a:effectLst>
+          <a:scene3d>
+            <a:camera prst="orthographicFront"/>
+            <a:lightRig rig="twoPt" dir="t">
+              <a:rot lat="0" lon="0" rev="7200000"/>
+            </a:lightRig>
+          </a:scene3d>
+          <a:sp3d>
+            <a:bevelT w="25400" h="19050"/>
+            <a:contourClr>
+              <a:srgbClr val="FFFFFF"/>
+            </a:contourClr>
+          </a:sp3d>
+        </p:spPr>
+      </p:pic>
+    </p:spTree>
+    <p:extLst>
+      <p:ext uri="{BB962C8B-B14F-4D97-AF65-F5344CB8AC3E}">
+        <p14:creationId xmlns:p14="http://schemas.microsoft.com/office/powerpoint/2010/main" val="1771716411"/>
+      </p:ext>
+    </p:extLst>
+  </p:cSld>
+  <p:clrMapOvr>
+    <a:masterClrMapping/>
+  </p:clrMapOvr>
+  <p:transition spd="med"/>
+  <p:timing>
+    <p:tnLst>
+      <p:par>
+        <p:cTn id="1" dur="indefinite" restart="never" nodeType="tmRoot"/>
+      </p:par>
+    </p:tnLst>
+  </p:timing>
+</p:sld>
+</file>
+
+<file path=ppt/slides/slide52.xml><?xml version="1.0" encoding="utf-8"?>
+<p:sld xmlns:a="http://schemas.openxmlformats.org/drawingml/2006/main" xmlns:r="http://schemas.openxmlformats.org/officeDocument/2006/relationships" xmlns:p="http://schemas.openxmlformats.org/presentationml/2006/main">
+  <p:cSld>
+    <p:spTree>
+      <p:nvGrpSpPr>
+        <p:cNvPr id="1" name=""/>
+        <p:cNvGrpSpPr/>
+        <p:nvPr/>
+      </p:nvGrpSpPr>
+      <p:grpSpPr>
+        <a:xfrm>
+          <a:off x="0" y="0"/>
+          <a:ext cx="0" cy="0"/>
+          <a:chOff x="0" y="0"/>
+          <a:chExt cx="0" cy="0"/>
+        </a:xfrm>
+      </p:grpSpPr>
+      <p:pic>
+        <p:nvPicPr>
+          <p:cNvPr id="2" name="Picture 1"/>
+          <p:cNvPicPr>
+            <a:picLocks noChangeAspect="1"/>
+          </p:cNvPicPr>
+          <p:nvPr/>
+        </p:nvPicPr>
+        <p:blipFill>
+          <a:blip r:embed="rId2"/>
+          <a:stretch>
+            <a:fillRect/>
+          </a:stretch>
+        </p:blipFill>
+        <p:spPr>
+          <a:xfrm>
+            <a:off x="3599225" y="175527"/>
+            <a:ext cx="6322163" cy="8114006"/>
+          </a:xfrm>
+          <a:prstGeom prst="rect">
+            <a:avLst/>
+          </a:prstGeom>
+          <a:solidFill>
+            <a:srgbClr val="FFFFFF">
+              <a:shade val="85000"/>
+            </a:srgbClr>
+          </a:solidFill>
+          <a:ln w="88900" cap="sq">
+            <a:solidFill>
+              <a:srgbClr val="FFFFFF"/>
+            </a:solidFill>
+            <a:miter lim="800000"/>
+          </a:ln>
+          <a:effectLst>
+            <a:outerShdw blurRad="55000" dist="18000" dir="5400000" algn="tl" rotWithShape="0">
+              <a:srgbClr val="000000">
+                <a:alpha val="40000"/>
+              </a:srgbClr>
+            </a:outerShdw>
+          </a:effectLst>
+          <a:scene3d>
+            <a:camera prst="orthographicFront"/>
+            <a:lightRig rig="twoPt" dir="t">
+              <a:rot lat="0" lon="0" rev="7200000"/>
+            </a:lightRig>
+          </a:scene3d>
+          <a:sp3d>
+            <a:bevelT w="25400" h="19050"/>
+            <a:contourClr>
+              <a:srgbClr val="FFFFFF"/>
+            </a:contourClr>
+          </a:sp3d>
+        </p:spPr>
+      </p:pic>
+      <p:sp>
+        <p:nvSpPr>
+          <p:cNvPr id="6" name="как это работает"/>
+          <p:cNvSpPr txBox="1">
+            <a:spLocks noGrp="1"/>
+          </p:cNvSpPr>
+          <p:nvPr>
+            <p:ph type="title"/>
+          </p:nvPr>
+        </p:nvSpPr>
+        <p:spPr>
+          <a:xfrm>
+            <a:off x="1035536" y="8174893"/>
+            <a:ext cx="11449540" cy="1297354"/>
+          </a:xfrm>
+          <a:prstGeom prst="rect">
+            <a:avLst/>
+          </a:prstGeom>
+        </p:spPr>
+        <p:txBody>
+          <a:bodyPr>
+            <a:normAutofit/>
+          </a:bodyPr>
+          <a:lstStyle/>
+          <a:p>
+            <a:r>
+              <a:rPr lang="ru-RU" dirty="0" smtClean="0"/>
+              <a:t>Прибыль</a:t>
+            </a:r>
+            <a:endParaRPr dirty="0"/>
+          </a:p>
+        </p:txBody>
+      </p:sp>
+    </p:spTree>
+    <p:extLst>
+      <p:ext uri="{BB962C8B-B14F-4D97-AF65-F5344CB8AC3E}">
+        <p14:creationId xmlns:p14="http://schemas.microsoft.com/office/powerpoint/2010/main" val="3948724865"/>
+      </p:ext>
+    </p:extLst>
+  </p:cSld>
+  <p:clrMapOvr>
+    <a:masterClrMapping/>
+  </p:clrMapOvr>
+  <p:transition spd="med"/>
+  <p:timing>
+    <p:tnLst>
+      <p:par>
+        <p:cTn id="1" dur="indefinite" restart="never" nodeType="tmRoot"/>
+      </p:par>
+    </p:tnLst>
+  </p:timing>
 </p:sld>
 </file>
 
 <file path=ppt/slides/slide6.xml><?xml version="1.0" encoding="utf-8"?>
-<p:sld xmlns:a="http://schemas.openxmlformats.org/drawingml/2006/main" xmlns:r="http://schemas.openxmlformats.org/officeDocument/2006/relationships" xmlns:p="http://schemas.openxmlformats.org/presentationml/2006/main" xmlns:m="http://schemas.openxmlformats.org/officeDocument/2006/math" xmlns:a14="http://schemas.microsoft.com/office/drawing/2010/main" showMasterSp="1" showMasterPhAnim="1">
+<p:sld xmlns:a="http://schemas.openxmlformats.org/drawingml/2006/main" xmlns:r="http://schemas.openxmlformats.org/officeDocument/2006/relationships" xmlns:p="http://schemas.openxmlformats.org/presentationml/2006/main">
   <p:cSld>
     <p:spTree>
       <p:nvGrpSpPr>
@@ -6395,7 +10016,9 @@
       <p:sp>
         <p:nvSpPr>
           <p:cNvPr id="137" name="Закрыть дыры в бюджете"/>
-          <p:cNvSpPr txBox="1"/>
+          <p:cNvSpPr txBox="1">
+            <a:spLocks noGrp="1"/>
+          </p:cNvSpPr>
           <p:nvPr>
             <p:ph type="title"/>
           </p:nvPr>
@@ -6406,14 +10029,15 @@
           </a:prstGeom>
         </p:spPr>
         <p:txBody>
-          <a:bodyPr/>
+          <a:bodyPr>
+            <a:normAutofit fontScale="90000"/>
+          </a:bodyPr>
           <a:lstStyle>
             <a:lvl1pPr defTabSz="508254">
               <a:defRPr sz="6264"/>
             </a:lvl1pPr>
           </a:lstStyle>
           <a:p>
-            <a:pPr/>
             <a:r>
               <a:t>Закрыть дыры в бюджете</a:t>
             </a:r>
@@ -6423,7 +10047,9 @@
       <p:sp>
         <p:nvSpPr>
           <p:cNvPr id="138" name="через которые финансы уходят в неизвестном направлении"/>
-          <p:cNvSpPr txBox="1"/>
+          <p:cNvSpPr txBox="1">
+            <a:spLocks noGrp="1"/>
+          </p:cNvSpPr>
           <p:nvPr>
             <p:ph type="body" sz="quarter" idx="1"/>
           </p:nvPr>
@@ -6434,7 +10060,9 @@
           </a:prstGeom>
         </p:spPr>
         <p:txBody>
-          <a:bodyPr/>
+          <a:bodyPr>
+            <a:normAutofit lnSpcReduction="10000"/>
+          </a:bodyPr>
           <a:lstStyle>
             <a:lvl1pPr defTabSz="543305">
               <a:buClrTx/>
@@ -6442,7 +10070,6 @@
             </a:lvl1pPr>
           </a:lstStyle>
           <a:p>
-            <a:pPr/>
             <a:r>
               <a:t>через которые финансы уходят в неизвестном направлении</a:t>
             </a:r>
@@ -6483,12 +10110,19 @@
   <p:clrMapOvr>
     <a:masterClrMapping/>
   </p:clrMapOvr>
-  <p:transition xmlns:p14="http://schemas.microsoft.com/office/powerpoint/2010/main" spd="med" advClick="1"/>
+  <p:transition spd="med"/>
+  <p:timing>
+    <p:tnLst>
+      <p:par>
+        <p:cTn id="1" dur="indefinite" restart="never" nodeType="tmRoot"/>
+      </p:par>
+    </p:tnLst>
+  </p:timing>
 </p:sld>
 </file>
 
 <file path=ppt/slides/slide7.xml><?xml version="1.0" encoding="utf-8"?>
-<p:sld xmlns:a="http://schemas.openxmlformats.org/drawingml/2006/main" xmlns:r="http://schemas.openxmlformats.org/officeDocument/2006/relationships" xmlns:p="http://schemas.openxmlformats.org/presentationml/2006/main" xmlns:m="http://schemas.openxmlformats.org/officeDocument/2006/math" xmlns:a14="http://schemas.microsoft.com/office/drawing/2010/main" showMasterSp="1" showMasterPhAnim="1">
+<p:sld xmlns:a="http://schemas.openxmlformats.org/drawingml/2006/main" xmlns:r="http://schemas.openxmlformats.org/officeDocument/2006/relationships" xmlns:p="http://schemas.openxmlformats.org/presentationml/2006/main">
   <p:cSld>
     <p:spTree>
       <p:nvGrpSpPr>
@@ -6507,7 +10141,9 @@
       <p:sp>
         <p:nvSpPr>
           <p:cNvPr id="141" name="понять важность затраты"/>
-          <p:cNvSpPr txBox="1"/>
+          <p:cNvSpPr txBox="1">
+            <a:spLocks noGrp="1"/>
+          </p:cNvSpPr>
           <p:nvPr>
             <p:ph type="title"/>
           </p:nvPr>
@@ -6518,14 +10154,15 @@
           </a:prstGeom>
         </p:spPr>
         <p:txBody>
-          <a:bodyPr/>
+          <a:bodyPr>
+            <a:normAutofit fontScale="90000"/>
+          </a:bodyPr>
           <a:lstStyle>
             <a:lvl1pPr defTabSz="461518">
               <a:defRPr sz="5688"/>
             </a:lvl1pPr>
           </a:lstStyle>
           <a:p>
-            <a:pPr/>
             <a:r>
               <a:t>понять важность затраты</a:t>
             </a:r>
@@ -6535,7 +10172,9 @@
       <p:sp>
         <p:nvSpPr>
           <p:cNvPr id="142" name="которую он сегодня совершил"/>
-          <p:cNvSpPr txBox="1"/>
+          <p:cNvSpPr txBox="1">
+            <a:spLocks noGrp="1"/>
+          </p:cNvSpPr>
           <p:nvPr>
             <p:ph type="body" sz="quarter" idx="1"/>
           </p:nvPr>
@@ -6553,7 +10192,6 @@
             </a:lvl1pPr>
           </a:lstStyle>
           <a:p>
-            <a:pPr/>
             <a:r>
               <a:t>которую он сегодня совершил</a:t>
             </a:r>
@@ -6578,8 +10216,8 @@
         </p:blipFill>
         <p:spPr>
           <a:xfrm>
-            <a:off x="1422400" y="31750"/>
-            <a:ext cx="10160000" cy="6845300"/>
+            <a:off x="1762369" y="260804"/>
+            <a:ext cx="9480062" cy="6387192"/>
           </a:xfrm>
           <a:prstGeom prst="rect">
             <a:avLst/>
@@ -6594,12 +10232,19 @@
   <p:clrMapOvr>
     <a:masterClrMapping/>
   </p:clrMapOvr>
-  <p:transition xmlns:p14="http://schemas.microsoft.com/office/powerpoint/2010/main" spd="med" advClick="1"/>
+  <p:transition spd="med"/>
+  <p:timing>
+    <p:tnLst>
+      <p:par>
+        <p:cTn id="1" dur="indefinite" restart="never" nodeType="tmRoot"/>
+      </p:par>
+    </p:tnLst>
+  </p:timing>
 </p:sld>
 </file>
 
 <file path=ppt/slides/slide8.xml><?xml version="1.0" encoding="utf-8"?>
-<p:sld xmlns:a="http://schemas.openxmlformats.org/drawingml/2006/main" xmlns:r="http://schemas.openxmlformats.org/officeDocument/2006/relationships" xmlns:p="http://schemas.openxmlformats.org/presentationml/2006/main" xmlns:m="http://schemas.openxmlformats.org/officeDocument/2006/math" xmlns:a14="http://schemas.microsoft.com/office/drawing/2010/main" showMasterSp="1" showMasterPhAnim="1">
+<p:sld xmlns:a="http://schemas.openxmlformats.org/drawingml/2006/main" xmlns:r="http://schemas.openxmlformats.org/officeDocument/2006/relationships" xmlns:p="http://schemas.openxmlformats.org/presentationml/2006/main">
   <p:cSld>
     <p:spTree>
       <p:nvGrpSpPr>
@@ -6618,7 +10263,9 @@
       <p:sp>
         <p:nvSpPr>
           <p:cNvPr id="145" name="стать умнее, эффективнее…"/>
-          <p:cNvSpPr txBox="1"/>
+          <p:cNvSpPr txBox="1">
+            <a:spLocks noGrp="1"/>
+          </p:cNvSpPr>
           <p:nvPr>
             <p:ph type="title"/>
           </p:nvPr>
@@ -6633,7 +10280,9 @@
           </a:prstGeom>
         </p:spPr>
         <p:txBody>
-          <a:bodyPr/>
+          <a:bodyPr>
+            <a:normAutofit fontScale="90000"/>
+          </a:bodyPr>
           <a:lstStyle/>
           <a:p>
             <a:pPr defTabSz="473201">
@@ -6687,12 +10336,19 @@
   <p:clrMapOvr>
     <a:masterClrMapping/>
   </p:clrMapOvr>
-  <p:transition xmlns:p14="http://schemas.microsoft.com/office/powerpoint/2010/main" spd="med" advClick="1"/>
+  <p:transition spd="med"/>
+  <p:timing>
+    <p:tnLst>
+      <p:par>
+        <p:cTn id="1" dur="indefinite" restart="never" nodeType="tmRoot"/>
+      </p:par>
+    </p:tnLst>
+  </p:timing>
 </p:sld>
 </file>
 
 <file path=ppt/slides/slide9.xml><?xml version="1.0" encoding="utf-8"?>
-<p:sld xmlns:a="http://schemas.openxmlformats.org/drawingml/2006/main" xmlns:r="http://schemas.openxmlformats.org/officeDocument/2006/relationships" xmlns:p="http://schemas.openxmlformats.org/presentationml/2006/main" xmlns:m="http://schemas.openxmlformats.org/officeDocument/2006/math" xmlns:a14="http://schemas.microsoft.com/office/drawing/2010/main" showMasterSp="1" showMasterPhAnim="1">
+<p:sld xmlns:a="http://schemas.openxmlformats.org/drawingml/2006/main" xmlns:r="http://schemas.openxmlformats.org/officeDocument/2006/relationships" xmlns:p="http://schemas.openxmlformats.org/presentationml/2006/main">
   <p:cSld>
     <p:spTree>
       <p:nvGrpSpPr>
@@ -6711,7 +10367,9 @@
       <p:sp>
         <p:nvSpPr>
           <p:cNvPr id="148" name="реализовать мечты"/>
-          <p:cNvSpPr txBox="1"/>
+          <p:cNvSpPr txBox="1">
+            <a:spLocks noGrp="1"/>
+          </p:cNvSpPr>
           <p:nvPr>
             <p:ph type="title"/>
           </p:nvPr>
@@ -6725,7 +10383,6 @@
           <a:bodyPr/>
           <a:lstStyle/>
           <a:p>
-            <a:pPr/>
             <a:r>
               <a:t>реализовать мечты</a:t>
             </a:r>
@@ -6735,7 +10392,9 @@
       <p:sp>
         <p:nvSpPr>
           <p:cNvPr id="149" name="сделать это как можно раньше"/>
-          <p:cNvSpPr txBox="1"/>
+          <p:cNvSpPr txBox="1">
+            <a:spLocks noGrp="1"/>
+          </p:cNvSpPr>
           <p:nvPr>
             <p:ph type="body" sz="quarter" idx="1"/>
           </p:nvPr>
@@ -6753,7 +10412,6 @@
             </a:lvl1pPr>
           </a:lstStyle>
           <a:p>
-            <a:pPr/>
             <a:r>
               <a:t>сделать это как можно раньше</a:t>
             </a:r>
@@ -6794,12 +10452,19 @@
   <p:clrMapOvr>
     <a:masterClrMapping/>
   </p:clrMapOvr>
-  <p:transition xmlns:p14="http://schemas.microsoft.com/office/powerpoint/2010/main" spd="med" advClick="1"/>
+  <p:transition spd="med"/>
+  <p:timing>
+    <p:tnLst>
+      <p:par>
+        <p:cTn id="1" dur="indefinite" restart="never" nodeType="tmRoot"/>
+      </p:par>
+    </p:tnLst>
+  </p:timing>
 </p:sld>
 </file>
 
 <file path=ppt/theme/theme1.xml><?xml version="1.0" encoding="utf-8"?>
-<a:theme xmlns:a="http://schemas.openxmlformats.org/drawingml/2006/main" xmlns:r="http://schemas.openxmlformats.org/officeDocument/2006/relationships" name="Showroom">
+<a:theme xmlns:a="http://schemas.openxmlformats.org/drawingml/2006/main" name="Showroom">
   <a:themeElements>
     <a:clrScheme name="Showroom">
       <a:dk1>
@@ -6998,7 +10663,7 @@
         <a:effectLst/>
         <a:sp3d/>
       </a:spPr>
-      <a:bodyPr rot="0" spcFirstLastPara="1" vertOverflow="overflow" horzOverflow="overflow" vert="horz" wrap="square" lIns="50800" tIns="50800" rIns="50800" bIns="50800" numCol="1" spcCol="38100" rtlCol="0" anchor="ctr" upright="0">
+      <a:bodyPr rot="0" spcFirstLastPara="1" vertOverflow="overflow" horzOverflow="overflow" vert="horz" wrap="square" lIns="50800" tIns="50800" rIns="50800" bIns="50800" numCol="1" spcCol="38100" rtlCol="0" anchor="ctr">
         <a:spAutoFit/>
       </a:bodyPr>
       <a:lstStyle>
@@ -7017,7 +10682,7 @@
           <a:buFontTx/>
           <a:buNone/>
           <a:tabLst/>
-          <a:defRPr b="0" baseline="0" cap="none" i="0" spc="0" strike="noStrike" sz="3600" u="none" kumimoji="0" normalizeH="0">
+          <a:defRPr kumimoji="0" sz="3600" b="0" i="0" u="none" strike="noStrike" cap="none" spc="0" normalizeH="0" baseline="0">
             <a:ln>
               <a:noFill/>
             </a:ln>
@@ -7047,7 +10712,7 @@
           <a:buFontTx/>
           <a:buNone/>
           <a:tabLst/>
-          <a:defRPr b="0" baseline="0" cap="none" i="0" spc="0" strike="noStrike" sz="1800" u="none" kumimoji="0" normalizeH="0">
+          <a:defRPr kumimoji="0" sz="1800" b="0" i="0" u="none" strike="noStrike" cap="none" spc="0" normalizeH="0" baseline="0">
             <a:ln>
               <a:noFill/>
             </a:ln>
@@ -7073,7 +10738,7 @@
           <a:buFontTx/>
           <a:buNone/>
           <a:tabLst/>
-          <a:defRPr b="0" baseline="0" cap="none" i="0" spc="0" strike="noStrike" sz="1800" u="none" kumimoji="0" normalizeH="0">
+          <a:defRPr kumimoji="0" sz="1800" b="0" i="0" u="none" strike="noStrike" cap="none" spc="0" normalizeH="0" baseline="0">
             <a:ln>
               <a:noFill/>
             </a:ln>
@@ -7099,7 +10764,7 @@
           <a:buFontTx/>
           <a:buNone/>
           <a:tabLst/>
-          <a:defRPr b="0" baseline="0" cap="none" i="0" spc="0" strike="noStrike" sz="1800" u="none" kumimoji="0" normalizeH="0">
+          <a:defRPr kumimoji="0" sz="1800" b="0" i="0" u="none" strike="noStrike" cap="none" spc="0" normalizeH="0" baseline="0">
             <a:ln>
               <a:noFill/>
             </a:ln>
@@ -7125,7 +10790,7 @@
           <a:buFontTx/>
           <a:buNone/>
           <a:tabLst/>
-          <a:defRPr b="0" baseline="0" cap="none" i="0" spc="0" strike="noStrike" sz="1800" u="none" kumimoji="0" normalizeH="0">
+          <a:defRPr kumimoji="0" sz="1800" b="0" i="0" u="none" strike="noStrike" cap="none" spc="0" normalizeH="0" baseline="0">
             <a:ln>
               <a:noFill/>
             </a:ln>
@@ -7151,7 +10816,7 @@
           <a:buFontTx/>
           <a:buNone/>
           <a:tabLst/>
-          <a:defRPr b="0" baseline="0" cap="none" i="0" spc="0" strike="noStrike" sz="1800" u="none" kumimoji="0" normalizeH="0">
+          <a:defRPr kumimoji="0" sz="1800" b="0" i="0" u="none" strike="noStrike" cap="none" spc="0" normalizeH="0" baseline="0">
             <a:ln>
               <a:noFill/>
             </a:ln>
@@ -7177,7 +10842,7 @@
           <a:buFontTx/>
           <a:buNone/>
           <a:tabLst/>
-          <a:defRPr b="0" baseline="0" cap="none" i="0" spc="0" strike="noStrike" sz="1800" u="none" kumimoji="0" normalizeH="0">
+          <a:defRPr kumimoji="0" sz="1800" b="0" i="0" u="none" strike="noStrike" cap="none" spc="0" normalizeH="0" baseline="0">
             <a:ln>
               <a:noFill/>
             </a:ln>
@@ -7203,7 +10868,7 @@
           <a:buFontTx/>
           <a:buNone/>
           <a:tabLst/>
-          <a:defRPr b="0" baseline="0" cap="none" i="0" spc="0" strike="noStrike" sz="1800" u="none" kumimoji="0" normalizeH="0">
+          <a:defRPr kumimoji="0" sz="1800" b="0" i="0" u="none" strike="noStrike" cap="none" spc="0" normalizeH="0" baseline="0">
             <a:ln>
               <a:noFill/>
             </a:ln>
@@ -7229,7 +10894,7 @@
           <a:buFontTx/>
           <a:buNone/>
           <a:tabLst/>
-          <a:defRPr b="0" baseline="0" cap="none" i="0" spc="0" strike="noStrike" sz="1800" u="none" kumimoji="0" normalizeH="0">
+          <a:defRPr kumimoji="0" sz="1800" b="0" i="0" u="none" strike="noStrike" cap="none" spc="0" normalizeH="0" baseline="0">
             <a:ln>
               <a:noFill/>
             </a:ln>
@@ -7255,7 +10920,7 @@
           <a:buFontTx/>
           <a:buNone/>
           <a:tabLst/>
-          <a:defRPr b="0" baseline="0" cap="none" i="0" spc="0" strike="noStrike" sz="1800" u="none" kumimoji="0" normalizeH="0">
+          <a:defRPr kumimoji="0" sz="1800" b="0" i="0" u="none" strike="noStrike" cap="none" spc="0" normalizeH="0" baseline="0">
             <a:ln>
               <a:noFill/>
             </a:ln>
@@ -7268,9 +10933,15 @@
         </a:lvl9pPr>
       </a:lstStyle>
       <a:style>
-        <a:lnRef idx="0"/>
-        <a:fillRef idx="0"/>
-        <a:effectRef idx="0"/>
+        <a:lnRef idx="0">
+          <a:scrgbClr r="0" g="0" b="0"/>
+        </a:lnRef>
+        <a:fillRef idx="0">
+          <a:scrgbClr r="0" g="0" b="0"/>
+        </a:fillRef>
+        <a:effectRef idx="0">
+          <a:scrgbClr r="0" g="0" b="0"/>
+        </a:effectRef>
         <a:fontRef idx="none"/>
       </a:style>
     </a:spDef>
@@ -7287,7 +10958,7 @@
         <a:effectLst/>
         <a:sp3d/>
       </a:spPr>
-      <a:bodyPr rot="0" spcFirstLastPara="1" vertOverflow="overflow" horzOverflow="overflow" vert="horz" wrap="square" lIns="91439" tIns="45719" rIns="91439" bIns="45719" numCol="1" spcCol="38100" rtlCol="0" anchor="t" upright="0">
+      <a:bodyPr rot="0" spcFirstLastPara="1" vertOverflow="overflow" horzOverflow="overflow" vert="horz" wrap="square" lIns="91439" tIns="45719" rIns="91439" bIns="45719" numCol="1" spcCol="38100" rtlCol="0" anchor="t">
         <a:noAutofit/>
       </a:bodyPr>
       <a:lstStyle>
@@ -7306,7 +10977,7 @@
           <a:buFontTx/>
           <a:buNone/>
           <a:tabLst/>
-          <a:defRPr b="0" baseline="0" cap="none" i="0" spc="0" strike="noStrike" sz="1800" u="none" kumimoji="0" normalizeH="0">
+          <a:defRPr kumimoji="0" sz="1800" b="0" i="0" u="none" strike="noStrike" cap="none" spc="0" normalizeH="0" baseline="0">
             <a:ln>
               <a:noFill/>
             </a:ln>
@@ -7332,7 +11003,7 @@
           <a:buFontTx/>
           <a:buNone/>
           <a:tabLst/>
-          <a:defRPr b="0" baseline="0" cap="none" i="0" spc="0" strike="noStrike" sz="1800" u="none" kumimoji="0" normalizeH="0">
+          <a:defRPr kumimoji="0" sz="1800" b="0" i="0" u="none" strike="noStrike" cap="none" spc="0" normalizeH="0" baseline="0">
             <a:ln>
               <a:noFill/>
             </a:ln>
@@ -7358,7 +11029,7 @@
           <a:buFontTx/>
           <a:buNone/>
           <a:tabLst/>
-          <a:defRPr b="0" baseline="0" cap="none" i="0" spc="0" strike="noStrike" sz="1800" u="none" kumimoji="0" normalizeH="0">
+          <a:defRPr kumimoji="0" sz="1800" b="0" i="0" u="none" strike="noStrike" cap="none" spc="0" normalizeH="0" baseline="0">
             <a:ln>
               <a:noFill/>
             </a:ln>
@@ -7384,7 +11055,7 @@
           <a:buFontTx/>
           <a:buNone/>
           <a:tabLst/>
-          <a:defRPr b="0" baseline="0" cap="none" i="0" spc="0" strike="noStrike" sz="1800" u="none" kumimoji="0" normalizeH="0">
+          <a:defRPr kumimoji="0" sz="1800" b="0" i="0" u="none" strike="noStrike" cap="none" spc="0" normalizeH="0" baseline="0">
             <a:ln>
               <a:noFill/>
             </a:ln>
@@ -7410,7 +11081,7 @@
           <a:buFontTx/>
           <a:buNone/>
           <a:tabLst/>
-          <a:defRPr b="0" baseline="0" cap="none" i="0" spc="0" strike="noStrike" sz="1800" u="none" kumimoji="0" normalizeH="0">
+          <a:defRPr kumimoji="0" sz="1800" b="0" i="0" u="none" strike="noStrike" cap="none" spc="0" normalizeH="0" baseline="0">
             <a:ln>
               <a:noFill/>
             </a:ln>
@@ -7436,7 +11107,7 @@
           <a:buFontTx/>
           <a:buNone/>
           <a:tabLst/>
-          <a:defRPr b="0" baseline="0" cap="none" i="0" spc="0" strike="noStrike" sz="1800" u="none" kumimoji="0" normalizeH="0">
+          <a:defRPr kumimoji="0" sz="1800" b="0" i="0" u="none" strike="noStrike" cap="none" spc="0" normalizeH="0" baseline="0">
             <a:ln>
               <a:noFill/>
             </a:ln>
@@ -7462,7 +11133,7 @@
           <a:buFontTx/>
           <a:buNone/>
           <a:tabLst/>
-          <a:defRPr b="0" baseline="0" cap="none" i="0" spc="0" strike="noStrike" sz="1800" u="none" kumimoji="0" normalizeH="0">
+          <a:defRPr kumimoji="0" sz="1800" b="0" i="0" u="none" strike="noStrike" cap="none" spc="0" normalizeH="0" baseline="0">
             <a:ln>
               <a:noFill/>
             </a:ln>
@@ -7488,7 +11159,7 @@
           <a:buFontTx/>
           <a:buNone/>
           <a:tabLst/>
-          <a:defRPr b="0" baseline="0" cap="none" i="0" spc="0" strike="noStrike" sz="1800" u="none" kumimoji="0" normalizeH="0">
+          <a:defRPr kumimoji="0" sz="1800" b="0" i="0" u="none" strike="noStrike" cap="none" spc="0" normalizeH="0" baseline="0">
             <a:ln>
               <a:noFill/>
             </a:ln>
@@ -7514,7 +11185,7 @@
           <a:buFontTx/>
           <a:buNone/>
           <a:tabLst/>
-          <a:defRPr b="0" baseline="0" cap="none" i="0" spc="0" strike="noStrike" sz="1800" u="none" kumimoji="0" normalizeH="0">
+          <a:defRPr kumimoji="0" sz="1800" b="0" i="0" u="none" strike="noStrike" cap="none" spc="0" normalizeH="0" baseline="0">
             <a:ln>
               <a:noFill/>
             </a:ln>
@@ -7540,7 +11211,7 @@
           <a:buFontTx/>
           <a:buNone/>
           <a:tabLst/>
-          <a:defRPr b="0" baseline="0" cap="none" i="0" spc="0" strike="noStrike" sz="1800" u="none" kumimoji="0" normalizeH="0">
+          <a:defRPr kumimoji="0" sz="1800" b="0" i="0" u="none" strike="noStrike" cap="none" spc="0" normalizeH="0" baseline="0">
             <a:ln>
               <a:noFill/>
             </a:ln>
@@ -7553,9 +11224,15 @@
         </a:lvl9pPr>
       </a:lstStyle>
       <a:style>
-        <a:lnRef idx="0"/>
-        <a:fillRef idx="0"/>
-        <a:effectRef idx="0"/>
+        <a:lnRef idx="0">
+          <a:scrgbClr r="0" g="0" b="0"/>
+        </a:lnRef>
+        <a:fillRef idx="0">
+          <a:scrgbClr r="0" g="0" b="0"/>
+        </a:fillRef>
+        <a:effectRef idx="0">
+          <a:scrgbClr r="0" g="0" b="0"/>
+        </a:effectRef>
         <a:fontRef idx="none"/>
       </a:style>
     </a:lnDef>
@@ -7569,7 +11246,7 @@
         <a:effectLst/>
         <a:sp3d/>
       </a:spPr>
-      <a:bodyPr rot="0" spcFirstLastPara="1" vertOverflow="overflow" horzOverflow="overflow" vert="horz" wrap="square" lIns="50800" tIns="50800" rIns="50800" bIns="50800" numCol="1" spcCol="38100" rtlCol="0" anchor="ctr" upright="0">
+      <a:bodyPr rot="0" spcFirstLastPara="1" vertOverflow="overflow" horzOverflow="overflow" vert="horz" wrap="square" lIns="50800" tIns="50800" rIns="50800" bIns="50800" numCol="1" spcCol="38100" rtlCol="0" anchor="ctr">
         <a:spAutoFit/>
       </a:bodyPr>
       <a:lstStyle>
@@ -7588,7 +11265,7 @@
           <a:buFontTx/>
           <a:buNone/>
           <a:tabLst/>
-          <a:defRPr b="0" baseline="0" cap="none" i="0" spc="0" strike="noStrike" sz="3600" u="none" kumimoji="0" normalizeH="0">
+          <a:defRPr kumimoji="0" sz="3600" b="0" i="0" u="none" strike="noStrike" cap="none" spc="0" normalizeH="0" baseline="0">
             <a:ln>
               <a:noFill/>
             </a:ln>
@@ -7618,7 +11295,7 @@
           <a:buFontTx/>
           <a:buNone/>
           <a:tabLst/>
-          <a:defRPr b="0" baseline="0" cap="none" i="0" spc="0" strike="noStrike" sz="1800" u="none" kumimoji="0" normalizeH="0">
+          <a:defRPr kumimoji="0" sz="1800" b="0" i="0" u="none" strike="noStrike" cap="none" spc="0" normalizeH="0" baseline="0">
             <a:ln>
               <a:noFill/>
             </a:ln>
@@ -7644,7 +11321,7 @@
           <a:buFontTx/>
           <a:buNone/>
           <a:tabLst/>
-          <a:defRPr b="0" baseline="0" cap="none" i="0" spc="0" strike="noStrike" sz="1800" u="none" kumimoji="0" normalizeH="0">
+          <a:defRPr kumimoji="0" sz="1800" b="0" i="0" u="none" strike="noStrike" cap="none" spc="0" normalizeH="0" baseline="0">
             <a:ln>
               <a:noFill/>
             </a:ln>
@@ -7670,7 +11347,7 @@
           <a:buFontTx/>
           <a:buNone/>
           <a:tabLst/>
-          <a:defRPr b="0" baseline="0" cap="none" i="0" spc="0" strike="noStrike" sz="1800" u="none" kumimoji="0" normalizeH="0">
+          <a:defRPr kumimoji="0" sz="1800" b="0" i="0" u="none" strike="noStrike" cap="none" spc="0" normalizeH="0" baseline="0">
             <a:ln>
               <a:noFill/>
             </a:ln>
@@ -7696,7 +11373,7 @@
           <a:buFontTx/>
           <a:buNone/>
           <a:tabLst/>
-          <a:defRPr b="0" baseline="0" cap="none" i="0" spc="0" strike="noStrike" sz="1800" u="none" kumimoji="0" normalizeH="0">
+          <a:defRPr kumimoji="0" sz="1800" b="0" i="0" u="none" strike="noStrike" cap="none" spc="0" normalizeH="0" baseline="0">
             <a:ln>
               <a:noFill/>
             </a:ln>
@@ -7722,7 +11399,7 @@
           <a:buFontTx/>
           <a:buNone/>
           <a:tabLst/>
-          <a:defRPr b="0" baseline="0" cap="none" i="0" spc="0" strike="noStrike" sz="1800" u="none" kumimoji="0" normalizeH="0">
+          <a:defRPr kumimoji="0" sz="1800" b="0" i="0" u="none" strike="noStrike" cap="none" spc="0" normalizeH="0" baseline="0">
             <a:ln>
               <a:noFill/>
             </a:ln>
@@ -7748,7 +11425,7 @@
           <a:buFontTx/>
           <a:buNone/>
           <a:tabLst/>
-          <a:defRPr b="0" baseline="0" cap="none" i="0" spc="0" strike="noStrike" sz="1800" u="none" kumimoji="0" normalizeH="0">
+          <a:defRPr kumimoji="0" sz="1800" b="0" i="0" u="none" strike="noStrike" cap="none" spc="0" normalizeH="0" baseline="0">
             <a:ln>
               <a:noFill/>
             </a:ln>
@@ -7774,7 +11451,7 @@
           <a:buFontTx/>
           <a:buNone/>
           <a:tabLst/>
-          <a:defRPr b="0" baseline="0" cap="none" i="0" spc="0" strike="noStrike" sz="1800" u="none" kumimoji="0" normalizeH="0">
+          <a:defRPr kumimoji="0" sz="1800" b="0" i="0" u="none" strike="noStrike" cap="none" spc="0" normalizeH="0" baseline="0">
             <a:ln>
               <a:noFill/>
             </a:ln>
@@ -7800,7 +11477,7 @@
           <a:buFontTx/>
           <a:buNone/>
           <a:tabLst/>
-          <a:defRPr b="0" baseline="0" cap="none" i="0" spc="0" strike="noStrike" sz="1800" u="none" kumimoji="0" normalizeH="0">
+          <a:defRPr kumimoji="0" sz="1800" b="0" i="0" u="none" strike="noStrike" cap="none" spc="0" normalizeH="0" baseline="0">
             <a:ln>
               <a:noFill/>
             </a:ln>
@@ -7826,7 +11503,7 @@
           <a:buFontTx/>
           <a:buNone/>
           <a:tabLst/>
-          <a:defRPr b="0" baseline="0" cap="none" i="0" spc="0" strike="noStrike" sz="1800" u="none" kumimoji="0" normalizeH="0">
+          <a:defRPr kumimoji="0" sz="1800" b="0" i="0" u="none" strike="noStrike" cap="none" spc="0" normalizeH="0" baseline="0">
             <a:ln>
               <a:noFill/>
             </a:ln>
@@ -7839,18 +11516,25 @@
         </a:lvl9pPr>
       </a:lstStyle>
       <a:style>
-        <a:lnRef idx="0"/>
-        <a:fillRef idx="0"/>
-        <a:effectRef idx="0"/>
+        <a:lnRef idx="0">
+          <a:scrgbClr r="0" g="0" b="0"/>
+        </a:lnRef>
+        <a:fillRef idx="0">
+          <a:scrgbClr r="0" g="0" b="0"/>
+        </a:fillRef>
+        <a:effectRef idx="0">
+          <a:scrgbClr r="0" g="0" b="0"/>
+        </a:effectRef>
         <a:fontRef idx="none"/>
       </a:style>
     </a:txDef>
   </a:objectDefaults>
+  <a:extraClrSchemeLst/>
 </a:theme>
 </file>
 
 <file path=ppt/theme/theme2.xml><?xml version="1.0" encoding="utf-8"?>
-<a:theme xmlns:a="http://schemas.openxmlformats.org/drawingml/2006/main" xmlns:r="http://schemas.openxmlformats.org/officeDocument/2006/relationships" name="Showroom">
+<a:theme xmlns:a="http://schemas.openxmlformats.org/drawingml/2006/main" name="Showroom">
   <a:themeElements>
     <a:clrScheme name="Showroom">
       <a:dk1>
@@ -8049,7 +11733,7 @@
         <a:effectLst/>
         <a:sp3d/>
       </a:spPr>
-      <a:bodyPr rot="0" spcFirstLastPara="1" vertOverflow="overflow" horzOverflow="overflow" vert="horz" wrap="square" lIns="50800" tIns="50800" rIns="50800" bIns="50800" numCol="1" spcCol="38100" rtlCol="0" anchor="ctr" upright="0">
+      <a:bodyPr rot="0" spcFirstLastPara="1" vertOverflow="overflow" horzOverflow="overflow" vert="horz" wrap="square" lIns="50800" tIns="50800" rIns="50800" bIns="50800" numCol="1" spcCol="38100" rtlCol="0" anchor="ctr">
         <a:spAutoFit/>
       </a:bodyPr>
       <a:lstStyle>
@@ -8068,7 +11752,7 @@
           <a:buFontTx/>
           <a:buNone/>
           <a:tabLst/>
-          <a:defRPr b="0" baseline="0" cap="none" i="0" spc="0" strike="noStrike" sz="3600" u="none" kumimoji="0" normalizeH="0">
+          <a:defRPr kumimoji="0" sz="3600" b="0" i="0" u="none" strike="noStrike" cap="none" spc="0" normalizeH="0" baseline="0">
             <a:ln>
               <a:noFill/>
             </a:ln>
@@ -8098,7 +11782,7 @@
           <a:buFontTx/>
           <a:buNone/>
           <a:tabLst/>
-          <a:defRPr b="0" baseline="0" cap="none" i="0" spc="0" strike="noStrike" sz="1800" u="none" kumimoji="0" normalizeH="0">
+          <a:defRPr kumimoji="0" sz="1800" b="0" i="0" u="none" strike="noStrike" cap="none" spc="0" normalizeH="0" baseline="0">
             <a:ln>
               <a:noFill/>
             </a:ln>
@@ -8124,7 +11808,7 @@
           <a:buFontTx/>
           <a:buNone/>
           <a:tabLst/>
-          <a:defRPr b="0" baseline="0" cap="none" i="0" spc="0" strike="noStrike" sz="1800" u="none" kumimoji="0" normalizeH="0">
+          <a:defRPr kumimoji="0" sz="1800" b="0" i="0" u="none" strike="noStrike" cap="none" spc="0" normalizeH="0" baseline="0">
             <a:ln>
               <a:noFill/>
             </a:ln>
@@ -8150,7 +11834,7 @@
           <a:buFontTx/>
           <a:buNone/>
           <a:tabLst/>
-          <a:defRPr b="0" baseline="0" cap="none" i="0" spc="0" strike="noStrike" sz="1800" u="none" kumimoji="0" normalizeH="0">
+          <a:defRPr kumimoji="0" sz="1800" b="0" i="0" u="none" strike="noStrike" cap="none" spc="0" normalizeH="0" baseline="0">
             <a:ln>
               <a:noFill/>
             </a:ln>
@@ -8176,7 +11860,7 @@
           <a:buFontTx/>
           <a:buNone/>
           <a:tabLst/>
-          <a:defRPr b="0" baseline="0" cap="none" i="0" spc="0" strike="noStrike" sz="1800" u="none" kumimoji="0" normalizeH="0">
+          <a:defRPr kumimoji="0" sz="1800" b="0" i="0" u="none" strike="noStrike" cap="none" spc="0" normalizeH="0" baseline="0">
             <a:ln>
               <a:noFill/>
             </a:ln>
@@ -8202,7 +11886,7 @@
           <a:buFontTx/>
           <a:buNone/>
           <a:tabLst/>
-          <a:defRPr b="0" baseline="0" cap="none" i="0" spc="0" strike="noStrike" sz="1800" u="none" kumimoji="0" normalizeH="0">
+          <a:defRPr kumimoji="0" sz="1800" b="0" i="0" u="none" strike="noStrike" cap="none" spc="0" normalizeH="0" baseline="0">
             <a:ln>
               <a:noFill/>
             </a:ln>
@@ -8228,7 +11912,7 @@
           <a:buFontTx/>
           <a:buNone/>
           <a:tabLst/>
-          <a:defRPr b="0" baseline="0" cap="none" i="0" spc="0" strike="noStrike" sz="1800" u="none" kumimoji="0" normalizeH="0">
+          <a:defRPr kumimoji="0" sz="1800" b="0" i="0" u="none" strike="noStrike" cap="none" spc="0" normalizeH="0" baseline="0">
             <a:ln>
               <a:noFill/>
             </a:ln>
@@ -8254,7 +11938,7 @@
           <a:buFontTx/>
           <a:buNone/>
           <a:tabLst/>
-          <a:defRPr b="0" baseline="0" cap="none" i="0" spc="0" strike="noStrike" sz="1800" u="none" kumimoji="0" normalizeH="0">
+          <a:defRPr kumimoji="0" sz="1800" b="0" i="0" u="none" strike="noStrike" cap="none" spc="0" normalizeH="0" baseline="0">
             <a:ln>
               <a:noFill/>
             </a:ln>
@@ -8280,7 +11964,7 @@
           <a:buFontTx/>
           <a:buNone/>
           <a:tabLst/>
-          <a:defRPr b="0" baseline="0" cap="none" i="0" spc="0" strike="noStrike" sz="1800" u="none" kumimoji="0" normalizeH="0">
+          <a:defRPr kumimoji="0" sz="1800" b="0" i="0" u="none" strike="noStrike" cap="none" spc="0" normalizeH="0" baseline="0">
             <a:ln>
               <a:noFill/>
             </a:ln>
@@ -8306,7 +11990,7 @@
           <a:buFontTx/>
           <a:buNone/>
           <a:tabLst/>
-          <a:defRPr b="0" baseline="0" cap="none" i="0" spc="0" strike="noStrike" sz="1800" u="none" kumimoji="0" normalizeH="0">
+          <a:defRPr kumimoji="0" sz="1800" b="0" i="0" u="none" strike="noStrike" cap="none" spc="0" normalizeH="0" baseline="0">
             <a:ln>
               <a:noFill/>
             </a:ln>
@@ -8319,9 +12003,15 @@
         </a:lvl9pPr>
       </a:lstStyle>
       <a:style>
-        <a:lnRef idx="0"/>
-        <a:fillRef idx="0"/>
-        <a:effectRef idx="0"/>
+        <a:lnRef idx="0">
+          <a:scrgbClr r="0" g="0" b="0"/>
+        </a:lnRef>
+        <a:fillRef idx="0">
+          <a:scrgbClr r="0" g="0" b="0"/>
+        </a:fillRef>
+        <a:effectRef idx="0">
+          <a:scrgbClr r="0" g="0" b="0"/>
+        </a:effectRef>
         <a:fontRef idx="none"/>
       </a:style>
     </a:spDef>
@@ -8338,7 +12028,7 @@
         <a:effectLst/>
         <a:sp3d/>
       </a:spPr>
-      <a:bodyPr rot="0" spcFirstLastPara="1" vertOverflow="overflow" horzOverflow="overflow" vert="horz" wrap="square" lIns="91439" tIns="45719" rIns="91439" bIns="45719" numCol="1" spcCol="38100" rtlCol="0" anchor="t" upright="0">
+      <a:bodyPr rot="0" spcFirstLastPara="1" vertOverflow="overflow" horzOverflow="overflow" vert="horz" wrap="square" lIns="91439" tIns="45719" rIns="91439" bIns="45719" numCol="1" spcCol="38100" rtlCol="0" anchor="t">
         <a:noAutofit/>
       </a:bodyPr>
       <a:lstStyle>
@@ -8357,7 +12047,7 @@
           <a:buFontTx/>
           <a:buNone/>
           <a:tabLst/>
-          <a:defRPr b="0" baseline="0" cap="none" i="0" spc="0" strike="noStrike" sz="1800" u="none" kumimoji="0" normalizeH="0">
+          <a:defRPr kumimoji="0" sz="1800" b="0" i="0" u="none" strike="noStrike" cap="none" spc="0" normalizeH="0" baseline="0">
             <a:ln>
               <a:noFill/>
             </a:ln>
@@ -8383,7 +12073,7 @@
           <a:buFontTx/>
           <a:buNone/>
           <a:tabLst/>
-          <a:defRPr b="0" baseline="0" cap="none" i="0" spc="0" strike="noStrike" sz="1800" u="none" kumimoji="0" normalizeH="0">
+          <a:defRPr kumimoji="0" sz="1800" b="0" i="0" u="none" strike="noStrike" cap="none" spc="0" normalizeH="0" baseline="0">
             <a:ln>
               <a:noFill/>
             </a:ln>
@@ -8409,7 +12099,7 @@
           <a:buFontTx/>
           <a:buNone/>
           <a:tabLst/>
-          <a:defRPr b="0" baseline="0" cap="none" i="0" spc="0" strike="noStrike" sz="1800" u="none" kumimoji="0" normalizeH="0">
+          <a:defRPr kumimoji="0" sz="1800" b="0" i="0" u="none" strike="noStrike" cap="none" spc="0" normalizeH="0" baseline="0">
             <a:ln>
               <a:noFill/>
             </a:ln>
@@ -8435,7 +12125,7 @@
           <a:buFontTx/>
           <a:buNone/>
           <a:tabLst/>
-          <a:defRPr b="0" baseline="0" cap="none" i="0" spc="0" strike="noStrike" sz="1800" u="none" kumimoji="0" normalizeH="0">
+          <a:defRPr kumimoji="0" sz="1800" b="0" i="0" u="none" strike="noStrike" cap="none" spc="0" normalizeH="0" baseline="0">
             <a:ln>
               <a:noFill/>
             </a:ln>
@@ -8461,7 +12151,7 @@
           <a:buFontTx/>
           <a:buNone/>
           <a:tabLst/>
-          <a:defRPr b="0" baseline="0" cap="none" i="0" spc="0" strike="noStrike" sz="1800" u="none" kumimoji="0" normalizeH="0">
+          <a:defRPr kumimoji="0" sz="1800" b="0" i="0" u="none" strike="noStrike" cap="none" spc="0" normalizeH="0" baseline="0">
             <a:ln>
               <a:noFill/>
             </a:ln>
@@ -8487,7 +12177,7 @@
           <a:buFontTx/>
           <a:buNone/>
           <a:tabLst/>
-          <a:defRPr b="0" baseline="0" cap="none" i="0" spc="0" strike="noStrike" sz="1800" u="none" kumimoji="0" normalizeH="0">
+          <a:defRPr kumimoji="0" sz="1800" b="0" i="0" u="none" strike="noStrike" cap="none" spc="0" normalizeH="0" baseline="0">
             <a:ln>
               <a:noFill/>
             </a:ln>
@@ -8513,7 +12203,7 @@
           <a:buFontTx/>
           <a:buNone/>
           <a:tabLst/>
-          <a:defRPr b="0" baseline="0" cap="none" i="0" spc="0" strike="noStrike" sz="1800" u="none" kumimoji="0" normalizeH="0">
+          <a:defRPr kumimoji="0" sz="1800" b="0" i="0" u="none" strike="noStrike" cap="none" spc="0" normalizeH="0" baseline="0">
             <a:ln>
               <a:noFill/>
             </a:ln>
@@ -8539,7 +12229,7 @@
           <a:buFontTx/>
           <a:buNone/>
           <a:tabLst/>
-          <a:defRPr b="0" baseline="0" cap="none" i="0" spc="0" strike="noStrike" sz="1800" u="none" kumimoji="0" normalizeH="0">
+          <a:defRPr kumimoji="0" sz="1800" b="0" i="0" u="none" strike="noStrike" cap="none" spc="0" normalizeH="0" baseline="0">
             <a:ln>
               <a:noFill/>
             </a:ln>
@@ -8565,7 +12255,7 @@
           <a:buFontTx/>
           <a:buNone/>
           <a:tabLst/>
-          <a:defRPr b="0" baseline="0" cap="none" i="0" spc="0" strike="noStrike" sz="1800" u="none" kumimoji="0" normalizeH="0">
+          <a:defRPr kumimoji="0" sz="1800" b="0" i="0" u="none" strike="noStrike" cap="none" spc="0" normalizeH="0" baseline="0">
             <a:ln>
               <a:noFill/>
             </a:ln>
@@ -8591,7 +12281,7 @@
           <a:buFontTx/>
           <a:buNone/>
           <a:tabLst/>
-          <a:defRPr b="0" baseline="0" cap="none" i="0" spc="0" strike="noStrike" sz="1800" u="none" kumimoji="0" normalizeH="0">
+          <a:defRPr kumimoji="0" sz="1800" b="0" i="0" u="none" strike="noStrike" cap="none" spc="0" normalizeH="0" baseline="0">
             <a:ln>
               <a:noFill/>
             </a:ln>
@@ -8604,9 +12294,15 @@
         </a:lvl9pPr>
       </a:lstStyle>
       <a:style>
-        <a:lnRef idx="0"/>
-        <a:fillRef idx="0"/>
-        <a:effectRef idx="0"/>
+        <a:lnRef idx="0">
+          <a:scrgbClr r="0" g="0" b="0"/>
+        </a:lnRef>
+        <a:fillRef idx="0">
+          <a:scrgbClr r="0" g="0" b="0"/>
+        </a:fillRef>
+        <a:effectRef idx="0">
+          <a:scrgbClr r="0" g="0" b="0"/>
+        </a:effectRef>
         <a:fontRef idx="none"/>
       </a:style>
     </a:lnDef>
@@ -8620,7 +12316,7 @@
         <a:effectLst/>
         <a:sp3d/>
       </a:spPr>
-      <a:bodyPr rot="0" spcFirstLastPara="1" vertOverflow="overflow" horzOverflow="overflow" vert="horz" wrap="square" lIns="50800" tIns="50800" rIns="50800" bIns="50800" numCol="1" spcCol="38100" rtlCol="0" anchor="ctr" upright="0">
+      <a:bodyPr rot="0" spcFirstLastPara="1" vertOverflow="overflow" horzOverflow="overflow" vert="horz" wrap="square" lIns="50800" tIns="50800" rIns="50800" bIns="50800" numCol="1" spcCol="38100" rtlCol="0" anchor="ctr">
         <a:spAutoFit/>
       </a:bodyPr>
       <a:lstStyle>
@@ -8639,7 +12335,7 @@
           <a:buFontTx/>
           <a:buNone/>
           <a:tabLst/>
-          <a:defRPr b="0" baseline="0" cap="none" i="0" spc="0" strike="noStrike" sz="3600" u="none" kumimoji="0" normalizeH="0">
+          <a:defRPr kumimoji="0" sz="3600" b="0" i="0" u="none" strike="noStrike" cap="none" spc="0" normalizeH="0" baseline="0">
             <a:ln>
               <a:noFill/>
             </a:ln>
@@ -8669,7 +12365,7 @@
           <a:buFontTx/>
           <a:buNone/>
           <a:tabLst/>
-          <a:defRPr b="0" baseline="0" cap="none" i="0" spc="0" strike="noStrike" sz="1800" u="none" kumimoji="0" normalizeH="0">
+          <a:defRPr kumimoji="0" sz="1800" b="0" i="0" u="none" strike="noStrike" cap="none" spc="0" normalizeH="0" baseline="0">
             <a:ln>
               <a:noFill/>
             </a:ln>
@@ -8695,7 +12391,7 @@
           <a:buFontTx/>
           <a:buNone/>
           <a:tabLst/>
-          <a:defRPr b="0" baseline="0" cap="none" i="0" spc="0" strike="noStrike" sz="1800" u="none" kumimoji="0" normalizeH="0">
+          <a:defRPr kumimoji="0" sz="1800" b="0" i="0" u="none" strike="noStrike" cap="none" spc="0" normalizeH="0" baseline="0">
             <a:ln>
               <a:noFill/>
             </a:ln>
@@ -8721,7 +12417,7 @@
           <a:buFontTx/>
           <a:buNone/>
           <a:tabLst/>
-          <a:defRPr b="0" baseline="0" cap="none" i="0" spc="0" strike="noStrike" sz="1800" u="none" kumimoji="0" normalizeH="0">
+          <a:defRPr kumimoji="0" sz="1800" b="0" i="0" u="none" strike="noStrike" cap="none" spc="0" normalizeH="0" baseline="0">
             <a:ln>
               <a:noFill/>
             </a:ln>
@@ -8747,7 +12443,7 @@
           <a:buFontTx/>
           <a:buNone/>
           <a:tabLst/>
-          <a:defRPr b="0" baseline="0" cap="none" i="0" spc="0" strike="noStrike" sz="1800" u="none" kumimoji="0" normalizeH="0">
+          <a:defRPr kumimoji="0" sz="1800" b="0" i="0" u="none" strike="noStrike" cap="none" spc="0" normalizeH="0" baseline="0">
             <a:ln>
               <a:noFill/>
             </a:ln>
@@ -8773,7 +12469,7 @@
           <a:buFontTx/>
           <a:buNone/>
           <a:tabLst/>
-          <a:defRPr b="0" baseline="0" cap="none" i="0" spc="0" strike="noStrike" sz="1800" u="none" kumimoji="0" normalizeH="0">
+          <a:defRPr kumimoji="0" sz="1800" b="0" i="0" u="none" strike="noStrike" cap="none" spc="0" normalizeH="0" baseline="0">
             <a:ln>
               <a:noFill/>
             </a:ln>
@@ -8799,7 +12495,7 @@
           <a:buFontTx/>
           <a:buNone/>
           <a:tabLst/>
-          <a:defRPr b="0" baseline="0" cap="none" i="0" spc="0" strike="noStrike" sz="1800" u="none" kumimoji="0" normalizeH="0">
+          <a:defRPr kumimoji="0" sz="1800" b="0" i="0" u="none" strike="noStrike" cap="none" spc="0" normalizeH="0" baseline="0">
             <a:ln>
               <a:noFill/>
             </a:ln>
@@ -8825,7 +12521,7 @@
           <a:buFontTx/>
           <a:buNone/>
           <a:tabLst/>
-          <a:defRPr b="0" baseline="0" cap="none" i="0" spc="0" strike="noStrike" sz="1800" u="none" kumimoji="0" normalizeH="0">
+          <a:defRPr kumimoji="0" sz="1800" b="0" i="0" u="none" strike="noStrike" cap="none" spc="0" normalizeH="0" baseline="0">
             <a:ln>
               <a:noFill/>
             </a:ln>
@@ -8851,7 +12547,7 @@
           <a:buFontTx/>
           <a:buNone/>
           <a:tabLst/>
-          <a:defRPr b="0" baseline="0" cap="none" i="0" spc="0" strike="noStrike" sz="1800" u="none" kumimoji="0" normalizeH="0">
+          <a:defRPr kumimoji="0" sz="1800" b="0" i="0" u="none" strike="noStrike" cap="none" spc="0" normalizeH="0" baseline="0">
             <a:ln>
               <a:noFill/>
             </a:ln>
@@ -8877,7 +12573,7 @@
           <a:buFontTx/>
           <a:buNone/>
           <a:tabLst/>
-          <a:defRPr b="0" baseline="0" cap="none" i="0" spc="0" strike="noStrike" sz="1800" u="none" kumimoji="0" normalizeH="0">
+          <a:defRPr kumimoji="0" sz="1800" b="0" i="0" u="none" strike="noStrike" cap="none" spc="0" normalizeH="0" baseline="0">
             <a:ln>
               <a:noFill/>
             </a:ln>
@@ -8890,12 +12586,19 @@
         </a:lvl9pPr>
       </a:lstStyle>
       <a:style>
-        <a:lnRef idx="0"/>
-        <a:fillRef idx="0"/>
-        <a:effectRef idx="0"/>
+        <a:lnRef idx="0">
+          <a:scrgbClr r="0" g="0" b="0"/>
+        </a:lnRef>
+        <a:fillRef idx="0">
+          <a:scrgbClr r="0" g="0" b="0"/>
+        </a:fillRef>
+        <a:effectRef idx="0">
+          <a:scrgbClr r="0" g="0" b="0"/>
+        </a:effectRef>
         <a:fontRef idx="none"/>
       </a:style>
     </a:txDef>
   </a:objectDefaults>
+  <a:extraClrSchemeLst/>
 </a:theme>
 </file>